--- a/Lectures/19 Machine Learning IV Integrating ML .pptx
+++ b/Lectures/19 Machine Learning IV Integrating ML .pptx
@@ -5,10 +5,10 @@
     <p:sldMasterId id="2147483648" r:id="rId1"/>
   </p:sldMasterIdLst>
   <p:notesMasterIdLst>
-    <p:notesMasterId r:id="rId46"/>
+    <p:notesMasterId r:id="rId48"/>
   </p:notesMasterIdLst>
   <p:handoutMasterIdLst>
-    <p:handoutMasterId r:id="rId47"/>
+    <p:handoutMasterId r:id="rId49"/>
   </p:handoutMasterIdLst>
   <p:sldIdLst>
     <p:sldId id="258" r:id="rId2"/>
@@ -54,7 +54,9 @@
     <p:sldId id="796" r:id="rId42"/>
     <p:sldId id="797" r:id="rId43"/>
     <p:sldId id="792" r:id="rId44"/>
-    <p:sldId id="793" r:id="rId45"/>
+    <p:sldId id="798" r:id="rId45"/>
+    <p:sldId id="793" r:id="rId46"/>
+    <p:sldId id="799" r:id="rId47"/>
   </p:sldIdLst>
   <p:sldSz cx="9144000" cy="6858000" type="screen4x3"/>
   <p:notesSz cx="6858000" cy="9144000"/>
@@ -3477,7 +3479,175 @@
     </p:spTree>
     <p:extLst>
       <p:ext uri="{BB962C8B-B14F-4D97-AF65-F5344CB8AC3E}">
+        <p14:creationId xmlns:p14="http://schemas.microsoft.com/office/powerpoint/2010/main" val="623489508"/>
+      </p:ext>
+    </p:extLst>
+  </p:cSld>
+  <p:clrMapOvr>
+    <a:masterClrMapping/>
+  </p:clrMapOvr>
+</p:notes>
+</file>
+
+<file path=ppt/notesSlides/notesSlide35.xml><?xml version="1.0" encoding="utf-8"?>
+<p:notes xmlns:a="http://schemas.openxmlformats.org/drawingml/2006/main" xmlns:r="http://schemas.openxmlformats.org/officeDocument/2006/relationships" xmlns:p="http://schemas.openxmlformats.org/presentationml/2006/main">
+  <p:cSld>
+    <p:spTree>
+      <p:nvGrpSpPr>
+        <p:cNvPr id="1" name=""/>
+        <p:cNvGrpSpPr/>
+        <p:nvPr/>
+      </p:nvGrpSpPr>
+      <p:grpSpPr>
+        <a:xfrm>
+          <a:off x="0" y="0"/>
+          <a:ext cx="0" cy="0"/>
+          <a:chOff x="0" y="0"/>
+          <a:chExt cx="0" cy="0"/>
+        </a:xfrm>
+      </p:grpSpPr>
+      <p:sp>
+        <p:nvSpPr>
+          <p:cNvPr id="2" name="Slide Image Placeholder 1"/>
+          <p:cNvSpPr>
+            <a:spLocks noGrp="1" noRot="1" noChangeAspect="1"/>
+          </p:cNvSpPr>
+          <p:nvPr>
+            <p:ph type="sldImg"/>
+          </p:nvPr>
+        </p:nvSpPr>
+        <p:spPr/>
+      </p:sp>
+      <p:sp>
+        <p:nvSpPr>
+          <p:cNvPr id="3" name="Notes Placeholder 2"/>
+          <p:cNvSpPr>
+            <a:spLocks noGrp="1"/>
+          </p:cNvSpPr>
+          <p:nvPr>
+            <p:ph type="body" idx="1"/>
+          </p:nvPr>
+        </p:nvSpPr>
+        <p:spPr/>
+        <p:txBody>
+          <a:bodyPr/>
+          <a:lstStyle/>
+          <a:p>
+            <a:endParaRPr lang="en-US" dirty="0"/>
+          </a:p>
+        </p:txBody>
+      </p:sp>
+      <p:sp>
+        <p:nvSpPr>
+          <p:cNvPr id="4" name="Slide Number Placeholder 3"/>
+          <p:cNvSpPr>
+            <a:spLocks noGrp="1"/>
+          </p:cNvSpPr>
+          <p:nvPr>
+            <p:ph type="sldNum" sz="quarter" idx="10"/>
+          </p:nvPr>
+        </p:nvSpPr>
+        <p:spPr/>
+        <p:txBody>
+          <a:bodyPr/>
+          <a:lstStyle/>
+          <a:p>
+            <a:fld id="{FD66F34B-9C4D-8640-BB34-4C24A79C9FFB}" type="slidenum">
+              <a:rPr lang="en-US" smtClean="0"/>
+              <a:t>45</a:t>
+            </a:fld>
+            <a:endParaRPr lang="en-US"/>
+          </a:p>
+        </p:txBody>
+      </p:sp>
+    </p:spTree>
+    <p:extLst>
+      <p:ext uri="{BB962C8B-B14F-4D97-AF65-F5344CB8AC3E}">
         <p14:creationId xmlns:p14="http://schemas.microsoft.com/office/powerpoint/2010/main" val="767578196"/>
+      </p:ext>
+    </p:extLst>
+  </p:cSld>
+  <p:clrMapOvr>
+    <a:masterClrMapping/>
+  </p:clrMapOvr>
+</p:notes>
+</file>
+
+<file path=ppt/notesSlides/notesSlide36.xml><?xml version="1.0" encoding="utf-8"?>
+<p:notes xmlns:a="http://schemas.openxmlformats.org/drawingml/2006/main" xmlns:r="http://schemas.openxmlformats.org/officeDocument/2006/relationships" xmlns:p="http://schemas.openxmlformats.org/presentationml/2006/main">
+  <p:cSld>
+    <p:spTree>
+      <p:nvGrpSpPr>
+        <p:cNvPr id="1" name=""/>
+        <p:cNvGrpSpPr/>
+        <p:nvPr/>
+      </p:nvGrpSpPr>
+      <p:grpSpPr>
+        <a:xfrm>
+          <a:off x="0" y="0"/>
+          <a:ext cx="0" cy="0"/>
+          <a:chOff x="0" y="0"/>
+          <a:chExt cx="0" cy="0"/>
+        </a:xfrm>
+      </p:grpSpPr>
+      <p:sp>
+        <p:nvSpPr>
+          <p:cNvPr id="2" name="Slide Image Placeholder 1"/>
+          <p:cNvSpPr>
+            <a:spLocks noGrp="1" noRot="1" noChangeAspect="1"/>
+          </p:cNvSpPr>
+          <p:nvPr>
+            <p:ph type="sldImg"/>
+          </p:nvPr>
+        </p:nvSpPr>
+        <p:spPr/>
+      </p:sp>
+      <p:sp>
+        <p:nvSpPr>
+          <p:cNvPr id="3" name="Notes Placeholder 2"/>
+          <p:cNvSpPr>
+            <a:spLocks noGrp="1"/>
+          </p:cNvSpPr>
+          <p:nvPr>
+            <p:ph type="body" idx="1"/>
+          </p:nvPr>
+        </p:nvSpPr>
+        <p:spPr/>
+        <p:txBody>
+          <a:bodyPr/>
+          <a:lstStyle/>
+          <a:p>
+            <a:endParaRPr lang="en-US" dirty="0"/>
+          </a:p>
+        </p:txBody>
+      </p:sp>
+      <p:sp>
+        <p:nvSpPr>
+          <p:cNvPr id="4" name="Slide Number Placeholder 3"/>
+          <p:cNvSpPr>
+            <a:spLocks noGrp="1"/>
+          </p:cNvSpPr>
+          <p:nvPr>
+            <p:ph type="sldNum" sz="quarter" idx="10"/>
+          </p:nvPr>
+        </p:nvSpPr>
+        <p:spPr/>
+        <p:txBody>
+          <a:bodyPr/>
+          <a:lstStyle/>
+          <a:p>
+            <a:fld id="{FD66F34B-9C4D-8640-BB34-4C24A79C9FFB}" type="slidenum">
+              <a:rPr lang="en-US" smtClean="0"/>
+              <a:t>46</a:t>
+            </a:fld>
+            <a:endParaRPr lang="en-US"/>
+          </a:p>
+        </p:txBody>
+      </p:sp>
+    </p:spTree>
+    <p:extLst>
+      <p:ext uri="{BB962C8B-B14F-4D97-AF65-F5344CB8AC3E}">
+        <p14:creationId xmlns:p14="http://schemas.microsoft.com/office/powerpoint/2010/main" val="393609180"/>
       </p:ext>
     </p:extLst>
   </p:cSld>
@@ -32017,23 +32187,8 @@
           <a:p>
             <a:r>
               <a:rPr lang="en-US" dirty="0" smtClean="0"/>
-              <a:t>Continued learning:</a:t>
-            </a:r>
-          </a:p>
-          <a:p>
-            <a:pPr lvl="1"/>
-            <a:r>
-              <a:rPr lang="en-US" dirty="0" smtClean="0"/>
-              <a:t>Online learning</a:t>
-            </a:r>
-          </a:p>
-          <a:p>
-            <a:pPr lvl="1"/>
-            <a:r>
-              <a:rPr lang="en-US" smtClean="0"/>
-              <a:t>Active learning</a:t>
-            </a:r>
-            <a:endParaRPr lang="en-US" dirty="0"/>
+              <a:t>Assessing performance over time</a:t>
+            </a:r>
           </a:p>
         </p:txBody>
       </p:sp>
@@ -32105,7 +32260,377 @@
     </p:spTree>
     <p:extLst>
       <p:ext uri="{BB962C8B-B14F-4D97-AF65-F5344CB8AC3E}">
+        <p14:creationId xmlns:p14="http://schemas.microsoft.com/office/powerpoint/2010/main" val="235523047"/>
+      </p:ext>
+    </p:extLst>
+  </p:cSld>
+  <p:clrMapOvr>
+    <a:masterClrMapping/>
+  </p:clrMapOvr>
+  <p:timing>
+    <p:tnLst>
+      <p:par>
+        <p:cTn id="1" dur="indefinite" restart="never" nodeType="tmRoot"/>
+      </p:par>
+    </p:tnLst>
+  </p:timing>
+</p:sld>
+</file>
+
+<file path=ppt/slides/slide45.xml><?xml version="1.0" encoding="utf-8"?>
+<p:sld xmlns:a="http://schemas.openxmlformats.org/drawingml/2006/main" xmlns:r="http://schemas.openxmlformats.org/officeDocument/2006/relationships" xmlns:p="http://schemas.openxmlformats.org/presentationml/2006/main">
+  <p:cSld>
+    <p:spTree>
+      <p:nvGrpSpPr>
+        <p:cNvPr id="1" name=""/>
+        <p:cNvGrpSpPr/>
+        <p:nvPr/>
+      </p:nvGrpSpPr>
+      <p:grpSpPr>
+        <a:xfrm>
+          <a:off x="0" y="0"/>
+          <a:ext cx="0" cy="0"/>
+          <a:chOff x="0" y="0"/>
+          <a:chExt cx="0" cy="0"/>
+        </a:xfrm>
+      </p:grpSpPr>
+      <p:sp>
+        <p:nvSpPr>
+          <p:cNvPr id="2" name="Title 1"/>
+          <p:cNvSpPr>
+            <a:spLocks noGrp="1"/>
+          </p:cNvSpPr>
+          <p:nvPr>
+            <p:ph type="title"/>
+          </p:nvPr>
+        </p:nvSpPr>
+        <p:spPr/>
+        <p:txBody>
+          <a:bodyPr/>
+          <a:lstStyle/>
+          <a:p>
+            <a:r>
+              <a:rPr lang="en-US" dirty="0" smtClean="0"/>
+              <a:t>Integrating ML</a:t>
+            </a:r>
+            <a:br>
+              <a:rPr lang="en-US" dirty="0" smtClean="0"/>
+            </a:br>
+            <a:r>
+              <a:rPr lang="en-US" dirty="0" smtClean="0"/>
+              <a:t>into Interactive Systems</a:t>
+            </a:r>
+            <a:endParaRPr lang="en-US" dirty="0"/>
+          </a:p>
+        </p:txBody>
+      </p:sp>
+      <p:sp>
+        <p:nvSpPr>
+          <p:cNvPr id="3" name="Content Placeholder 2"/>
+          <p:cNvSpPr>
+            <a:spLocks noGrp="1"/>
+          </p:cNvSpPr>
+          <p:nvPr>
+            <p:ph idx="1"/>
+          </p:nvPr>
+        </p:nvSpPr>
+        <p:spPr/>
+        <p:txBody>
+          <a:bodyPr/>
+          <a:lstStyle/>
+          <a:p>
+            <a:r>
+              <a:rPr lang="en-US" dirty="0" smtClean="0"/>
+              <a:t>Real-time Classification</a:t>
+            </a:r>
+          </a:p>
+          <a:p>
+            <a:r>
+              <a:rPr lang="en-US" dirty="0"/>
+              <a:t>Assessing performance over </a:t>
+            </a:r>
+            <a:r>
+              <a:rPr lang="en-US" dirty="0" smtClean="0"/>
+              <a:t>time</a:t>
+            </a:r>
+          </a:p>
+          <a:p>
+            <a:r>
+              <a:rPr lang="en-US" dirty="0" smtClean="0"/>
+              <a:t>Continued learning:</a:t>
+            </a:r>
+          </a:p>
+          <a:p>
+            <a:pPr lvl="1"/>
+            <a:r>
+              <a:rPr lang="en-US" dirty="0" smtClean="0"/>
+              <a:t>Online learning</a:t>
+            </a:r>
+          </a:p>
+          <a:p>
+            <a:pPr lvl="1"/>
+            <a:r>
+              <a:rPr lang="en-US" dirty="0" smtClean="0"/>
+              <a:t>Active learning</a:t>
+            </a:r>
+            <a:endParaRPr lang="en-US" dirty="0"/>
+          </a:p>
+        </p:txBody>
+      </p:sp>
+      <p:sp>
+        <p:nvSpPr>
+          <p:cNvPr id="4" name="Date Placeholder 3"/>
+          <p:cNvSpPr>
+            <a:spLocks noGrp="1"/>
+          </p:cNvSpPr>
+          <p:nvPr>
+            <p:ph type="dt" sz="half" idx="10"/>
+          </p:nvPr>
+        </p:nvSpPr>
+        <p:spPr/>
+        <p:txBody>
+          <a:bodyPr/>
+          <a:lstStyle/>
+          <a:p>
+            <a:fld id="{7053BEFA-1175-F644-B249-7D41D72BD3FF}" type="datetime1">
+              <a:rPr lang="en-US" smtClean="0"/>
+              <a:t>4/11/17</a:t>
+            </a:fld>
+            <a:endParaRPr lang="en-US"/>
+          </a:p>
+        </p:txBody>
+      </p:sp>
+      <p:sp>
+        <p:nvSpPr>
+          <p:cNvPr id="5" name="Footer Placeholder 4"/>
+          <p:cNvSpPr>
+            <a:spLocks noGrp="1"/>
+          </p:cNvSpPr>
+          <p:nvPr>
+            <p:ph type="ftr" sz="quarter" idx="11"/>
+          </p:nvPr>
+        </p:nvSpPr>
+        <p:spPr/>
+        <p:txBody>
+          <a:bodyPr/>
+          <a:lstStyle/>
+          <a:p>
+            <a:endParaRPr lang="en-US" dirty="0"/>
+          </a:p>
+        </p:txBody>
+      </p:sp>
+      <p:sp>
+        <p:nvSpPr>
+          <p:cNvPr id="6" name="Slide Number Placeholder 5"/>
+          <p:cNvSpPr>
+            <a:spLocks noGrp="1"/>
+          </p:cNvSpPr>
+          <p:nvPr>
+            <p:ph type="sldNum" sz="quarter" idx="12"/>
+          </p:nvPr>
+        </p:nvSpPr>
+        <p:spPr/>
+        <p:txBody>
+          <a:bodyPr/>
+          <a:lstStyle/>
+          <a:p>
+            <a:fld id="{17E276FA-8F89-B34D-A726-BE3FA1F8DD97}" type="slidenum">
+              <a:rPr lang="en-US" smtClean="0"/>
+              <a:t>45</a:t>
+            </a:fld>
+            <a:endParaRPr lang="en-US" dirty="0"/>
+          </a:p>
+        </p:txBody>
+      </p:sp>
+    </p:spTree>
+    <p:extLst>
+      <p:ext uri="{BB962C8B-B14F-4D97-AF65-F5344CB8AC3E}">
         <p14:creationId xmlns:p14="http://schemas.microsoft.com/office/powerpoint/2010/main" val="1470459296"/>
+      </p:ext>
+    </p:extLst>
+  </p:cSld>
+  <p:clrMapOvr>
+    <a:masterClrMapping/>
+  </p:clrMapOvr>
+  <p:timing>
+    <p:tnLst>
+      <p:par>
+        <p:cTn id="1" dur="indefinite" restart="never" nodeType="tmRoot"/>
+      </p:par>
+    </p:tnLst>
+  </p:timing>
+</p:sld>
+</file>
+
+<file path=ppt/slides/slide46.xml><?xml version="1.0" encoding="utf-8"?>
+<p:sld xmlns:a="http://schemas.openxmlformats.org/drawingml/2006/main" xmlns:r="http://schemas.openxmlformats.org/officeDocument/2006/relationships" xmlns:p="http://schemas.openxmlformats.org/presentationml/2006/main">
+  <p:cSld>
+    <p:spTree>
+      <p:nvGrpSpPr>
+        <p:cNvPr id="1" name=""/>
+        <p:cNvGrpSpPr/>
+        <p:nvPr/>
+      </p:nvGrpSpPr>
+      <p:grpSpPr>
+        <a:xfrm>
+          <a:off x="0" y="0"/>
+          <a:ext cx="0" cy="0"/>
+          <a:chOff x="0" y="0"/>
+          <a:chExt cx="0" cy="0"/>
+        </a:xfrm>
+      </p:grpSpPr>
+      <p:sp>
+        <p:nvSpPr>
+          <p:cNvPr id="2" name="Title 1"/>
+          <p:cNvSpPr>
+            <a:spLocks noGrp="1"/>
+          </p:cNvSpPr>
+          <p:nvPr>
+            <p:ph type="title"/>
+          </p:nvPr>
+        </p:nvSpPr>
+        <p:spPr/>
+        <p:txBody>
+          <a:bodyPr/>
+          <a:lstStyle/>
+          <a:p>
+            <a:r>
+              <a:rPr lang="en-US" smtClean="0"/>
+              <a:t>What’s next?</a:t>
+            </a:r>
+            <a:endParaRPr lang="en-US" dirty="0"/>
+          </a:p>
+        </p:txBody>
+      </p:sp>
+      <p:sp>
+        <p:nvSpPr>
+          <p:cNvPr id="4" name="Date Placeholder 3"/>
+          <p:cNvSpPr>
+            <a:spLocks noGrp="1"/>
+          </p:cNvSpPr>
+          <p:nvPr>
+            <p:ph type="dt" sz="half" idx="10"/>
+          </p:nvPr>
+        </p:nvSpPr>
+        <p:spPr/>
+        <p:txBody>
+          <a:bodyPr/>
+          <a:lstStyle/>
+          <a:p>
+            <a:fld id="{7053BEFA-1175-F644-B249-7D41D72BD3FF}" type="datetime1">
+              <a:rPr lang="en-US" smtClean="0"/>
+              <a:t>4/11/17</a:t>
+            </a:fld>
+            <a:endParaRPr lang="en-US"/>
+          </a:p>
+        </p:txBody>
+      </p:sp>
+      <p:sp>
+        <p:nvSpPr>
+          <p:cNvPr id="5" name="Footer Placeholder 4"/>
+          <p:cNvSpPr>
+            <a:spLocks noGrp="1"/>
+          </p:cNvSpPr>
+          <p:nvPr>
+            <p:ph type="ftr" sz="quarter" idx="11"/>
+          </p:nvPr>
+        </p:nvSpPr>
+        <p:spPr/>
+        <p:txBody>
+          <a:bodyPr/>
+          <a:lstStyle/>
+          <a:p>
+            <a:endParaRPr lang="en-US" dirty="0"/>
+          </a:p>
+        </p:txBody>
+      </p:sp>
+      <p:sp>
+        <p:nvSpPr>
+          <p:cNvPr id="6" name="Slide Number Placeholder 5"/>
+          <p:cNvSpPr>
+            <a:spLocks noGrp="1"/>
+          </p:cNvSpPr>
+          <p:nvPr>
+            <p:ph type="sldNum" sz="quarter" idx="12"/>
+          </p:nvPr>
+        </p:nvSpPr>
+        <p:spPr/>
+        <p:txBody>
+          <a:bodyPr/>
+          <a:lstStyle/>
+          <a:p>
+            <a:fld id="{17E276FA-8F89-B34D-A726-BE3FA1F8DD97}" type="slidenum">
+              <a:rPr lang="en-US" smtClean="0"/>
+              <a:t>46</a:t>
+            </a:fld>
+            <a:endParaRPr lang="en-US" dirty="0"/>
+          </a:p>
+        </p:txBody>
+      </p:sp>
+      <p:pic>
+        <p:nvPicPr>
+          <p:cNvPr id="8" name="Picture 7"/>
+          <p:cNvPicPr>
+            <a:picLocks noChangeAspect="1"/>
+          </p:cNvPicPr>
+          <p:nvPr/>
+        </p:nvPicPr>
+        <p:blipFill>
+          <a:blip r:embed="rId3">
+            <a:extLst>
+              <a:ext uri="{28A0092B-C50C-407E-A947-70E740481C1C}">
+                <a14:useLocalDpi xmlns:a14="http://schemas.microsoft.com/office/drawing/2010/main" val="0"/>
+              </a:ext>
+            </a:extLst>
+          </a:blip>
+          <a:stretch>
+            <a:fillRect/>
+          </a:stretch>
+        </p:blipFill>
+        <p:spPr>
+          <a:xfrm>
+            <a:off x="1116941" y="1713675"/>
+            <a:ext cx="2520696" cy="3432048"/>
+          </a:xfrm>
+          <a:prstGeom prst="rect">
+            <a:avLst/>
+          </a:prstGeom>
+        </p:spPr>
+      </p:pic>
+      <p:pic>
+        <p:nvPicPr>
+          <p:cNvPr id="9" name="Picture 8"/>
+          <p:cNvPicPr>
+            <a:picLocks noChangeAspect="1"/>
+          </p:cNvPicPr>
+          <p:nvPr/>
+        </p:nvPicPr>
+        <p:blipFill>
+          <a:blip r:embed="rId4">
+            <a:extLst>
+              <a:ext uri="{28A0092B-C50C-407E-A947-70E740481C1C}">
+                <a14:useLocalDpi xmlns:a14="http://schemas.microsoft.com/office/drawing/2010/main" val="0"/>
+              </a:ext>
+            </a:extLst>
+          </a:blip>
+          <a:stretch>
+            <a:fillRect/>
+          </a:stretch>
+        </p:blipFill>
+        <p:spPr>
+          <a:xfrm>
+            <a:off x="4094352" y="1453394"/>
+            <a:ext cx="4572000" cy="3952609"/>
+          </a:xfrm>
+          <a:prstGeom prst="rect">
+            <a:avLst/>
+          </a:prstGeom>
+        </p:spPr>
+      </p:pic>
+    </p:spTree>
+    <p:extLst>
+      <p:ext uri="{BB962C8B-B14F-4D97-AF65-F5344CB8AC3E}">
+        <p14:creationId xmlns:p14="http://schemas.microsoft.com/office/powerpoint/2010/main" val="1745149358"/>
       </p:ext>
     </p:extLst>
   </p:cSld>

--- a/Lectures/19 Machine Learning IV Integrating ML .pptx
+++ b/Lectures/19 Machine Learning IV Integrating ML .pptx
@@ -5,58 +5,59 @@
     <p:sldMasterId id="2147483648" r:id="rId1"/>
   </p:sldMasterIdLst>
   <p:notesMasterIdLst>
-    <p:notesMasterId r:id="rId48"/>
+    <p:notesMasterId r:id="rId49"/>
   </p:notesMasterIdLst>
   <p:handoutMasterIdLst>
-    <p:handoutMasterId r:id="rId49"/>
+    <p:handoutMasterId r:id="rId50"/>
   </p:handoutMasterIdLst>
   <p:sldIdLst>
     <p:sldId id="258" r:id="rId2"/>
     <p:sldId id="592" r:id="rId3"/>
     <p:sldId id="789" r:id="rId4"/>
-    <p:sldId id="755" r:id="rId5"/>
-    <p:sldId id="756" r:id="rId6"/>
-    <p:sldId id="784" r:id="rId7"/>
-    <p:sldId id="757" r:id="rId8"/>
-    <p:sldId id="786" r:id="rId9"/>
-    <p:sldId id="787" r:id="rId10"/>
-    <p:sldId id="785" r:id="rId11"/>
-    <p:sldId id="758" r:id="rId12"/>
-    <p:sldId id="759" r:id="rId13"/>
-    <p:sldId id="760" r:id="rId14"/>
-    <p:sldId id="761" r:id="rId15"/>
-    <p:sldId id="762" r:id="rId16"/>
-    <p:sldId id="763" r:id="rId17"/>
-    <p:sldId id="764" r:id="rId18"/>
-    <p:sldId id="765" r:id="rId19"/>
-    <p:sldId id="766" r:id="rId20"/>
-    <p:sldId id="767" r:id="rId21"/>
-    <p:sldId id="768" r:id="rId22"/>
-    <p:sldId id="769" r:id="rId23"/>
-    <p:sldId id="770" r:id="rId24"/>
-    <p:sldId id="771" r:id="rId25"/>
-    <p:sldId id="772" r:id="rId26"/>
-    <p:sldId id="773" r:id="rId27"/>
-    <p:sldId id="774" r:id="rId28"/>
-    <p:sldId id="775" r:id="rId29"/>
-    <p:sldId id="776" r:id="rId30"/>
-    <p:sldId id="777" r:id="rId31"/>
-    <p:sldId id="778" r:id="rId32"/>
-    <p:sldId id="779" r:id="rId33"/>
-    <p:sldId id="780" r:id="rId34"/>
-    <p:sldId id="781" r:id="rId35"/>
-    <p:sldId id="782" r:id="rId36"/>
-    <p:sldId id="788" r:id="rId37"/>
-    <p:sldId id="790" r:id="rId38"/>
-    <p:sldId id="791" r:id="rId39"/>
-    <p:sldId id="794" r:id="rId40"/>
-    <p:sldId id="795" r:id="rId41"/>
-    <p:sldId id="796" r:id="rId42"/>
-    <p:sldId id="797" r:id="rId43"/>
-    <p:sldId id="792" r:id="rId44"/>
-    <p:sldId id="798" r:id="rId45"/>
-    <p:sldId id="793" r:id="rId46"/>
-    <p:sldId id="799" r:id="rId47"/>
+    <p:sldId id="800" r:id="rId5"/>
+    <p:sldId id="755" r:id="rId6"/>
+    <p:sldId id="756" r:id="rId7"/>
+    <p:sldId id="784" r:id="rId8"/>
+    <p:sldId id="757" r:id="rId9"/>
+    <p:sldId id="786" r:id="rId10"/>
+    <p:sldId id="787" r:id="rId11"/>
+    <p:sldId id="785" r:id="rId12"/>
+    <p:sldId id="758" r:id="rId13"/>
+    <p:sldId id="759" r:id="rId14"/>
+    <p:sldId id="760" r:id="rId15"/>
+    <p:sldId id="761" r:id="rId16"/>
+    <p:sldId id="762" r:id="rId17"/>
+    <p:sldId id="763" r:id="rId18"/>
+    <p:sldId id="764" r:id="rId19"/>
+    <p:sldId id="765" r:id="rId20"/>
+    <p:sldId id="766" r:id="rId21"/>
+    <p:sldId id="767" r:id="rId22"/>
+    <p:sldId id="768" r:id="rId23"/>
+    <p:sldId id="769" r:id="rId24"/>
+    <p:sldId id="770" r:id="rId25"/>
+    <p:sldId id="771" r:id="rId26"/>
+    <p:sldId id="772" r:id="rId27"/>
+    <p:sldId id="773" r:id="rId28"/>
+    <p:sldId id="774" r:id="rId29"/>
+    <p:sldId id="775" r:id="rId30"/>
+    <p:sldId id="776" r:id="rId31"/>
+    <p:sldId id="777" r:id="rId32"/>
+    <p:sldId id="778" r:id="rId33"/>
+    <p:sldId id="779" r:id="rId34"/>
+    <p:sldId id="780" r:id="rId35"/>
+    <p:sldId id="781" r:id="rId36"/>
+    <p:sldId id="782" r:id="rId37"/>
+    <p:sldId id="788" r:id="rId38"/>
+    <p:sldId id="790" r:id="rId39"/>
+    <p:sldId id="791" r:id="rId40"/>
+    <p:sldId id="794" r:id="rId41"/>
+    <p:sldId id="795" r:id="rId42"/>
+    <p:sldId id="796" r:id="rId43"/>
+    <p:sldId id="797" r:id="rId44"/>
+    <p:sldId id="792" r:id="rId45"/>
+    <p:sldId id="798" r:id="rId46"/>
+    <p:sldId id="793" r:id="rId47"/>
+    <p:sldId id="799" r:id="rId48"/>
   </p:sldIdLst>
   <p:sldSz cx="9144000" cy="6858000" type="screen4x3"/>
   <p:notesSz cx="6858000" cy="9144000"/>
@@ -844,7 +845,7 @@
           <a:p>
             <a:fld id="{FD66F34B-9C4D-8640-BB34-4C24A79C9FFB}" type="slidenum">
               <a:rPr lang="en-US" smtClean="0"/>
-              <a:t>19</a:t>
+              <a:t>20</a:t>
             </a:fld>
             <a:endParaRPr lang="en-US"/>
           </a:p>
@@ -928,7 +929,7 @@
           <a:p>
             <a:fld id="{FD66F34B-9C4D-8640-BB34-4C24A79C9FFB}" type="slidenum">
               <a:rPr lang="en-US" smtClean="0"/>
-              <a:t>20</a:t>
+              <a:t>21</a:t>
             </a:fld>
             <a:endParaRPr lang="en-US"/>
           </a:p>
@@ -1012,7 +1013,7 @@
           <a:p>
             <a:fld id="{FD66F34B-9C4D-8640-BB34-4C24A79C9FFB}" type="slidenum">
               <a:rPr lang="en-US" smtClean="0"/>
-              <a:t>21</a:t>
+              <a:t>22</a:t>
             </a:fld>
             <a:endParaRPr lang="en-US"/>
           </a:p>
@@ -1096,7 +1097,7 @@
           <a:p>
             <a:fld id="{FD66F34B-9C4D-8640-BB34-4C24A79C9FFB}" type="slidenum">
               <a:rPr lang="en-US" smtClean="0"/>
-              <a:t>22</a:t>
+              <a:t>23</a:t>
             </a:fld>
             <a:endParaRPr lang="en-US"/>
           </a:p>
@@ -1180,7 +1181,7 @@
           <a:p>
             <a:fld id="{FD66F34B-9C4D-8640-BB34-4C24A79C9FFB}" type="slidenum">
               <a:rPr lang="en-US" smtClean="0"/>
-              <a:t>23</a:t>
+              <a:t>24</a:t>
             </a:fld>
             <a:endParaRPr lang="en-US"/>
           </a:p>
@@ -1264,7 +1265,7 @@
           <a:p>
             <a:fld id="{FD66F34B-9C4D-8640-BB34-4C24A79C9FFB}" type="slidenum">
               <a:rPr lang="en-US" smtClean="0"/>
-              <a:t>24</a:t>
+              <a:t>25</a:t>
             </a:fld>
             <a:endParaRPr lang="en-US"/>
           </a:p>
@@ -1352,7 +1353,7 @@
           <a:p>
             <a:fld id="{FD66F34B-9C4D-8640-BB34-4C24A79C9FFB}" type="slidenum">
               <a:rPr lang="en-US" smtClean="0"/>
-              <a:t>25</a:t>
+              <a:t>26</a:t>
             </a:fld>
             <a:endParaRPr lang="en-US"/>
           </a:p>
@@ -1456,7 +1457,7 @@
           <a:p>
             <a:fld id="{FD66F34B-9C4D-8640-BB34-4C24A79C9FFB}" type="slidenum">
               <a:rPr lang="en-US" smtClean="0"/>
-              <a:t>26</a:t>
+              <a:t>27</a:t>
             </a:fld>
             <a:endParaRPr lang="en-US"/>
           </a:p>
@@ -1540,7 +1541,7 @@
           <a:p>
             <a:fld id="{FD66F34B-9C4D-8640-BB34-4C24A79C9FFB}" type="slidenum">
               <a:rPr lang="en-US" smtClean="0"/>
-              <a:t>27</a:t>
+              <a:t>28</a:t>
             </a:fld>
             <a:endParaRPr lang="en-US"/>
           </a:p>
@@ -1628,7 +1629,7 @@
           <a:p>
             <a:fld id="{FD66F34B-9C4D-8640-BB34-4C24A79C9FFB}" type="slidenum">
               <a:rPr lang="en-US" smtClean="0"/>
-              <a:t>28</a:t>
+              <a:t>29</a:t>
             </a:fld>
             <a:endParaRPr lang="en-US"/>
           </a:p>
@@ -1696,14 +1697,14 @@
               <ma14:placeholderFlag xmlns:ma14="http://schemas.microsoft.com/office/mac/drawingml/2011/main" val="1"/>
             </a:ext>
             <a:ext uri="{909E8E84-426E-40dd-AFC4-6F175D3DCCD1}">
-              <a14:hiddenFill xmlns="" xmlns:a14="http://schemas.microsoft.com/office/drawing/2010/main">
+              <a14:hiddenFill xmlns:a14="http://schemas.microsoft.com/office/drawing/2010/main" xmlns="">
                 <a:solidFill>
                   <a:srgbClr val="FFFFFF"/>
                 </a:solidFill>
               </a14:hiddenFill>
             </a:ext>
             <a:ext uri="{91240B29-F687-4f45-9708-019B960494DF}">
-              <a14:hiddenLine xmlns="" xmlns:a14="http://schemas.microsoft.com/office/drawing/2010/main" w="9525">
+              <a14:hiddenLine xmlns:a14="http://schemas.microsoft.com/office/drawing/2010/main" xmlns="" w="9525">
                 <a:solidFill>
                   <a:srgbClr val="000000"/>
                 </a:solidFill>
@@ -1742,14 +1743,14 @@
           <a:ln/>
           <a:extLst>
             <a:ext uri="{909E8E84-426E-40dd-AFC4-6F175D3DCCD1}">
-              <a14:hiddenFill xmlns="" xmlns:a14="http://schemas.microsoft.com/office/drawing/2010/main">
+              <a14:hiddenFill xmlns:a14="http://schemas.microsoft.com/office/drawing/2010/main" xmlns="">
                 <a:solidFill>
                   <a:srgbClr val="FFFFFF"/>
                 </a:solidFill>
               </a14:hiddenFill>
             </a:ext>
             <a:ext uri="{91240B29-F687-4f45-9708-019B960494DF}">
-              <a14:hiddenLine xmlns="" xmlns:a14="http://schemas.microsoft.com/office/drawing/2010/main" w="9525">
+              <a14:hiddenLine xmlns:a14="http://schemas.microsoft.com/office/drawing/2010/main" xmlns="" w="9525">
                 <a:solidFill>
                   <a:srgbClr val="000000"/>
                 </a:solidFill>
@@ -1873,7 +1874,7 @@
             <a:fld id="{AC01AFFD-5309-0840-9026-DF762A30D275}" type="slidenum">
               <a:rPr lang="en-US"/>
               <a:pPr/>
-              <a:t>4</a:t>
+              <a:t>5</a:t>
             </a:fld>
             <a:endParaRPr lang="en-US"/>
           </a:p>
@@ -1963,7 +1964,7 @@
           <a:p>
             <a:fld id="{FD66F34B-9C4D-8640-BB34-4C24A79C9FFB}" type="slidenum">
               <a:rPr lang="en-US" smtClean="0"/>
-              <a:t>29</a:t>
+              <a:t>30</a:t>
             </a:fld>
             <a:endParaRPr lang="en-US"/>
           </a:p>
@@ -2079,7 +2080,7 @@
           <a:p>
             <a:fld id="{FD66F34B-9C4D-8640-BB34-4C24A79C9FFB}" type="slidenum">
               <a:rPr lang="en-US" smtClean="0"/>
-              <a:t>30</a:t>
+              <a:t>31</a:t>
             </a:fld>
             <a:endParaRPr lang="en-US"/>
           </a:p>
@@ -2169,7 +2170,7 @@
           <a:p>
             <a:fld id="{FD66F34B-9C4D-8640-BB34-4C24A79C9FFB}" type="slidenum">
               <a:rPr lang="en-US" smtClean="0"/>
-              <a:t>31</a:t>
+              <a:t>32</a:t>
             </a:fld>
             <a:endParaRPr lang="en-US"/>
           </a:p>
@@ -2259,7 +2260,7 @@
           <a:p>
             <a:fld id="{FD66F34B-9C4D-8640-BB34-4C24A79C9FFB}" type="slidenum">
               <a:rPr lang="en-US" smtClean="0"/>
-              <a:t>32</a:t>
+              <a:t>33</a:t>
             </a:fld>
             <a:endParaRPr lang="en-US"/>
           </a:p>
@@ -2349,7 +2350,7 @@
           <a:p>
             <a:fld id="{FD66F34B-9C4D-8640-BB34-4C24A79C9FFB}" type="slidenum">
               <a:rPr lang="en-US" smtClean="0"/>
-              <a:t>33</a:t>
+              <a:t>34</a:t>
             </a:fld>
             <a:endParaRPr lang="en-US"/>
           </a:p>
@@ -2439,7 +2440,7 @@
           <a:p>
             <a:fld id="{FD66F34B-9C4D-8640-BB34-4C24A79C9FFB}" type="slidenum">
               <a:rPr lang="en-US" smtClean="0"/>
-              <a:t>34</a:t>
+              <a:t>35</a:t>
             </a:fld>
             <a:endParaRPr lang="en-US"/>
           </a:p>
@@ -2529,7 +2530,7 @@
           <a:p>
             <a:fld id="{FD66F34B-9C4D-8640-BB34-4C24A79C9FFB}" type="slidenum">
               <a:rPr lang="en-US" smtClean="0"/>
-              <a:t>35</a:t>
+              <a:t>36</a:t>
             </a:fld>
             <a:endParaRPr lang="en-US"/>
           </a:p>
@@ -2617,7 +2618,7 @@
           <a:p>
             <a:fld id="{FD66F34B-9C4D-8640-BB34-4C24A79C9FFB}" type="slidenum">
               <a:rPr lang="en-US" smtClean="0"/>
-              <a:t>37</a:t>
+              <a:t>38</a:t>
             </a:fld>
             <a:endParaRPr lang="en-US"/>
           </a:p>
@@ -2705,7 +2706,7 @@
           <a:p>
             <a:fld id="{FD66F34B-9C4D-8640-BB34-4C24A79C9FFB}" type="slidenum">
               <a:rPr lang="en-US" smtClean="0"/>
-              <a:t>38</a:t>
+              <a:t>39</a:t>
             </a:fld>
             <a:endParaRPr lang="en-US"/>
           </a:p>
@@ -2793,7 +2794,7 @@
           <a:p>
             <a:fld id="{FD66F34B-9C4D-8640-BB34-4C24A79C9FFB}" type="slidenum">
               <a:rPr lang="en-US" smtClean="0"/>
-              <a:t>39</a:t>
+              <a:t>40</a:t>
             </a:fld>
             <a:endParaRPr lang="en-US"/>
           </a:p>
@@ -2861,14 +2862,14 @@
               <ma14:placeholderFlag xmlns:ma14="http://schemas.microsoft.com/office/mac/drawingml/2011/main" val="1"/>
             </a:ext>
             <a:ext uri="{909E8E84-426E-40dd-AFC4-6F175D3DCCD1}">
-              <a14:hiddenFill xmlns="" xmlns:a14="http://schemas.microsoft.com/office/drawing/2010/main">
+              <a14:hiddenFill xmlns:a14="http://schemas.microsoft.com/office/drawing/2010/main" xmlns="">
                 <a:solidFill>
                   <a:srgbClr val="FFFFFF"/>
                 </a:solidFill>
               </a14:hiddenFill>
             </a:ext>
             <a:ext uri="{91240B29-F687-4f45-9708-019B960494DF}">
-              <a14:hiddenLine xmlns="" xmlns:a14="http://schemas.microsoft.com/office/drawing/2010/main" w="9525">
+              <a14:hiddenLine xmlns:a14="http://schemas.microsoft.com/office/drawing/2010/main" xmlns="" w="9525">
                 <a:solidFill>
                   <a:srgbClr val="000000"/>
                 </a:solidFill>
@@ -2907,14 +2908,14 @@
           <a:ln/>
           <a:extLst>
             <a:ext uri="{909E8E84-426E-40dd-AFC4-6F175D3DCCD1}">
-              <a14:hiddenFill xmlns="" xmlns:a14="http://schemas.microsoft.com/office/drawing/2010/main">
+              <a14:hiddenFill xmlns:a14="http://schemas.microsoft.com/office/drawing/2010/main" xmlns="">
                 <a:solidFill>
                   <a:srgbClr val="FFFFFF"/>
                 </a:solidFill>
               </a14:hiddenFill>
             </a:ext>
             <a:ext uri="{91240B29-F687-4f45-9708-019B960494DF}">
-              <a14:hiddenLine xmlns="" xmlns:a14="http://schemas.microsoft.com/office/drawing/2010/main" w="9525">
+              <a14:hiddenLine xmlns:a14="http://schemas.microsoft.com/office/drawing/2010/main" xmlns="" w="9525">
                 <a:solidFill>
                   <a:srgbClr val="000000"/>
                 </a:solidFill>
@@ -3038,7 +3039,7 @@
             <a:fld id="{AC01AFFD-5309-0840-9026-DF762A30D275}" type="slidenum">
               <a:rPr lang="en-US"/>
               <a:pPr/>
-              <a:t>5</a:t>
+              <a:t>6</a:t>
             </a:fld>
             <a:endParaRPr lang="en-US"/>
           </a:p>
@@ -3126,7 +3127,7 @@
           <a:p>
             <a:fld id="{FD66F34B-9C4D-8640-BB34-4C24A79C9FFB}" type="slidenum">
               <a:rPr lang="en-US" smtClean="0"/>
-              <a:t>40</a:t>
+              <a:t>41</a:t>
             </a:fld>
             <a:endParaRPr lang="en-US"/>
           </a:p>
@@ -3214,7 +3215,7 @@
           <a:p>
             <a:fld id="{FD66F34B-9C4D-8640-BB34-4C24A79C9FFB}" type="slidenum">
               <a:rPr lang="en-US" smtClean="0"/>
-              <a:t>41</a:t>
+              <a:t>42</a:t>
             </a:fld>
             <a:endParaRPr lang="en-US"/>
           </a:p>
@@ -3302,7 +3303,7 @@
           <a:p>
             <a:fld id="{FD66F34B-9C4D-8640-BB34-4C24A79C9FFB}" type="slidenum">
               <a:rPr lang="en-US" smtClean="0"/>
-              <a:t>42</a:t>
+              <a:t>43</a:t>
             </a:fld>
             <a:endParaRPr lang="en-US"/>
           </a:p>
@@ -3386,7 +3387,7 @@
           <a:p>
             <a:fld id="{FD66F34B-9C4D-8640-BB34-4C24A79C9FFB}" type="slidenum">
               <a:rPr lang="en-US" smtClean="0"/>
-              <a:t>43</a:t>
+              <a:t>44</a:t>
             </a:fld>
             <a:endParaRPr lang="en-US"/>
           </a:p>
@@ -3470,7 +3471,7 @@
           <a:p>
             <a:fld id="{FD66F34B-9C4D-8640-BB34-4C24A79C9FFB}" type="slidenum">
               <a:rPr lang="en-US" smtClean="0"/>
-              <a:t>44</a:t>
+              <a:t>45</a:t>
             </a:fld>
             <a:endParaRPr lang="en-US"/>
           </a:p>
@@ -3554,7 +3555,7 @@
           <a:p>
             <a:fld id="{FD66F34B-9C4D-8640-BB34-4C24A79C9FFB}" type="slidenum">
               <a:rPr lang="en-US" smtClean="0"/>
-              <a:t>45</a:t>
+              <a:t>46</a:t>
             </a:fld>
             <a:endParaRPr lang="en-US"/>
           </a:p>
@@ -3638,7 +3639,7 @@
           <a:p>
             <a:fld id="{FD66F34B-9C4D-8640-BB34-4C24A79C9FFB}" type="slidenum">
               <a:rPr lang="en-US" smtClean="0"/>
-              <a:t>46</a:t>
+              <a:t>47</a:t>
             </a:fld>
             <a:endParaRPr lang="en-US"/>
           </a:p>
@@ -3706,14 +3707,14 @@
               <ma14:placeholderFlag xmlns:ma14="http://schemas.microsoft.com/office/mac/drawingml/2011/main" val="1"/>
             </a:ext>
             <a:ext uri="{909E8E84-426E-40dd-AFC4-6F175D3DCCD1}">
-              <a14:hiddenFill xmlns="" xmlns:a14="http://schemas.microsoft.com/office/drawing/2010/main">
+              <a14:hiddenFill xmlns:a14="http://schemas.microsoft.com/office/drawing/2010/main" xmlns="">
                 <a:solidFill>
                   <a:srgbClr val="FFFFFF"/>
                 </a:solidFill>
               </a14:hiddenFill>
             </a:ext>
             <a:ext uri="{91240B29-F687-4f45-9708-019B960494DF}">
-              <a14:hiddenLine xmlns="" xmlns:a14="http://schemas.microsoft.com/office/drawing/2010/main" w="9525">
+              <a14:hiddenLine xmlns:a14="http://schemas.microsoft.com/office/drawing/2010/main" xmlns="" w="9525">
                 <a:solidFill>
                   <a:srgbClr val="000000"/>
                 </a:solidFill>
@@ -3760,14 +3761,14 @@
           <a:ln/>
           <a:extLst>
             <a:ext uri="{909E8E84-426E-40dd-AFC4-6F175D3DCCD1}">
-              <a14:hiddenFill xmlns="" xmlns:a14="http://schemas.microsoft.com/office/drawing/2010/main">
+              <a14:hiddenFill xmlns:a14="http://schemas.microsoft.com/office/drawing/2010/main" xmlns="">
                 <a:solidFill>
                   <a:srgbClr val="FFFFFF"/>
                 </a:solidFill>
               </a14:hiddenFill>
             </a:ext>
             <a:ext uri="{91240B29-F687-4f45-9708-019B960494DF}">
-              <a14:hiddenLine xmlns="" xmlns:a14="http://schemas.microsoft.com/office/drawing/2010/main" w="9525">
+              <a14:hiddenLine xmlns:a14="http://schemas.microsoft.com/office/drawing/2010/main" xmlns="" w="9525">
                 <a:solidFill>
                   <a:srgbClr val="000000"/>
                 </a:solidFill>
@@ -3891,7 +3892,7 @@
             <a:fld id="{AC01AFFD-5309-0840-9026-DF762A30D275}" type="slidenum">
               <a:rPr lang="en-US"/>
               <a:pPr/>
-              <a:t>6</a:t>
+              <a:t>7</a:t>
             </a:fld>
             <a:endParaRPr lang="en-US"/>
           </a:p>
@@ -3983,7 +3984,7 @@
           <a:p>
             <a:fld id="{FD66F34B-9C4D-8640-BB34-4C24A79C9FFB}" type="slidenum">
               <a:rPr lang="en-US" smtClean="0"/>
-              <a:t>12</a:t>
+              <a:t>13</a:t>
             </a:fld>
             <a:endParaRPr lang="en-US"/>
           </a:p>
@@ -4083,7 +4084,7 @@
           <a:p>
             <a:fld id="{FD66F34B-9C4D-8640-BB34-4C24A79C9FFB}" type="slidenum">
               <a:rPr lang="en-US" smtClean="0"/>
-              <a:t>13</a:t>
+              <a:t>14</a:t>
             </a:fld>
             <a:endParaRPr lang="en-US"/>
           </a:p>
@@ -4167,7 +4168,7 @@
           <a:p>
             <a:fld id="{FD66F34B-9C4D-8640-BB34-4C24A79C9FFB}" type="slidenum">
               <a:rPr lang="en-US" smtClean="0"/>
-              <a:t>16</a:t>
+              <a:t>17</a:t>
             </a:fld>
             <a:endParaRPr lang="en-US"/>
           </a:p>
@@ -4251,7 +4252,7 @@
           <a:p>
             <a:fld id="{FD66F34B-9C4D-8640-BB34-4C24A79C9FFB}" type="slidenum">
               <a:rPr lang="en-US" smtClean="0"/>
-              <a:t>17</a:t>
+              <a:t>18</a:t>
             </a:fld>
             <a:endParaRPr lang="en-US"/>
           </a:p>
@@ -4335,7 +4336,7 @@
           <a:p>
             <a:fld id="{FD66F34B-9C4D-8640-BB34-4C24A79C9FFB}" type="slidenum">
               <a:rPr lang="en-US" smtClean="0"/>
-              <a:t>18</a:t>
+              <a:t>19</a:t>
             </a:fld>
             <a:endParaRPr lang="en-US"/>
           </a:p>
@@ -10941,7 +10942,7 @@
           <a:effectLst/>
           <a:extLst>
             <a:ext uri="{91240B29-F687-4f45-9708-019B960494DF}">
-              <a14:hiddenLine xmlns="" xmlns:a14="http://schemas.microsoft.com/office/drawing/2010/main" w="9525">
+              <a14:hiddenLine xmlns:a14="http://schemas.microsoft.com/office/drawing/2010/main" xmlns="" w="9525">
                 <a:solidFill>
                   <a:srgbClr val="000000"/>
                 </a:solidFill>
@@ -10951,7 +10952,7 @@
               </a14:hiddenLine>
             </a:ext>
             <a:ext uri="{AF507438-7753-43e0-B8FC-AC1667EBCBE1}">
-              <a14:hiddenEffects xmlns="" xmlns:a14="http://schemas.microsoft.com/office/drawing/2010/main">
+              <a14:hiddenEffects xmlns:a14="http://schemas.microsoft.com/office/drawing/2010/main" xmlns="">
                 <a:effectLst>
                   <a:outerShdw blurRad="40000" dist="23000" dir="5400000" rotWithShape="0">
                     <a:srgbClr val="000000">
@@ -11382,15 +11383,7 @@
           <a:p>
             <a:r>
               <a:rPr lang="en-US" dirty="0" smtClean="0"/>
-              <a:t>Machine Learning </a:t>
-            </a:r>
-            <a:r>
-              <a:rPr lang="en-US" dirty="0" smtClean="0"/>
-              <a:t>IV:</a:t>
-            </a:r>
-            <a:r>
-              <a:rPr lang="en-US" dirty="0" smtClean="0"/>
-              <a:t/>
+              <a:t>Machine Learning IV:</a:t>
             </a:r>
             <a:br>
               <a:rPr lang="en-US" dirty="0" smtClean="0"/>
@@ -11399,7 +11392,6 @@
               <a:rPr lang="en-US" dirty="0" smtClean="0"/>
               <a:t>Big Data &amp;</a:t>
             </a:r>
-            <a:endParaRPr lang="en-US" dirty="0" smtClean="0"/>
           </a:p>
           <a:p>
             <a:r>
@@ -11718,7 +11710,7 @@
           <a:effectLst/>
           <a:extLst>
             <a:ext uri="{91240B29-F687-4f45-9708-019B960494DF}">
-              <a14:hiddenLine xmlns="" xmlns:a14="http://schemas.microsoft.com/office/drawing/2010/main" w="9525">
+              <a14:hiddenLine xmlns:a14="http://schemas.microsoft.com/office/drawing/2010/main" xmlns="" w="9525">
                 <a:solidFill>
                   <a:srgbClr val="000000"/>
                 </a:solidFill>
@@ -11728,7 +11720,7 @@
               </a14:hiddenLine>
             </a:ext>
             <a:ext uri="{AF507438-7753-43e0-B8FC-AC1667EBCBE1}">
-              <a14:hiddenEffects xmlns="" xmlns:a14="http://schemas.microsoft.com/office/drawing/2010/main">
+              <a14:hiddenEffects xmlns:a14="http://schemas.microsoft.com/office/drawing/2010/main" xmlns="">
                 <a:effectLst>
                   <a:outerShdw blurRad="40000" dist="23000" dir="5400000" rotWithShape="0">
                     <a:srgbClr val="000000">
@@ -11806,135 +11798,52 @@
           <a:p>
             <a:r>
               <a:rPr lang="en-US" dirty="0" smtClean="0"/>
-              <a:t>The Data Set</a:t>
-            </a:r>
-            <a:endParaRPr lang="en-US" dirty="0"/>
-          </a:p>
-        </p:txBody>
-      </p:sp>
-      <p:sp>
-        <p:nvSpPr>
-          <p:cNvPr id="3" name="Content Placeholder 2"/>
-          <p:cNvSpPr>
-            <a:spLocks noGrp="1"/>
-          </p:cNvSpPr>
-          <p:nvPr>
-            <p:ph idx="1"/>
-          </p:nvPr>
-        </p:nvSpPr>
-        <p:spPr/>
-        <p:txBody>
-          <a:bodyPr/>
-          <a:lstStyle/>
-          <a:p>
-            <a:pPr marL="0" indent="0">
-              <a:buNone/>
-            </a:pPr>
-            <a:r>
-              <a:rPr lang="en-US" dirty="0" smtClean="0"/>
-              <a:t>There are a number of public data sets on </a:t>
+              <a:t>Google </a:t>
             </a:r>
             <a:r>
               <a:rPr lang="en-US" dirty="0" err="1" smtClean="0"/>
               <a:t>BigQuery</a:t>
             </a:r>
+            <a:endParaRPr lang="en-US" dirty="0"/>
+          </a:p>
+        </p:txBody>
+      </p:sp>
+      <p:sp>
+        <p:nvSpPr>
+          <p:cNvPr id="3" name="Content Placeholder 2"/>
+          <p:cNvSpPr>
+            <a:spLocks noGrp="1"/>
+          </p:cNvSpPr>
+          <p:nvPr>
+            <p:ph idx="1"/>
+          </p:nvPr>
+        </p:nvSpPr>
+        <p:spPr/>
+        <p:txBody>
+          <a:bodyPr/>
+          <a:lstStyle/>
+          <a:p>
             <a:r>
               <a:rPr lang="en-US" dirty="0" smtClean="0"/>
-              <a:t>. You can use any of them</a:t>
-            </a:r>
-          </a:p>
-          <a:p>
-            <a:pPr marL="0" indent="0">
-              <a:buNone/>
-            </a:pPr>
+              <a:t>“A </a:t>
+            </a:r>
+            <a:r>
+              <a:rPr lang="en-US" dirty="0"/>
+              <a:t>fast, economical and </a:t>
+            </a:r>
+            <a:r>
+              <a:rPr lang="en-US" b="1" dirty="0"/>
+              <a:t>fully managed </a:t>
+            </a:r>
+            <a:r>
+              <a:rPr lang="en-US" dirty="0"/>
+              <a:t>data warehouse for large-scale data analytics</a:t>
+            </a:r>
             <a:r>
               <a:rPr lang="en-US" dirty="0" smtClean="0"/>
-              <a:t>We focus on the natality data set</a:t>
-            </a:r>
-          </a:p>
-          <a:p>
-            <a:pPr marL="0" indent="0">
-              <a:buNone/>
-            </a:pPr>
-            <a:r>
-              <a:rPr lang="en-US" sz="2000" dirty="0"/>
-              <a:t>https://</a:t>
-            </a:r>
-            <a:r>
-              <a:rPr lang="en-US" sz="2000" dirty="0" err="1"/>
-              <a:t>cloud.google.com</a:t>
-            </a:r>
-            <a:r>
-              <a:rPr lang="en-US" sz="2000" dirty="0"/>
-              <a:t>/</a:t>
-            </a:r>
-            <a:r>
-              <a:rPr lang="en-US" sz="2000" dirty="0" err="1"/>
-              <a:t>bigquery</a:t>
-            </a:r>
-            <a:r>
-              <a:rPr lang="en-US" sz="2000" dirty="0"/>
-              <a:t>/docs/dataset-</a:t>
-            </a:r>
-            <a:r>
-              <a:rPr lang="en-US" sz="2000" dirty="0" smtClean="0"/>
-              <a:t>natality</a:t>
-            </a:r>
-          </a:p>
-          <a:p>
-            <a:pPr marL="0" indent="0">
-              <a:buNone/>
-            </a:pPr>
-            <a:r>
-              <a:rPr lang="en-US" sz="2000" dirty="0" smtClean="0"/>
-              <a:t>“All births </a:t>
-            </a:r>
-            <a:r>
-              <a:rPr lang="en-US" sz="2000" dirty="0"/>
-              <a:t>registered in the 50 </a:t>
-            </a:r>
-            <a:r>
-              <a:rPr lang="en-US" sz="2000" dirty="0" smtClean="0"/>
-              <a:t>States, DC, </a:t>
-            </a:r>
-            <a:r>
-              <a:rPr lang="en-US" sz="2000" dirty="0"/>
-              <a:t>and </a:t>
-            </a:r>
-            <a:r>
-              <a:rPr lang="en-US" sz="2000" dirty="0" smtClean="0"/>
-              <a:t>NYC from </a:t>
-            </a:r>
-            <a:r>
-              <a:rPr lang="en-US" sz="2000" dirty="0"/>
-              <a:t>1969 to 2008. The </a:t>
-            </a:r>
-            <a:r>
-              <a:rPr lang="en-US" sz="2000" dirty="0" smtClean="0"/>
-              <a:t>CDC receives </a:t>
-            </a:r>
-            <a:r>
-              <a:rPr lang="en-US" sz="2000" dirty="0"/>
-              <a:t>these data as electronic files, prepared from individual records processed by each registration </a:t>
-            </a:r>
-            <a:r>
-              <a:rPr lang="en-US" sz="2000" dirty="0" smtClean="0"/>
-              <a:t>area</a:t>
-            </a:r>
-            <a:r>
-              <a:rPr lang="en-US" sz="2000" dirty="0" smtClean="0"/>
-              <a:t>…”</a:t>
-            </a:r>
-          </a:p>
-          <a:p>
-            <a:pPr marL="0" indent="0">
-              <a:buNone/>
-            </a:pPr>
-            <a:r>
-              <a:rPr lang="en-US" sz="2000" smtClean="0"/>
-              <a:t>~22GB of data.</a:t>
-            </a:r>
-            <a:endParaRPr lang="en-US" sz="2000" dirty="0" smtClean="0"/>
+              <a:t>.”</a:t>
+            </a:r>
+            <a:endParaRPr lang="en-US" dirty="0"/>
           </a:p>
           <a:p>
             <a:pPr marL="0" indent="0">
@@ -12016,18 +11925,18 @@
     </p:spTree>
     <p:extLst>
       <p:ext uri="{BB962C8B-B14F-4D97-AF65-F5344CB8AC3E}">
-        <p14:creationId xmlns:p14="http://schemas.microsoft.com/office/powerpoint/2010/main" val="781873414"/>
+        <p14:creationId xmlns:p14="http://schemas.microsoft.com/office/powerpoint/2010/main" val="1109664360"/>
       </p:ext>
     </p:extLst>
   </p:cSld>
   <p:clrMapOvr>
     <a:masterClrMapping/>
   </p:clrMapOvr>
-  <mc:AlternateContent xmlns:mc="http://schemas.openxmlformats.org/markup-compatibility/2006">
-    <mc:Choice xmlns:p14="http://schemas.microsoft.com/office/powerpoint/2010/main" Requires="p14">
+  <mc:AlternateContent xmlns:mc="http://schemas.openxmlformats.org/markup-compatibility/2006" xmlns:p14="http://schemas.microsoft.com/office/powerpoint/2010/main">
+    <mc:Choice Requires="p14">
       <p:transition spd="slow" p14:dur="2000"/>
     </mc:Choice>
-    <mc:Fallback>
+    <mc:Fallback xmlns="">
       <p:transition spd="slow"/>
     </mc:Fallback>
   </mc:AlternateContent>
@@ -12042,6 +11951,271 @@
 </file>
 
 <file path=ppt/slides/slide11.xml><?xml version="1.0" encoding="utf-8"?>
+<p:sld xmlns:a="http://schemas.openxmlformats.org/drawingml/2006/main" xmlns:r="http://schemas.openxmlformats.org/officeDocument/2006/relationships" xmlns:p="http://schemas.openxmlformats.org/presentationml/2006/main">
+  <p:cSld>
+    <p:spTree>
+      <p:nvGrpSpPr>
+        <p:cNvPr id="1" name=""/>
+        <p:cNvGrpSpPr/>
+        <p:nvPr/>
+      </p:nvGrpSpPr>
+      <p:grpSpPr>
+        <a:xfrm>
+          <a:off x="0" y="0"/>
+          <a:ext cx="0" cy="0"/>
+          <a:chOff x="0" y="0"/>
+          <a:chExt cx="0" cy="0"/>
+        </a:xfrm>
+      </p:grpSpPr>
+      <p:sp>
+        <p:nvSpPr>
+          <p:cNvPr id="2" name="Title 1"/>
+          <p:cNvSpPr>
+            <a:spLocks noGrp="1"/>
+          </p:cNvSpPr>
+          <p:nvPr>
+            <p:ph type="title"/>
+          </p:nvPr>
+        </p:nvSpPr>
+        <p:spPr/>
+        <p:txBody>
+          <a:bodyPr/>
+          <a:lstStyle/>
+          <a:p>
+            <a:r>
+              <a:rPr lang="en-US" dirty="0" smtClean="0"/>
+              <a:t>The Data Set</a:t>
+            </a:r>
+            <a:endParaRPr lang="en-US" dirty="0"/>
+          </a:p>
+        </p:txBody>
+      </p:sp>
+      <p:sp>
+        <p:nvSpPr>
+          <p:cNvPr id="3" name="Content Placeholder 2"/>
+          <p:cNvSpPr>
+            <a:spLocks noGrp="1"/>
+          </p:cNvSpPr>
+          <p:nvPr>
+            <p:ph idx="1"/>
+          </p:nvPr>
+        </p:nvSpPr>
+        <p:spPr/>
+        <p:txBody>
+          <a:bodyPr/>
+          <a:lstStyle/>
+          <a:p>
+            <a:pPr marL="0" indent="0">
+              <a:buNone/>
+            </a:pPr>
+            <a:r>
+              <a:rPr lang="en-US" dirty="0" smtClean="0"/>
+              <a:t>There are a number of public data sets on </a:t>
+            </a:r>
+            <a:r>
+              <a:rPr lang="en-US" dirty="0" err="1" smtClean="0"/>
+              <a:t>BigQuery</a:t>
+            </a:r>
+            <a:r>
+              <a:rPr lang="en-US" dirty="0" smtClean="0"/>
+              <a:t>. You can use any of them</a:t>
+            </a:r>
+          </a:p>
+          <a:p>
+            <a:pPr marL="0" indent="0">
+              <a:buNone/>
+            </a:pPr>
+            <a:r>
+              <a:rPr lang="en-US" dirty="0" smtClean="0"/>
+              <a:t>We focus on the natality data set</a:t>
+            </a:r>
+          </a:p>
+          <a:p>
+            <a:pPr marL="0" indent="0">
+              <a:buNone/>
+            </a:pPr>
+            <a:r>
+              <a:rPr lang="en-US" sz="2000" dirty="0"/>
+              <a:t>https://</a:t>
+            </a:r>
+            <a:r>
+              <a:rPr lang="en-US" sz="2000" dirty="0" err="1"/>
+              <a:t>cloud.google.com</a:t>
+            </a:r>
+            <a:r>
+              <a:rPr lang="en-US" sz="2000" dirty="0"/>
+              <a:t>/</a:t>
+            </a:r>
+            <a:r>
+              <a:rPr lang="en-US" sz="2000" dirty="0" err="1"/>
+              <a:t>bigquery</a:t>
+            </a:r>
+            <a:r>
+              <a:rPr lang="en-US" sz="2000" dirty="0"/>
+              <a:t>/docs/dataset-</a:t>
+            </a:r>
+            <a:r>
+              <a:rPr lang="en-US" sz="2000" dirty="0" smtClean="0"/>
+              <a:t>natality</a:t>
+            </a:r>
+          </a:p>
+          <a:p>
+            <a:pPr marL="0" indent="0">
+              <a:buNone/>
+            </a:pPr>
+            <a:r>
+              <a:rPr lang="en-US" sz="2000" dirty="0" smtClean="0"/>
+              <a:t>“All births </a:t>
+            </a:r>
+            <a:r>
+              <a:rPr lang="en-US" sz="2000" dirty="0"/>
+              <a:t>registered in the 50 </a:t>
+            </a:r>
+            <a:r>
+              <a:rPr lang="en-US" sz="2000" dirty="0" smtClean="0"/>
+              <a:t>States, DC, </a:t>
+            </a:r>
+            <a:r>
+              <a:rPr lang="en-US" sz="2000" dirty="0"/>
+              <a:t>and </a:t>
+            </a:r>
+            <a:r>
+              <a:rPr lang="en-US" sz="2000" dirty="0" smtClean="0"/>
+              <a:t>NYC from </a:t>
+            </a:r>
+            <a:r>
+              <a:rPr lang="en-US" sz="2000" dirty="0"/>
+              <a:t>1969 to 2008. The </a:t>
+            </a:r>
+            <a:r>
+              <a:rPr lang="en-US" sz="2000" dirty="0" smtClean="0"/>
+              <a:t>CDC receives </a:t>
+            </a:r>
+            <a:r>
+              <a:rPr lang="en-US" sz="2000" dirty="0"/>
+              <a:t>these data as electronic files, prepared from individual records processed by each registration </a:t>
+            </a:r>
+            <a:r>
+              <a:rPr lang="en-US" sz="2000" dirty="0" smtClean="0"/>
+              <a:t>area…”</a:t>
+            </a:r>
+          </a:p>
+          <a:p>
+            <a:pPr marL="0" indent="0">
+              <a:buNone/>
+            </a:pPr>
+            <a:r>
+              <a:rPr lang="en-US" sz="2000" smtClean="0"/>
+              <a:t>~22GB of data.</a:t>
+            </a:r>
+            <a:endParaRPr lang="en-US" sz="2000" dirty="0" smtClean="0"/>
+          </a:p>
+          <a:p>
+            <a:pPr marL="0" indent="0">
+              <a:buNone/>
+            </a:pPr>
+            <a:r>
+              <a:rPr lang="en-US" sz="2000" dirty="0" smtClean="0"/>
+              <a:t> </a:t>
+            </a:r>
+            <a:endParaRPr lang="en-US" sz="2000" dirty="0"/>
+          </a:p>
+        </p:txBody>
+      </p:sp>
+      <p:sp>
+        <p:nvSpPr>
+          <p:cNvPr id="4" name="Date Placeholder 3"/>
+          <p:cNvSpPr>
+            <a:spLocks noGrp="1"/>
+          </p:cNvSpPr>
+          <p:nvPr>
+            <p:ph type="dt" sz="half" idx="10"/>
+          </p:nvPr>
+        </p:nvSpPr>
+        <p:spPr/>
+        <p:txBody>
+          <a:bodyPr/>
+          <a:lstStyle/>
+          <a:p>
+            <a:fld id="{7053BEFA-1175-F644-B249-7D41D72BD3FF}" type="datetime1">
+              <a:rPr lang="en-US" smtClean="0"/>
+              <a:t>4/11/17</a:t>
+            </a:fld>
+            <a:endParaRPr lang="en-US"/>
+          </a:p>
+        </p:txBody>
+      </p:sp>
+      <p:sp>
+        <p:nvSpPr>
+          <p:cNvPr id="5" name="Footer Placeholder 4"/>
+          <p:cNvSpPr>
+            <a:spLocks noGrp="1"/>
+          </p:cNvSpPr>
+          <p:nvPr>
+            <p:ph type="ftr" sz="quarter" idx="11"/>
+          </p:nvPr>
+        </p:nvSpPr>
+        <p:spPr/>
+        <p:txBody>
+          <a:bodyPr/>
+          <a:lstStyle/>
+          <a:p>
+            <a:endParaRPr lang="en-US" dirty="0"/>
+          </a:p>
+        </p:txBody>
+      </p:sp>
+      <p:sp>
+        <p:nvSpPr>
+          <p:cNvPr id="6" name="Slide Number Placeholder 5"/>
+          <p:cNvSpPr>
+            <a:spLocks noGrp="1"/>
+          </p:cNvSpPr>
+          <p:nvPr>
+            <p:ph type="sldNum" sz="quarter" idx="12"/>
+          </p:nvPr>
+        </p:nvSpPr>
+        <p:spPr/>
+        <p:txBody>
+          <a:bodyPr/>
+          <a:lstStyle/>
+          <a:p>
+            <a:fld id="{17E276FA-8F89-B34D-A726-BE3FA1F8DD97}" type="slidenum">
+              <a:rPr lang="en-US" smtClean="0"/>
+              <a:t>11</a:t>
+            </a:fld>
+            <a:endParaRPr lang="en-US" dirty="0"/>
+          </a:p>
+        </p:txBody>
+      </p:sp>
+    </p:spTree>
+    <p:extLst>
+      <p:ext uri="{BB962C8B-B14F-4D97-AF65-F5344CB8AC3E}">
+        <p14:creationId xmlns:p14="http://schemas.microsoft.com/office/powerpoint/2010/main" val="781873414"/>
+      </p:ext>
+    </p:extLst>
+  </p:cSld>
+  <p:clrMapOvr>
+    <a:masterClrMapping/>
+  </p:clrMapOvr>
+  <mc:AlternateContent xmlns:mc="http://schemas.openxmlformats.org/markup-compatibility/2006" xmlns:p14="http://schemas.microsoft.com/office/powerpoint/2010/main">
+    <mc:Choice Requires="p14">
+      <p:transition spd="slow" p14:dur="2000"/>
+    </mc:Choice>
+    <mc:Fallback xmlns="">
+      <p:transition spd="slow"/>
+    </mc:Fallback>
+  </mc:AlternateContent>
+  <p:timing>
+    <p:tnLst>
+      <p:par>
+        <p:cTn id="1" dur="indefinite" restart="never" nodeType="tmRoot"/>
+      </p:par>
+    </p:tnLst>
+  </p:timing>
+</p:sld>
+</file>
+
+<file path=ppt/slides/slide12.xml><?xml version="1.0" encoding="utf-8"?>
 <p:sld xmlns:a="http://schemas.openxmlformats.org/drawingml/2006/main" xmlns:r="http://schemas.openxmlformats.org/officeDocument/2006/relationships" xmlns:p="http://schemas.openxmlformats.org/presentationml/2006/main">
   <p:cSld>
     <p:spTree>
@@ -12442,7 +12616,7 @@
           <a:p>
             <a:fld id="{17E276FA-8F89-B34D-A726-BE3FA1F8DD97}" type="slidenum">
               <a:rPr lang="en-US" smtClean="0"/>
-              <a:t>11</a:t>
+              <a:t>12</a:t>
             </a:fld>
             <a:endParaRPr lang="en-US" dirty="0"/>
           </a:p>
@@ -12488,11 +12662,11 @@
   <p:clrMapOvr>
     <a:masterClrMapping/>
   </p:clrMapOvr>
-  <mc:AlternateContent xmlns:mc="http://schemas.openxmlformats.org/markup-compatibility/2006">
-    <mc:Choice xmlns:p14="http://schemas.microsoft.com/office/powerpoint/2010/main" Requires="p14">
+  <mc:AlternateContent xmlns:mc="http://schemas.openxmlformats.org/markup-compatibility/2006" xmlns:p14="http://schemas.microsoft.com/office/powerpoint/2010/main">
+    <mc:Choice Requires="p14">
       <p:transition spd="slow" p14:dur="2000"/>
     </mc:Choice>
-    <mc:Fallback>
+    <mc:Fallback xmlns="">
       <p:transition spd="slow"/>
     </mc:Fallback>
   </mc:AlternateContent>
@@ -12506,7 +12680,7 @@
 </p:sld>
 </file>
 
-<file path=ppt/slides/slide12.xml><?xml version="1.0" encoding="utf-8"?>
+<file path=ppt/slides/slide13.xml><?xml version="1.0" encoding="utf-8"?>
 <p:sld xmlns:a="http://schemas.openxmlformats.org/drawingml/2006/main" xmlns:r="http://schemas.openxmlformats.org/officeDocument/2006/relationships" xmlns:p="http://schemas.openxmlformats.org/presentationml/2006/main">
   <p:cSld>
     <p:spTree>
@@ -12945,7 +13119,7 @@
           <a:p>
             <a:fld id="{17E276FA-8F89-B34D-A726-BE3FA1F8DD97}" type="slidenum">
               <a:rPr lang="en-US" smtClean="0"/>
-              <a:t>12</a:t>
+              <a:t>13</a:t>
             </a:fld>
             <a:endParaRPr lang="en-US" dirty="0"/>
           </a:p>
@@ -13041,280 +13215,11 @@
   <p:clrMapOvr>
     <a:masterClrMapping/>
   </p:clrMapOvr>
-  <mc:AlternateContent xmlns:mc="http://schemas.openxmlformats.org/markup-compatibility/2006">
-    <mc:Choice xmlns:p14="http://schemas.microsoft.com/office/powerpoint/2010/main" Requires="p14">
+  <mc:AlternateContent xmlns:mc="http://schemas.openxmlformats.org/markup-compatibility/2006" xmlns:p14="http://schemas.microsoft.com/office/powerpoint/2010/main">
+    <mc:Choice Requires="p14">
       <p:transition spd="slow" p14:dur="2000"/>
     </mc:Choice>
-    <mc:Fallback>
-      <p:transition spd="slow"/>
-    </mc:Fallback>
-  </mc:AlternateContent>
-  <p:timing>
-    <p:tnLst>
-      <p:par>
-        <p:cTn id="1" dur="indefinite" restart="never" nodeType="tmRoot"/>
-      </p:par>
-    </p:tnLst>
-  </p:timing>
-</p:sld>
-</file>
-
-<file path=ppt/slides/slide13.xml><?xml version="1.0" encoding="utf-8"?>
-<p:sld xmlns:a="http://schemas.openxmlformats.org/drawingml/2006/main" xmlns:r="http://schemas.openxmlformats.org/officeDocument/2006/relationships" xmlns:p="http://schemas.openxmlformats.org/presentationml/2006/main">
-  <p:cSld>
-    <p:spTree>
-      <p:nvGrpSpPr>
-        <p:cNvPr id="1" name=""/>
-        <p:cNvGrpSpPr/>
-        <p:nvPr/>
-      </p:nvGrpSpPr>
-      <p:grpSpPr>
-        <a:xfrm>
-          <a:off x="0" y="0"/>
-          <a:ext cx="0" cy="0"/>
-          <a:chOff x="0" y="0"/>
-          <a:chExt cx="0" cy="0"/>
-        </a:xfrm>
-      </p:grpSpPr>
-      <p:sp>
-        <p:nvSpPr>
-          <p:cNvPr id="2" name="Title 1"/>
-          <p:cNvSpPr>
-            <a:spLocks noGrp="1"/>
-          </p:cNvSpPr>
-          <p:nvPr>
-            <p:ph type="title"/>
-          </p:nvPr>
-        </p:nvSpPr>
-        <p:spPr/>
-        <p:txBody>
-          <a:bodyPr/>
-          <a:lstStyle/>
-          <a:p>
-            <a:r>
-              <a:rPr lang="en-US" dirty="0" smtClean="0"/>
-              <a:t>After applying logistic regression:</a:t>
-            </a:r>
-            <a:endParaRPr lang="en-US" dirty="0"/>
-          </a:p>
-        </p:txBody>
-      </p:sp>
-      <p:sp>
-        <p:nvSpPr>
-          <p:cNvPr id="3" name="Content Placeholder 2"/>
-          <p:cNvSpPr>
-            <a:spLocks noGrp="1"/>
-          </p:cNvSpPr>
-          <p:nvPr>
-            <p:ph idx="1"/>
-          </p:nvPr>
-        </p:nvSpPr>
-        <p:spPr>
-          <a:xfrm>
-            <a:off x="1128943" y="1619657"/>
-            <a:ext cx="7048804" cy="4379976"/>
-          </a:xfrm>
-        </p:spPr>
-        <p:txBody>
-          <a:bodyPr/>
-          <a:lstStyle/>
-          <a:p>
-            <a:r>
-              <a:rPr lang="en-US" dirty="0" err="1" smtClean="0"/>
-              <a:t>drinks_per_week</a:t>
-            </a:r>
-            <a:r>
-              <a:rPr lang="en-US" dirty="0" smtClean="0"/>
-              <a:t> </a:t>
-            </a:r>
-            <a:r>
-              <a:rPr lang="en-US" dirty="0"/>
-              <a:t>: 10.4458435228</a:t>
-            </a:r>
-          </a:p>
-          <a:p>
-            <a:r>
-              <a:rPr lang="en-US" dirty="0" err="1"/>
-              <a:t>born_alive_alive</a:t>
-            </a:r>
-            <a:r>
-              <a:rPr lang="en-US" dirty="0"/>
-              <a:t> : 5.10540437526</a:t>
-            </a:r>
-          </a:p>
-          <a:p>
-            <a:r>
-              <a:rPr lang="en-US" dirty="0" err="1"/>
-              <a:t>born_alive_dead</a:t>
-            </a:r>
-            <a:r>
-              <a:rPr lang="en-US" dirty="0"/>
-              <a:t> : </a:t>
-            </a:r>
-            <a:r>
-              <a:rPr lang="en-US" dirty="0" smtClean="0"/>
-              <a:t>0.201596177591</a:t>
-            </a:r>
-          </a:p>
-          <a:p>
-            <a:r>
-              <a:rPr lang="en-US" dirty="0" err="1" smtClean="0"/>
-              <a:t>father_age</a:t>
-            </a:r>
-            <a:r>
-              <a:rPr lang="en-US" dirty="0" smtClean="0"/>
-              <a:t> </a:t>
-            </a:r>
-            <a:r>
-              <a:rPr lang="en-US" dirty="0"/>
-              <a:t>: 158.603348865</a:t>
-            </a:r>
-          </a:p>
-          <a:p>
-            <a:r>
-              <a:rPr lang="en-US" dirty="0" err="1"/>
-              <a:t>mother_age</a:t>
-            </a:r>
-            <a:r>
-              <a:rPr lang="en-US" dirty="0"/>
-              <a:t> : 145.833818566</a:t>
-            </a:r>
-          </a:p>
-          <a:p>
-            <a:r>
-              <a:rPr lang="en-US" dirty="0" err="1" smtClean="0"/>
-              <a:t>weight_gain_pounds</a:t>
-            </a:r>
-            <a:r>
-              <a:rPr lang="en-US" dirty="0" smtClean="0"/>
-              <a:t> </a:t>
-            </a:r>
-            <a:r>
-              <a:rPr lang="en-US" dirty="0"/>
-              <a:t>: </a:t>
-            </a:r>
-            <a:r>
-              <a:rPr lang="en-US" dirty="0" smtClean="0"/>
-              <a:t>145.577879963</a:t>
-            </a:r>
-          </a:p>
-          <a:p>
-            <a:r>
-              <a:rPr lang="en-US" dirty="0"/>
-              <a:t>year : </a:t>
-            </a:r>
-            <a:r>
-              <a:rPr lang="en-US" dirty="0" smtClean="0"/>
-              <a:t>9944.99904843</a:t>
-            </a:r>
-          </a:p>
-          <a:p>
-            <a:r>
-              <a:rPr lang="en-US" dirty="0" smtClean="0"/>
-              <a:t>… </a:t>
-            </a:r>
-            <a:r>
-              <a:rPr lang="en-US" dirty="0"/>
-              <a:t>[I had other features too in this] </a:t>
-            </a:r>
-          </a:p>
-          <a:p>
-            <a:r>
-              <a:rPr lang="en-US" dirty="0" smtClean="0"/>
-              <a:t>accuracy </a:t>
-            </a:r>
-            <a:r>
-              <a:rPr lang="en-US" dirty="0"/>
-              <a:t>: </a:t>
-            </a:r>
-            <a:r>
-              <a:rPr lang="en-US" dirty="0" smtClean="0"/>
-              <a:t>0.91249999999999998</a:t>
-            </a:r>
-            <a:endParaRPr lang="en-US" dirty="0"/>
-          </a:p>
-        </p:txBody>
-      </p:sp>
-      <p:sp>
-        <p:nvSpPr>
-          <p:cNvPr id="4" name="Date Placeholder 3"/>
-          <p:cNvSpPr>
-            <a:spLocks noGrp="1"/>
-          </p:cNvSpPr>
-          <p:nvPr>
-            <p:ph type="dt" sz="half" idx="10"/>
-          </p:nvPr>
-        </p:nvSpPr>
-        <p:spPr/>
-        <p:txBody>
-          <a:bodyPr/>
-          <a:lstStyle/>
-          <a:p>
-            <a:fld id="{7053BEFA-1175-F644-B249-7D41D72BD3FF}" type="datetime1">
-              <a:rPr lang="en-US" smtClean="0"/>
-              <a:t>4/11/17</a:t>
-            </a:fld>
-            <a:endParaRPr lang="en-US"/>
-          </a:p>
-        </p:txBody>
-      </p:sp>
-      <p:sp>
-        <p:nvSpPr>
-          <p:cNvPr id="5" name="Footer Placeholder 4"/>
-          <p:cNvSpPr>
-            <a:spLocks noGrp="1"/>
-          </p:cNvSpPr>
-          <p:nvPr>
-            <p:ph type="ftr" sz="quarter" idx="11"/>
-          </p:nvPr>
-        </p:nvSpPr>
-        <p:spPr/>
-        <p:txBody>
-          <a:bodyPr/>
-          <a:lstStyle/>
-          <a:p>
-            <a:endParaRPr lang="en-US" dirty="0"/>
-          </a:p>
-        </p:txBody>
-      </p:sp>
-      <p:sp>
-        <p:nvSpPr>
-          <p:cNvPr id="6" name="Slide Number Placeholder 5"/>
-          <p:cNvSpPr>
-            <a:spLocks noGrp="1"/>
-          </p:cNvSpPr>
-          <p:nvPr>
-            <p:ph type="sldNum" sz="quarter" idx="12"/>
-          </p:nvPr>
-        </p:nvSpPr>
-        <p:spPr/>
-        <p:txBody>
-          <a:bodyPr/>
-          <a:lstStyle/>
-          <a:p>
-            <a:fld id="{17E276FA-8F89-B34D-A726-BE3FA1F8DD97}" type="slidenum">
-              <a:rPr lang="en-US" smtClean="0"/>
-              <a:t>13</a:t>
-            </a:fld>
-            <a:endParaRPr lang="en-US" dirty="0"/>
-          </a:p>
-        </p:txBody>
-      </p:sp>
-    </p:spTree>
-    <p:extLst>
-      <p:ext uri="{BB962C8B-B14F-4D97-AF65-F5344CB8AC3E}">
-        <p14:creationId xmlns:p14="http://schemas.microsoft.com/office/powerpoint/2010/main" val="1109450666"/>
-      </p:ext>
-    </p:extLst>
-  </p:cSld>
-  <p:clrMapOvr>
-    <a:masterClrMapping/>
-  </p:clrMapOvr>
-  <mc:AlternateContent xmlns:mc="http://schemas.openxmlformats.org/markup-compatibility/2006">
-    <mc:Choice xmlns:p14="http://schemas.microsoft.com/office/powerpoint/2010/main" Requires="p14">
-      <p:transition spd="slow" p14:dur="2000"/>
-    </mc:Choice>
-    <mc:Fallback>
+    <mc:Fallback xmlns="">
       <p:transition spd="slow"/>
     </mc:Fallback>
   </mc:AlternateContent>
@@ -13362,11 +13267,7 @@
           <a:p>
             <a:r>
               <a:rPr lang="en-US" dirty="0" smtClean="0"/>
-              <a:t>Regression for </a:t>
-            </a:r>
-            <a:r>
-              <a:rPr lang="en-US" i="1" dirty="0" smtClean="0"/>
-              <a:t>big data</a:t>
+              <a:t>After applying logistic regression:</a:t>
             </a:r>
             <a:endParaRPr lang="en-US" dirty="0"/>
           </a:p>
@@ -13382,114 +13283,127 @@
             <p:ph idx="1"/>
           </p:nvPr>
         </p:nvSpPr>
-        <p:spPr/>
-        <p:txBody>
-          <a:bodyPr/>
-          <a:lstStyle/>
-          <a:p>
-            <a:pPr marL="0" indent="0">
-              <a:lnSpc>
-                <a:spcPct val="90000"/>
-              </a:lnSpc>
-              <a:buNone/>
-            </a:pPr>
-            <a:r>
-              <a:rPr lang="en-US" altLang="he-IL" dirty="0"/>
-              <a:t>Batch mode : Gradient Descent</a:t>
-            </a:r>
-          </a:p>
-          <a:p>
-            <a:pPr>
-              <a:lnSpc>
-                <a:spcPct val="110000"/>
-              </a:lnSpc>
-              <a:buFontTx/>
-              <a:buNone/>
-            </a:pPr>
-            <a:r>
-              <a:rPr lang="en-US" altLang="he-IL" dirty="0"/>
-              <a:t>   </a:t>
-            </a:r>
-            <a:r>
-              <a:rPr lang="en-US" dirty="0">
-                <a:latin typeface="Symbol" charset="0"/>
-              </a:rPr>
+        <p:spPr>
+          <a:xfrm>
+            <a:off x="1128943" y="1619657"/>
+            <a:ext cx="7048804" cy="4379976"/>
+          </a:xfrm>
+        </p:spPr>
+        <p:txBody>
+          <a:bodyPr/>
+          <a:lstStyle/>
+          <a:p>
+            <a:r>
+              <a:rPr lang="en-US" dirty="0" err="1" smtClean="0"/>
+              <a:t>drinks_per_week</a:t>
+            </a:r>
+            <a:r>
+              <a:rPr lang="en-US" dirty="0" smtClean="0"/>
               <a:t> </a:t>
             </a:r>
             <a:r>
+              <a:rPr lang="en-US" dirty="0"/>
+              <a:t>: 10.4458435228</a:t>
+            </a:r>
+          </a:p>
+          <a:p>
+            <a:r>
+              <a:rPr lang="en-US" dirty="0" err="1"/>
+              <a:t>born_alive_alive</a:t>
+            </a:r>
+            <a:r>
+              <a:rPr lang="en-US" dirty="0"/>
+              <a:t> : 5.10540437526</a:t>
+            </a:r>
+          </a:p>
+          <a:p>
+            <a:r>
+              <a:rPr lang="en-US" dirty="0" err="1"/>
+              <a:t>born_alive_dead</a:t>
+            </a:r>
+            <a:r>
+              <a:rPr lang="en-US" dirty="0"/>
+              <a:t> : </a:t>
+            </a:r>
+            <a:r>
+              <a:rPr lang="en-US" dirty="0" smtClean="0"/>
+              <a:t>0.201596177591</a:t>
+            </a:r>
+          </a:p>
+          <a:p>
+            <a:r>
               <a:rPr lang="en-US" dirty="0" err="1" smtClean="0"/>
-              <a:t>w</a:t>
-            </a:r>
-            <a:r>
-              <a:rPr lang="en-US" baseline="-25000" dirty="0" err="1" smtClean="0"/>
-              <a:t>j</a:t>
+              <a:t>father_age</a:t>
             </a:r>
             <a:r>
               <a:rPr lang="en-US" dirty="0" smtClean="0"/>
-              <a:t>  =  </a:t>
-            </a:r>
+              <a:t> </a:t>
+            </a:r>
+            <a:r>
+              <a:rPr lang="en-US" dirty="0"/>
+              <a:t>: 158.603348865</a:t>
+            </a:r>
+          </a:p>
+          <a:p>
             <a:r>
               <a:rPr lang="en-US" dirty="0" err="1"/>
-              <a:t>w</a:t>
-            </a:r>
-            <a:r>
-              <a:rPr lang="en-US" baseline="-25000" dirty="0" err="1"/>
-              <a:t>i</a:t>
+              <a:t>mother_age</a:t>
             </a:r>
             <a:r>
               <a:rPr lang="en-US" dirty="0"/>
+              <a:t> : 145.833818566</a:t>
+            </a:r>
+          </a:p>
+          <a:p>
+            <a:r>
+              <a:rPr lang="en-US" dirty="0" err="1" smtClean="0"/>
+              <a:t>weight_gain_pounds</a:t>
+            </a:r>
+            <a:r>
+              <a:rPr lang="en-US" dirty="0" smtClean="0"/>
               <a:t> </a:t>
             </a:r>
             <a:r>
-              <a:rPr lang="en-US" altLang="he-IL" dirty="0" smtClean="0"/>
-              <a:t>- </a:t>
-            </a:r>
-            <a:r>
-              <a:rPr lang="en-US" altLang="he-IL" dirty="0">
-                <a:sym typeface="Symbol" charset="0"/>
-              </a:rPr>
-              <a:t> </a:t>
-            </a:r>
-            <a:r>
-              <a:rPr lang="en-US" dirty="0" err="1"/>
-              <a:t>Δ</a:t>
-            </a:r>
-            <a:r>
               <a:rPr lang="en-US" dirty="0"/>
-              <a:t>(w)</a:t>
-            </a:r>
-            <a:r>
-              <a:rPr lang="en-US" altLang="he-IL" dirty="0" smtClean="0">
-                <a:sym typeface="Symbol" charset="0"/>
-              </a:rPr>
-              <a:t> </a:t>
-            </a:r>
-            <a:r>
-              <a:rPr lang="en-US" altLang="he-IL" dirty="0">
-                <a:sym typeface="Symbol" charset="0"/>
-              </a:rPr>
-              <a:t>over the entire data </a:t>
-            </a:r>
-            <a:r>
-              <a:rPr lang="en-US" altLang="he-IL" dirty="0" smtClean="0">
-                <a:sym typeface="Symbol" charset="0"/>
-              </a:rPr>
-              <a:t>S</a:t>
-            </a:r>
-          </a:p>
-          <a:p>
-            <a:pPr marL="0" indent="0">
-              <a:buNone/>
-            </a:pPr>
-            <a:endParaRPr lang="en-US" dirty="0" smtClean="0"/>
-          </a:p>
-          <a:p>
-            <a:pPr marL="228600" lvl="1" indent="0">
-              <a:buNone/>
-            </a:pPr>
+              <a:t>: </a:t>
+            </a:r>
             <a:r>
               <a:rPr lang="en-US" dirty="0" smtClean="0"/>
-              <a:t>Difficult to parallelize</a:t>
+              <a:t>145.577879963</a:t>
+            </a:r>
+          </a:p>
+          <a:p>
+            <a:r>
+              <a:rPr lang="en-US" dirty="0"/>
+              <a:t>year : </a:t>
+            </a:r>
+            <a:r>
+              <a:rPr lang="en-US" dirty="0" smtClean="0"/>
+              <a:t>9944.99904843</a:t>
+            </a:r>
+          </a:p>
+          <a:p>
+            <a:r>
+              <a:rPr lang="en-US" dirty="0" smtClean="0"/>
+              <a:t>… </a:t>
+            </a:r>
+            <a:r>
+              <a:rPr lang="en-US" dirty="0"/>
+              <a:t>[I had other features too in this] </a:t>
+            </a:r>
+          </a:p>
+          <a:p>
+            <a:r>
+              <a:rPr lang="en-US" dirty="0" smtClean="0"/>
+              <a:t>accuracy </a:t>
+            </a:r>
+            <a:r>
+              <a:rPr lang="en-US" dirty="0"/>
+              <a:t>: </a:t>
+            </a:r>
+            <a:r>
+              <a:rPr lang="en-US" dirty="0" smtClean="0"/>
+              <a:t>0.91249999999999998</a:t>
             </a:r>
             <a:endParaRPr lang="en-US" dirty="0"/>
           </a:p>
@@ -13563,18 +13477,18 @@
     </p:spTree>
     <p:extLst>
       <p:ext uri="{BB962C8B-B14F-4D97-AF65-F5344CB8AC3E}">
-        <p14:creationId xmlns:p14="http://schemas.microsoft.com/office/powerpoint/2010/main" val="1416485992"/>
+        <p14:creationId xmlns:p14="http://schemas.microsoft.com/office/powerpoint/2010/main" val="1109450666"/>
       </p:ext>
     </p:extLst>
   </p:cSld>
   <p:clrMapOvr>
     <a:masterClrMapping/>
   </p:clrMapOvr>
-  <mc:AlternateContent xmlns:mc="http://schemas.openxmlformats.org/markup-compatibility/2006">
-    <mc:Choice xmlns:p14="http://schemas.microsoft.com/office/powerpoint/2010/main" Requires="p14">
+  <mc:AlternateContent xmlns:mc="http://schemas.openxmlformats.org/markup-compatibility/2006" xmlns:p14="http://schemas.microsoft.com/office/powerpoint/2010/main">
+    <mc:Choice Requires="p14">
       <p:transition spd="slow" p14:dur="2000"/>
     </mc:Choice>
-    <mc:Fallback>
+    <mc:Fallback xmlns="">
       <p:transition spd="slow"/>
     </mc:Fallback>
   </mc:AlternateContent>
@@ -13622,7 +13536,7 @@
           <a:p>
             <a:r>
               <a:rPr lang="en-US" dirty="0" smtClean="0"/>
-              <a:t>How do we handle </a:t>
+              <a:t>Regression for </a:t>
             </a:r>
             <a:r>
               <a:rPr lang="en-US" i="1" dirty="0" smtClean="0"/>
@@ -13642,12 +13556,7 @@
             <p:ph idx="1"/>
           </p:nvPr>
         </p:nvSpPr>
-        <p:spPr>
-          <a:xfrm>
-            <a:off x="1128943" y="1847153"/>
-            <a:ext cx="7887140" cy="4379976"/>
-          </a:xfrm>
-        </p:spPr>
+        <p:spPr/>
         <p:txBody>
           <a:bodyPr/>
           <a:lstStyle/>
@@ -13743,115 +13652,18 @@
             </a:r>
           </a:p>
           <a:p>
-            <a:pPr>
-              <a:lnSpc>
-                <a:spcPct val="90000"/>
-              </a:lnSpc>
-              <a:buFontTx/>
+            <a:pPr marL="0" indent="0">
               <a:buNone/>
             </a:pPr>
-            <a:r>
-              <a:rPr lang="en-US" altLang="he-IL" dirty="0" smtClean="0">
-                <a:sym typeface="Symbol" charset="0"/>
-              </a:rPr>
-              <a:t>Incremental </a:t>
-            </a:r>
-            <a:r>
-              <a:rPr lang="en-US" altLang="he-IL" dirty="0">
-                <a:sym typeface="Symbol" charset="0"/>
-              </a:rPr>
-              <a:t>mode: </a:t>
-            </a:r>
-            <a:r>
-              <a:rPr lang="en-US" altLang="he-IL" i="1" dirty="0" smtClean="0">
-                <a:sym typeface="Symbol" charset="0"/>
-              </a:rPr>
-              <a:t>stochastic gradient descent</a:t>
-            </a:r>
-            <a:endParaRPr lang="en-US" altLang="he-IL" i="1" dirty="0">
-              <a:sym typeface="Symbol" charset="0"/>
-            </a:endParaRPr>
-          </a:p>
-          <a:p>
-            <a:pPr>
-              <a:lnSpc>
-                <a:spcPct val="110000"/>
-              </a:lnSpc>
+            <a:endParaRPr lang="en-US" dirty="0" smtClean="0"/>
+          </a:p>
+          <a:p>
+            <a:pPr marL="228600" lvl="1" indent="0">
               <a:buNone/>
             </a:pPr>
             <a:r>
-              <a:rPr lang="en-US" altLang="he-IL" dirty="0"/>
-              <a:t>    </a:t>
-            </a:r>
-            <a:r>
-              <a:rPr lang="en-US" dirty="0" err="1"/>
-              <a:t>w</a:t>
-            </a:r>
-            <a:r>
-              <a:rPr lang="en-US" baseline="-25000" dirty="0" err="1"/>
-              <a:t>j</a:t>
-            </a:r>
-            <a:r>
-              <a:rPr lang="en-US" dirty="0"/>
-              <a:t>  =  </a:t>
-            </a:r>
-            <a:r>
-              <a:rPr lang="en-US" dirty="0" err="1"/>
-              <a:t>w</a:t>
-            </a:r>
-            <a:r>
-              <a:rPr lang="en-US" baseline="-25000" dirty="0" err="1"/>
-              <a:t>i</a:t>
-            </a:r>
-            <a:r>
-              <a:rPr lang="en-US" dirty="0"/>
-              <a:t> </a:t>
-            </a:r>
-            <a:r>
-              <a:rPr lang="en-US" altLang="he-IL" dirty="0" smtClean="0"/>
-              <a:t> </a:t>
-            </a:r>
-            <a:r>
-              <a:rPr lang="en-US" altLang="he-IL" dirty="0"/>
-              <a:t>- </a:t>
-            </a:r>
-            <a:r>
-              <a:rPr lang="en-US" altLang="he-IL" dirty="0">
-                <a:sym typeface="Symbol" charset="0"/>
-              </a:rPr>
-              <a:t> </a:t>
-            </a:r>
-            <a:r>
-              <a:rPr lang="en-US" altLang="he-IL" dirty="0" smtClean="0">
-                <a:sym typeface="Symbol" charset="0"/>
-              </a:rPr>
-              <a:t>* </a:t>
-            </a:r>
-            <a:r>
-              <a:rPr lang="en-US" altLang="he-IL" dirty="0" smtClean="0">
-                <a:latin typeface="Arial" charset="0"/>
-                <a:sym typeface="Symbol" charset="0"/>
-              </a:rPr>
-              <a:t> approximation of </a:t>
-            </a:r>
-            <a:r>
-              <a:rPr lang="en-US" dirty="0" err="1" smtClean="0"/>
-              <a:t>Δ</a:t>
-            </a:r>
-            <a:r>
-              <a:rPr lang="en-US" dirty="0"/>
-              <a:t>(w</a:t>
-            </a:r>
-            <a:r>
               <a:rPr lang="en-US" dirty="0" smtClean="0"/>
-              <a:t>) </a:t>
-            </a:r>
-            <a:br>
-              <a:rPr lang="en-US" dirty="0" smtClean="0"/>
-            </a:br>
-            <a:r>
-              <a:rPr lang="en-US" dirty="0" smtClean="0"/>
-              <a:t>			</a:t>
+              <a:t>Difficult to parallelize</a:t>
             </a:r>
             <a:endParaRPr lang="en-US" dirty="0"/>
           </a:p>
@@ -13925,18 +13737,18 @@
     </p:spTree>
     <p:extLst>
       <p:ext uri="{BB962C8B-B14F-4D97-AF65-F5344CB8AC3E}">
-        <p14:creationId xmlns:p14="http://schemas.microsoft.com/office/powerpoint/2010/main" val="2023840549"/>
+        <p14:creationId xmlns:p14="http://schemas.microsoft.com/office/powerpoint/2010/main" val="1416485992"/>
       </p:ext>
     </p:extLst>
   </p:cSld>
   <p:clrMapOvr>
     <a:masterClrMapping/>
   </p:clrMapOvr>
-  <mc:AlternateContent xmlns:mc="http://schemas.openxmlformats.org/markup-compatibility/2006">
-    <mc:Choice xmlns:p14="http://schemas.microsoft.com/office/powerpoint/2010/main" Requires="p14">
+  <mc:AlternateContent xmlns:mc="http://schemas.openxmlformats.org/markup-compatibility/2006" xmlns:p14="http://schemas.microsoft.com/office/powerpoint/2010/main">
+    <mc:Choice Requires="p14">
       <p:transition spd="slow" p14:dur="2000"/>
     </mc:Choice>
-    <mc:Fallback>
+    <mc:Fallback xmlns="">
       <p:transition spd="slow"/>
     </mc:Fallback>
   </mc:AlternateContent>
@@ -14006,8 +13818,8 @@
         </p:nvSpPr>
         <p:spPr>
           <a:xfrm>
-            <a:off x="1128942" y="1654253"/>
-            <a:ext cx="7526985" cy="4379976"/>
+            <a:off x="1128943" y="1847153"/>
+            <a:ext cx="7887140" cy="4379976"/>
           </a:xfrm>
         </p:spPr>
         <p:txBody>
@@ -14128,14 +13940,11 @@
               <a:rPr lang="en-US" altLang="he-IL" i="1" dirty="0" smtClean="0">
                 <a:sym typeface="Symbol" charset="0"/>
               </a:rPr>
-              <a:t>stochastic gradient </a:t>
-            </a:r>
-            <a:r>
-              <a:rPr lang="en-US" altLang="he-IL" i="1" dirty="0">
-                <a:sym typeface="Symbol" charset="0"/>
-              </a:rPr>
-              <a:t>descent</a:t>
-            </a:r>
+              <a:t>stochastic gradient descent</a:t>
+            </a:r>
+            <a:endParaRPr lang="en-US" altLang="he-IL" i="1" dirty="0">
+              <a:sym typeface="Symbol" charset="0"/>
+            </a:endParaRPr>
           </a:p>
           <a:p>
             <a:pPr>
@@ -14216,75 +14025,8 @@
             </a:br>
             <a:r>
               <a:rPr lang="en-US" dirty="0" smtClean="0"/>
-              <a:t>				</a:t>
-            </a:r>
-            <a:endParaRPr lang="en-US" altLang="he-IL" dirty="0" smtClean="0">
-              <a:sym typeface="Symbol" charset="0"/>
-            </a:endParaRPr>
-          </a:p>
-          <a:p>
-            <a:pPr lvl="1">
-              <a:lnSpc>
-                <a:spcPct val="110000"/>
-              </a:lnSpc>
-              <a:buNone/>
-            </a:pPr>
-            <a:r>
-              <a:rPr lang="en-US" altLang="he-IL" dirty="0" smtClean="0">
-                <a:sym typeface="Symbol" charset="0"/>
-              </a:rPr>
-              <a:t>can approximate Batch Gradient Descent arbitrarily closely if  is small enough </a:t>
-            </a:r>
-          </a:p>
-          <a:p>
-            <a:pPr lvl="1">
-              <a:lnSpc>
-                <a:spcPct val="110000"/>
-              </a:lnSpc>
-              <a:buNone/>
-            </a:pPr>
-            <a:r>
-              <a:rPr lang="en-US" altLang="he-IL" dirty="0" smtClean="0">
-                <a:sym typeface="Symbol" charset="0"/>
-              </a:rPr>
-              <a:t>supports online learning</a:t>
-            </a:r>
-          </a:p>
-          <a:p>
-            <a:pPr lvl="1">
-              <a:lnSpc>
-                <a:spcPct val="110000"/>
-              </a:lnSpc>
-              <a:buNone/>
-            </a:pPr>
-            <a:r>
-              <a:rPr lang="en-US" altLang="he-IL" dirty="0" smtClean="0">
-                <a:sym typeface="Symbol" charset="0"/>
-              </a:rPr>
-              <a:t>easily parallelized</a:t>
-            </a:r>
-          </a:p>
-          <a:p>
-            <a:pPr lvl="1">
-              <a:lnSpc>
-                <a:spcPct val="110000"/>
-              </a:lnSpc>
-              <a:buNone/>
-            </a:pPr>
-            <a:r>
-              <a:rPr lang="en-US" altLang="he-IL" dirty="0" smtClean="0">
-                <a:sym typeface="Symbol" charset="0"/>
-              </a:rPr>
-              <a:t>Not guaranteed to reach global minimum</a:t>
-            </a:r>
-            <a:endParaRPr lang="en-US" altLang="he-IL" dirty="0">
-              <a:sym typeface="Symbol" charset="0"/>
-            </a:endParaRPr>
-          </a:p>
-          <a:p>
-            <a:pPr marL="0" indent="0">
-              <a:buNone/>
-            </a:pPr>
+              <a:t>			</a:t>
+            </a:r>
             <a:endParaRPr lang="en-US" dirty="0"/>
           </a:p>
         </p:txBody>
@@ -14357,18 +14099,18 @@
     </p:spTree>
     <p:extLst>
       <p:ext uri="{BB962C8B-B14F-4D97-AF65-F5344CB8AC3E}">
-        <p14:creationId xmlns:p14="http://schemas.microsoft.com/office/powerpoint/2010/main" val="694622210"/>
+        <p14:creationId xmlns:p14="http://schemas.microsoft.com/office/powerpoint/2010/main" val="2023840549"/>
       </p:ext>
     </p:extLst>
   </p:cSld>
   <p:clrMapOvr>
     <a:masterClrMapping/>
   </p:clrMapOvr>
-  <mc:AlternateContent xmlns:mc="http://schemas.openxmlformats.org/markup-compatibility/2006">
-    <mc:Choice xmlns:p14="http://schemas.microsoft.com/office/powerpoint/2010/main" Requires="p14">
+  <mc:AlternateContent xmlns:mc="http://schemas.openxmlformats.org/markup-compatibility/2006" xmlns:p14="http://schemas.microsoft.com/office/powerpoint/2010/main">
+    <mc:Choice Requires="p14">
       <p:transition spd="slow" p14:dur="2000"/>
     </mc:Choice>
-    <mc:Fallback>
+    <mc:Fallback xmlns="">
       <p:transition spd="slow"/>
     </mc:Fallback>
   </mc:AlternateContent>
@@ -14383,6 +14125,438 @@
 </file>
 
 <file path=ppt/slides/slide17.xml><?xml version="1.0" encoding="utf-8"?>
+<p:sld xmlns:a="http://schemas.openxmlformats.org/drawingml/2006/main" xmlns:r="http://schemas.openxmlformats.org/officeDocument/2006/relationships" xmlns:p="http://schemas.openxmlformats.org/presentationml/2006/main">
+  <p:cSld>
+    <p:spTree>
+      <p:nvGrpSpPr>
+        <p:cNvPr id="1" name=""/>
+        <p:cNvGrpSpPr/>
+        <p:nvPr/>
+      </p:nvGrpSpPr>
+      <p:grpSpPr>
+        <a:xfrm>
+          <a:off x="0" y="0"/>
+          <a:ext cx="0" cy="0"/>
+          <a:chOff x="0" y="0"/>
+          <a:chExt cx="0" cy="0"/>
+        </a:xfrm>
+      </p:grpSpPr>
+      <p:sp>
+        <p:nvSpPr>
+          <p:cNvPr id="2" name="Title 1"/>
+          <p:cNvSpPr>
+            <a:spLocks noGrp="1"/>
+          </p:cNvSpPr>
+          <p:nvPr>
+            <p:ph type="title"/>
+          </p:nvPr>
+        </p:nvSpPr>
+        <p:spPr/>
+        <p:txBody>
+          <a:bodyPr/>
+          <a:lstStyle/>
+          <a:p>
+            <a:r>
+              <a:rPr lang="en-US" dirty="0" smtClean="0"/>
+              <a:t>How do we handle </a:t>
+            </a:r>
+            <a:r>
+              <a:rPr lang="en-US" i="1" dirty="0" smtClean="0"/>
+              <a:t>big data</a:t>
+            </a:r>
+            <a:endParaRPr lang="en-US" dirty="0"/>
+          </a:p>
+        </p:txBody>
+      </p:sp>
+      <p:sp>
+        <p:nvSpPr>
+          <p:cNvPr id="3" name="Content Placeholder 2"/>
+          <p:cNvSpPr>
+            <a:spLocks noGrp="1"/>
+          </p:cNvSpPr>
+          <p:nvPr>
+            <p:ph idx="1"/>
+          </p:nvPr>
+        </p:nvSpPr>
+        <p:spPr>
+          <a:xfrm>
+            <a:off x="1128942" y="1654253"/>
+            <a:ext cx="7526985" cy="4379976"/>
+          </a:xfrm>
+        </p:spPr>
+        <p:txBody>
+          <a:bodyPr/>
+          <a:lstStyle/>
+          <a:p>
+            <a:pPr marL="0" indent="0">
+              <a:lnSpc>
+                <a:spcPct val="90000"/>
+              </a:lnSpc>
+              <a:buNone/>
+            </a:pPr>
+            <a:r>
+              <a:rPr lang="en-US" altLang="he-IL" dirty="0"/>
+              <a:t>Batch mode : Gradient Descent</a:t>
+            </a:r>
+          </a:p>
+          <a:p>
+            <a:pPr>
+              <a:lnSpc>
+                <a:spcPct val="110000"/>
+              </a:lnSpc>
+              <a:buFontTx/>
+              <a:buNone/>
+            </a:pPr>
+            <a:r>
+              <a:rPr lang="en-US" altLang="he-IL" dirty="0"/>
+              <a:t>   </a:t>
+            </a:r>
+            <a:r>
+              <a:rPr lang="en-US" dirty="0">
+                <a:latin typeface="Symbol" charset="0"/>
+              </a:rPr>
+              <a:t> </a:t>
+            </a:r>
+            <a:r>
+              <a:rPr lang="en-US" dirty="0" err="1" smtClean="0"/>
+              <a:t>w</a:t>
+            </a:r>
+            <a:r>
+              <a:rPr lang="en-US" baseline="-25000" dirty="0" err="1" smtClean="0"/>
+              <a:t>j</a:t>
+            </a:r>
+            <a:r>
+              <a:rPr lang="en-US" dirty="0" smtClean="0"/>
+              <a:t>  =  </a:t>
+            </a:r>
+            <a:r>
+              <a:rPr lang="en-US" dirty="0" err="1"/>
+              <a:t>w</a:t>
+            </a:r>
+            <a:r>
+              <a:rPr lang="en-US" baseline="-25000" dirty="0" err="1"/>
+              <a:t>i</a:t>
+            </a:r>
+            <a:r>
+              <a:rPr lang="en-US" dirty="0"/>
+              <a:t> </a:t>
+            </a:r>
+            <a:r>
+              <a:rPr lang="en-US" altLang="he-IL" dirty="0" smtClean="0"/>
+              <a:t>- </a:t>
+            </a:r>
+            <a:r>
+              <a:rPr lang="en-US" altLang="he-IL" dirty="0">
+                <a:sym typeface="Symbol" charset="0"/>
+              </a:rPr>
+              <a:t> </a:t>
+            </a:r>
+            <a:r>
+              <a:rPr lang="en-US" dirty="0" err="1"/>
+              <a:t>Δ</a:t>
+            </a:r>
+            <a:r>
+              <a:rPr lang="en-US" dirty="0"/>
+              <a:t>(w)</a:t>
+            </a:r>
+            <a:r>
+              <a:rPr lang="en-US" altLang="he-IL" dirty="0" smtClean="0">
+                <a:sym typeface="Symbol" charset="0"/>
+              </a:rPr>
+              <a:t> </a:t>
+            </a:r>
+            <a:r>
+              <a:rPr lang="en-US" altLang="he-IL" dirty="0">
+                <a:sym typeface="Symbol" charset="0"/>
+              </a:rPr>
+              <a:t>over the entire data </a:t>
+            </a:r>
+            <a:r>
+              <a:rPr lang="en-US" altLang="he-IL" dirty="0" smtClean="0">
+                <a:sym typeface="Symbol" charset="0"/>
+              </a:rPr>
+              <a:t>S</a:t>
+            </a:r>
+          </a:p>
+          <a:p>
+            <a:pPr>
+              <a:lnSpc>
+                <a:spcPct val="90000"/>
+              </a:lnSpc>
+              <a:buFontTx/>
+              <a:buNone/>
+            </a:pPr>
+            <a:r>
+              <a:rPr lang="en-US" altLang="he-IL" dirty="0" smtClean="0">
+                <a:sym typeface="Symbol" charset="0"/>
+              </a:rPr>
+              <a:t>Incremental </a:t>
+            </a:r>
+            <a:r>
+              <a:rPr lang="en-US" altLang="he-IL" dirty="0">
+                <a:sym typeface="Symbol" charset="0"/>
+              </a:rPr>
+              <a:t>mode: </a:t>
+            </a:r>
+            <a:r>
+              <a:rPr lang="en-US" altLang="he-IL" i="1" dirty="0" smtClean="0">
+                <a:sym typeface="Symbol" charset="0"/>
+              </a:rPr>
+              <a:t>stochastic gradient </a:t>
+            </a:r>
+            <a:r>
+              <a:rPr lang="en-US" altLang="he-IL" i="1" dirty="0">
+                <a:sym typeface="Symbol" charset="0"/>
+              </a:rPr>
+              <a:t>descent</a:t>
+            </a:r>
+          </a:p>
+          <a:p>
+            <a:pPr>
+              <a:lnSpc>
+                <a:spcPct val="110000"/>
+              </a:lnSpc>
+              <a:buNone/>
+            </a:pPr>
+            <a:r>
+              <a:rPr lang="en-US" altLang="he-IL" dirty="0"/>
+              <a:t>    </a:t>
+            </a:r>
+            <a:r>
+              <a:rPr lang="en-US" dirty="0" err="1"/>
+              <a:t>w</a:t>
+            </a:r>
+            <a:r>
+              <a:rPr lang="en-US" baseline="-25000" dirty="0" err="1"/>
+              <a:t>j</a:t>
+            </a:r>
+            <a:r>
+              <a:rPr lang="en-US" dirty="0"/>
+              <a:t>  =  </a:t>
+            </a:r>
+            <a:r>
+              <a:rPr lang="en-US" dirty="0" err="1"/>
+              <a:t>w</a:t>
+            </a:r>
+            <a:r>
+              <a:rPr lang="en-US" baseline="-25000" dirty="0" err="1"/>
+              <a:t>i</a:t>
+            </a:r>
+            <a:r>
+              <a:rPr lang="en-US" dirty="0"/>
+              <a:t> </a:t>
+            </a:r>
+            <a:r>
+              <a:rPr lang="en-US" altLang="he-IL" dirty="0" smtClean="0"/>
+              <a:t> </a:t>
+            </a:r>
+            <a:r>
+              <a:rPr lang="en-US" altLang="he-IL" dirty="0"/>
+              <a:t>- </a:t>
+            </a:r>
+            <a:r>
+              <a:rPr lang="en-US" altLang="he-IL" dirty="0">
+                <a:sym typeface="Symbol" charset="0"/>
+              </a:rPr>
+              <a:t> </a:t>
+            </a:r>
+            <a:r>
+              <a:rPr lang="en-US" altLang="he-IL" dirty="0" smtClean="0">
+                <a:sym typeface="Symbol" charset="0"/>
+              </a:rPr>
+              <a:t>* </a:t>
+            </a:r>
+            <a:r>
+              <a:rPr lang="en-US" altLang="he-IL" dirty="0" smtClean="0">
+                <a:latin typeface="Arial" charset="0"/>
+                <a:sym typeface="Symbol" charset="0"/>
+              </a:rPr>
+              <a:t> approximation of </a:t>
+            </a:r>
+            <a:r>
+              <a:rPr lang="en-US" dirty="0" err="1" smtClean="0"/>
+              <a:t>Δ</a:t>
+            </a:r>
+            <a:r>
+              <a:rPr lang="en-US" dirty="0"/>
+              <a:t>(w</a:t>
+            </a:r>
+            <a:r>
+              <a:rPr lang="en-US" dirty="0" smtClean="0"/>
+              <a:t>) </a:t>
+            </a:r>
+            <a:br>
+              <a:rPr lang="en-US" dirty="0" smtClean="0"/>
+            </a:br>
+            <a:r>
+              <a:rPr lang="en-US" dirty="0" smtClean="0"/>
+              <a:t>				</a:t>
+            </a:r>
+            <a:endParaRPr lang="en-US" altLang="he-IL" dirty="0" smtClean="0">
+              <a:sym typeface="Symbol" charset="0"/>
+            </a:endParaRPr>
+          </a:p>
+          <a:p>
+            <a:pPr lvl="1">
+              <a:lnSpc>
+                <a:spcPct val="110000"/>
+              </a:lnSpc>
+              <a:buNone/>
+            </a:pPr>
+            <a:r>
+              <a:rPr lang="en-US" altLang="he-IL" dirty="0" smtClean="0">
+                <a:sym typeface="Symbol" charset="0"/>
+              </a:rPr>
+              <a:t>can approximate Batch Gradient Descent arbitrarily closely if  is small enough </a:t>
+            </a:r>
+          </a:p>
+          <a:p>
+            <a:pPr lvl="1">
+              <a:lnSpc>
+                <a:spcPct val="110000"/>
+              </a:lnSpc>
+              <a:buNone/>
+            </a:pPr>
+            <a:r>
+              <a:rPr lang="en-US" altLang="he-IL" dirty="0" smtClean="0">
+                <a:sym typeface="Symbol" charset="0"/>
+              </a:rPr>
+              <a:t>supports online learning</a:t>
+            </a:r>
+          </a:p>
+          <a:p>
+            <a:pPr lvl="1">
+              <a:lnSpc>
+                <a:spcPct val="110000"/>
+              </a:lnSpc>
+              <a:buNone/>
+            </a:pPr>
+            <a:r>
+              <a:rPr lang="en-US" altLang="he-IL" dirty="0" smtClean="0">
+                <a:sym typeface="Symbol" charset="0"/>
+              </a:rPr>
+              <a:t>easily parallelized</a:t>
+            </a:r>
+          </a:p>
+          <a:p>
+            <a:pPr lvl="1">
+              <a:lnSpc>
+                <a:spcPct val="110000"/>
+              </a:lnSpc>
+              <a:buNone/>
+            </a:pPr>
+            <a:r>
+              <a:rPr lang="en-US" altLang="he-IL" dirty="0" smtClean="0">
+                <a:sym typeface="Symbol" charset="0"/>
+              </a:rPr>
+              <a:t>Not guaranteed to reach global minimum</a:t>
+            </a:r>
+            <a:endParaRPr lang="en-US" altLang="he-IL" dirty="0">
+              <a:sym typeface="Symbol" charset="0"/>
+            </a:endParaRPr>
+          </a:p>
+          <a:p>
+            <a:pPr marL="0" indent="0">
+              <a:buNone/>
+            </a:pPr>
+            <a:endParaRPr lang="en-US" dirty="0"/>
+          </a:p>
+        </p:txBody>
+      </p:sp>
+      <p:sp>
+        <p:nvSpPr>
+          <p:cNvPr id="4" name="Date Placeholder 3"/>
+          <p:cNvSpPr>
+            <a:spLocks noGrp="1"/>
+          </p:cNvSpPr>
+          <p:nvPr>
+            <p:ph type="dt" sz="half" idx="10"/>
+          </p:nvPr>
+        </p:nvSpPr>
+        <p:spPr/>
+        <p:txBody>
+          <a:bodyPr/>
+          <a:lstStyle/>
+          <a:p>
+            <a:fld id="{7053BEFA-1175-F644-B249-7D41D72BD3FF}" type="datetime1">
+              <a:rPr lang="en-US" smtClean="0"/>
+              <a:t>4/11/17</a:t>
+            </a:fld>
+            <a:endParaRPr lang="en-US"/>
+          </a:p>
+        </p:txBody>
+      </p:sp>
+      <p:sp>
+        <p:nvSpPr>
+          <p:cNvPr id="5" name="Footer Placeholder 4"/>
+          <p:cNvSpPr>
+            <a:spLocks noGrp="1"/>
+          </p:cNvSpPr>
+          <p:nvPr>
+            <p:ph type="ftr" sz="quarter" idx="11"/>
+          </p:nvPr>
+        </p:nvSpPr>
+        <p:spPr/>
+        <p:txBody>
+          <a:bodyPr/>
+          <a:lstStyle/>
+          <a:p>
+            <a:endParaRPr lang="en-US" dirty="0"/>
+          </a:p>
+        </p:txBody>
+      </p:sp>
+      <p:sp>
+        <p:nvSpPr>
+          <p:cNvPr id="6" name="Slide Number Placeholder 5"/>
+          <p:cNvSpPr>
+            <a:spLocks noGrp="1"/>
+          </p:cNvSpPr>
+          <p:nvPr>
+            <p:ph type="sldNum" sz="quarter" idx="12"/>
+          </p:nvPr>
+        </p:nvSpPr>
+        <p:spPr/>
+        <p:txBody>
+          <a:bodyPr/>
+          <a:lstStyle/>
+          <a:p>
+            <a:fld id="{17E276FA-8F89-B34D-A726-BE3FA1F8DD97}" type="slidenum">
+              <a:rPr lang="en-US" smtClean="0"/>
+              <a:t>17</a:t>
+            </a:fld>
+            <a:endParaRPr lang="en-US" dirty="0"/>
+          </a:p>
+        </p:txBody>
+      </p:sp>
+    </p:spTree>
+    <p:extLst>
+      <p:ext uri="{BB962C8B-B14F-4D97-AF65-F5344CB8AC3E}">
+        <p14:creationId xmlns:p14="http://schemas.microsoft.com/office/powerpoint/2010/main" val="694622210"/>
+      </p:ext>
+    </p:extLst>
+  </p:cSld>
+  <p:clrMapOvr>
+    <a:masterClrMapping/>
+  </p:clrMapOvr>
+  <mc:AlternateContent xmlns:mc="http://schemas.openxmlformats.org/markup-compatibility/2006" xmlns:p14="http://schemas.microsoft.com/office/powerpoint/2010/main">
+    <mc:Choice Requires="p14">
+      <p:transition spd="slow" p14:dur="2000"/>
+    </mc:Choice>
+    <mc:Fallback xmlns="">
+      <p:transition spd="slow"/>
+    </mc:Fallback>
+  </mc:AlternateContent>
+  <p:timing>
+    <p:tnLst>
+      <p:par>
+        <p:cTn id="1" dur="indefinite" restart="never" nodeType="tmRoot"/>
+      </p:par>
+    </p:tnLst>
+  </p:timing>
+</p:sld>
+</file>
+
+<file path=ppt/slides/slide18.xml><?xml version="1.0" encoding="utf-8"?>
 <p:sld xmlns:a="http://schemas.openxmlformats.org/drawingml/2006/main" xmlns:r="http://schemas.openxmlformats.org/officeDocument/2006/relationships" xmlns:p="http://schemas.openxmlformats.org/presentationml/2006/main">
   <p:cSld>
     <p:spTree>
@@ -14983,7 +15157,7 @@
           <a:p>
             <a:fld id="{17E276FA-8F89-B34D-A726-BE3FA1F8DD97}" type="slidenum">
               <a:rPr lang="en-US" smtClean="0"/>
-              <a:t>17</a:t>
+              <a:t>18</a:t>
             </a:fld>
             <a:endParaRPr lang="en-US" dirty="0"/>
           </a:p>
@@ -14999,11 +15173,11 @@
   <p:clrMapOvr>
     <a:masterClrMapping/>
   </p:clrMapOvr>
-  <mc:AlternateContent xmlns:mc="http://schemas.openxmlformats.org/markup-compatibility/2006">
-    <mc:Choice xmlns:p14="http://schemas.microsoft.com/office/powerpoint/2010/main" Requires="p14">
+  <mc:AlternateContent xmlns:mc="http://schemas.openxmlformats.org/markup-compatibility/2006" xmlns:p14="http://schemas.microsoft.com/office/powerpoint/2010/main">
+    <mc:Choice Requires="p14">
       <p:transition spd="slow" p14:dur="2000"/>
     </mc:Choice>
-    <mc:Fallback>
+    <mc:Fallback xmlns="">
       <p:transition spd="slow"/>
     </mc:Fallback>
   </mc:AlternateContent>
@@ -15017,7 +15191,7 @@
 </p:sld>
 </file>
 
-<file path=ppt/slides/slide18.xml><?xml version="1.0" encoding="utf-8"?>
+<file path=ppt/slides/slide19.xml><?xml version="1.0" encoding="utf-8"?>
 <p:sld xmlns:a="http://schemas.openxmlformats.org/drawingml/2006/main" xmlns:r="http://schemas.openxmlformats.org/officeDocument/2006/relationships" xmlns:p="http://schemas.openxmlformats.org/presentationml/2006/main">
   <p:cSld>
     <p:spTree>
@@ -15614,7 +15788,7 @@
           <a:p>
             <a:fld id="{17E276FA-8F89-B34D-A726-BE3FA1F8DD97}" type="slidenum">
               <a:rPr lang="en-US" smtClean="0"/>
-              <a:t>18</a:t>
+              <a:t>19</a:t>
             </a:fld>
             <a:endParaRPr lang="en-US" dirty="0"/>
           </a:p>
@@ -15723,739 +15897,11 @@
   <p:clrMapOvr>
     <a:masterClrMapping/>
   </p:clrMapOvr>
-  <mc:AlternateContent xmlns:mc="http://schemas.openxmlformats.org/markup-compatibility/2006">
-    <mc:Choice xmlns:p14="http://schemas.microsoft.com/office/powerpoint/2010/main" Requires="p14">
+  <mc:AlternateContent xmlns:mc="http://schemas.openxmlformats.org/markup-compatibility/2006" xmlns:p14="http://schemas.microsoft.com/office/powerpoint/2010/main">
+    <mc:Choice Requires="p14">
       <p:transition spd="slow" p14:dur="2000"/>
     </mc:Choice>
-    <mc:Fallback>
-      <p:transition spd="slow"/>
-    </mc:Fallback>
-  </mc:AlternateContent>
-  <p:timing>
-    <p:tnLst>
-      <p:par>
-        <p:cTn id="1" dur="indefinite" restart="never" nodeType="tmRoot"/>
-      </p:par>
-    </p:tnLst>
-  </p:timing>
-</p:sld>
-</file>
-
-<file path=ppt/slides/slide19.xml><?xml version="1.0" encoding="utf-8"?>
-<p:sld xmlns:a="http://schemas.openxmlformats.org/drawingml/2006/main" xmlns:r="http://schemas.openxmlformats.org/officeDocument/2006/relationships" xmlns:p="http://schemas.openxmlformats.org/presentationml/2006/main">
-  <p:cSld>
-    <p:spTree>
-      <p:nvGrpSpPr>
-        <p:cNvPr id="1" name=""/>
-        <p:cNvGrpSpPr/>
-        <p:nvPr/>
-      </p:nvGrpSpPr>
-      <p:grpSpPr>
-        <a:xfrm>
-          <a:off x="0" y="0"/>
-          <a:ext cx="0" cy="0"/>
-          <a:chOff x="0" y="0"/>
-          <a:chExt cx="0" cy="0"/>
-        </a:xfrm>
-      </p:grpSpPr>
-      <p:sp>
-        <p:nvSpPr>
-          <p:cNvPr id="7" name="Rectangle 6"/>
-          <p:cNvSpPr/>
-          <p:nvPr/>
-        </p:nvSpPr>
-        <p:spPr>
-          <a:xfrm>
-            <a:off x="0" y="0"/>
-            <a:ext cx="9144000" cy="6858000"/>
-          </a:xfrm>
-          <a:prstGeom prst="rect">
-            <a:avLst/>
-          </a:prstGeom>
-          <a:solidFill>
-            <a:srgbClr val="FFFFFF"/>
-          </a:solidFill>
-          <a:ln>
-            <a:solidFill>
-              <a:schemeClr val="bg1"/>
-            </a:solidFill>
-          </a:ln>
-          <a:effectLst/>
-        </p:spPr>
-        <p:style>
-          <a:lnRef idx="1">
-            <a:schemeClr val="accent1"/>
-          </a:lnRef>
-          <a:fillRef idx="3">
-            <a:schemeClr val="accent1"/>
-          </a:fillRef>
-          <a:effectRef idx="2">
-            <a:schemeClr val="accent1"/>
-          </a:effectRef>
-          <a:fontRef idx="minor">
-            <a:schemeClr val="lt1"/>
-          </a:fontRef>
-        </p:style>
-        <p:txBody>
-          <a:bodyPr rtlCol="0" anchor="ctr"/>
-          <a:lstStyle/>
-          <a:p>
-            <a:pPr algn="ctr"/>
-            <a:endParaRPr lang="en-US"/>
-          </a:p>
-        </p:txBody>
-      </p:sp>
-      <p:sp>
-        <p:nvSpPr>
-          <p:cNvPr id="2" name="Title 1"/>
-          <p:cNvSpPr>
-            <a:spLocks noGrp="1"/>
-          </p:cNvSpPr>
-          <p:nvPr>
-            <p:ph type="title"/>
-          </p:nvPr>
-        </p:nvSpPr>
-        <p:spPr/>
-        <p:txBody>
-          <a:bodyPr/>
-          <a:lstStyle/>
-          <a:p>
-            <a:r>
-              <a:rPr lang="en-US" dirty="0" err="1" smtClean="0"/>
-              <a:t>get_data</a:t>
-            </a:r>
-            <a:endParaRPr lang="en-US" dirty="0"/>
-          </a:p>
-        </p:txBody>
-      </p:sp>
-      <p:sp>
-        <p:nvSpPr>
-          <p:cNvPr id="3" name="Content Placeholder 2"/>
-          <p:cNvSpPr>
-            <a:spLocks noGrp="1"/>
-          </p:cNvSpPr>
-          <p:nvPr>
-            <p:ph idx="1"/>
-          </p:nvPr>
-        </p:nvSpPr>
-        <p:spPr>
-          <a:xfrm>
-            <a:off x="295392" y="1459753"/>
-            <a:ext cx="8550087" cy="4767375"/>
-          </a:xfrm>
-        </p:spPr>
-        <p:txBody>
-          <a:bodyPr/>
-          <a:lstStyle/>
-          <a:p>
-            <a:pPr marL="0" indent="0">
-              <a:buNone/>
-            </a:pPr>
-            <a:r>
-              <a:rPr lang="en-US" sz="1400" b="1" dirty="0">
-                <a:latin typeface="Courier"/>
-                <a:cs typeface="Courier"/>
-              </a:rPr>
-              <a:t># a helper function for retrieving data from the database and putting it </a:t>
-            </a:r>
-            <a:r>
-              <a:rPr lang="en-US" sz="1400" b="1" dirty="0" smtClean="0">
-                <a:latin typeface="Courier"/>
-                <a:cs typeface="Courier"/>
-              </a:rPr>
-              <a:t>into</a:t>
-            </a:r>
-            <a:br>
-              <a:rPr lang="en-US" sz="1400" b="1" dirty="0" smtClean="0">
-                <a:latin typeface="Courier"/>
-                <a:cs typeface="Courier"/>
-              </a:rPr>
-            </a:br>
-            <a:r>
-              <a:rPr lang="en-US" sz="1400" b="1" dirty="0" smtClean="0">
-                <a:latin typeface="Courier"/>
-                <a:cs typeface="Courier"/>
-              </a:rPr>
-              <a:t># </a:t>
-            </a:r>
-            <a:r>
-              <a:rPr lang="en-US" sz="1400" b="1" dirty="0">
-                <a:latin typeface="Courier"/>
-                <a:cs typeface="Courier"/>
-              </a:rPr>
-              <a:t>the right format for machine learning. </a:t>
-            </a:r>
-            <a:r>
-              <a:rPr lang="en-US" sz="1400" b="1" dirty="0" smtClean="0">
-                <a:latin typeface="Courier"/>
-                <a:cs typeface="Courier"/>
-              </a:rPr>
-              <a:t/>
-            </a:r>
-            <a:br>
-              <a:rPr lang="en-US" sz="1400" b="1" dirty="0" smtClean="0">
-                <a:latin typeface="Courier"/>
-                <a:cs typeface="Courier"/>
-              </a:rPr>
-            </a:br>
-            <a:r>
-              <a:rPr lang="en-US" sz="1400" dirty="0" err="1" smtClean="0">
-                <a:latin typeface="Courier"/>
-                <a:cs typeface="Courier"/>
-              </a:rPr>
-              <a:t>def</a:t>
-            </a:r>
-            <a:r>
-              <a:rPr lang="en-US" sz="1400" dirty="0" smtClean="0">
-                <a:latin typeface="Courier"/>
-                <a:cs typeface="Courier"/>
-              </a:rPr>
-              <a:t> </a:t>
-            </a:r>
-            <a:r>
-              <a:rPr lang="en-US" sz="1400" dirty="0" err="1">
-                <a:latin typeface="Courier"/>
-                <a:cs typeface="Courier"/>
-              </a:rPr>
-              <a:t>get_data</a:t>
-            </a:r>
-            <a:r>
-              <a:rPr lang="en-US" sz="1400" dirty="0">
-                <a:latin typeface="Courier"/>
-                <a:cs typeface="Courier"/>
-              </a:rPr>
-              <a:t>(self, features, predict, </a:t>
-            </a:r>
-            <a:r>
-              <a:rPr lang="en-US" sz="1400" dirty="0" err="1">
-                <a:latin typeface="Courier"/>
-                <a:cs typeface="Courier"/>
-              </a:rPr>
-              <a:t>prediction_test</a:t>
-            </a:r>
-            <a:r>
-              <a:rPr lang="en-US" sz="1400" dirty="0">
-                <a:latin typeface="Courier"/>
-                <a:cs typeface="Courier"/>
-              </a:rPr>
-              <a:t>, </a:t>
-            </a:r>
-            <a:r>
-              <a:rPr lang="en-US" sz="1400" dirty="0" smtClean="0">
-                <a:latin typeface="Courier"/>
-                <a:cs typeface="Courier"/>
-              </a:rPr>
-              <a:t/>
-            </a:r>
-            <a:br>
-              <a:rPr lang="en-US" sz="1400" dirty="0" smtClean="0">
-                <a:latin typeface="Courier"/>
-                <a:cs typeface="Courier"/>
-              </a:rPr>
-            </a:br>
-            <a:r>
-              <a:rPr lang="en-US" sz="1400" dirty="0" smtClean="0">
-                <a:latin typeface="Courier"/>
-                <a:cs typeface="Courier"/>
-              </a:rPr>
-              <a:t>	filter</a:t>
-            </a:r>
-            <a:r>
-              <a:rPr lang="en-US" sz="1400" dirty="0">
-                <a:latin typeface="Courier"/>
-                <a:cs typeface="Courier"/>
-              </a:rPr>
-              <a:t>=None</a:t>
-            </a:r>
-            <a:r>
-              <a:rPr lang="en-US" sz="1400" dirty="0" smtClean="0">
-                <a:latin typeface="Courier"/>
-                <a:cs typeface="Courier"/>
-              </a:rPr>
-              <a:t>, limit</a:t>
-            </a:r>
-            <a:r>
-              <a:rPr lang="en-US" sz="1400" dirty="0">
-                <a:latin typeface="Courier"/>
-                <a:cs typeface="Courier"/>
-              </a:rPr>
-              <a:t>=_MAX_ROWS):</a:t>
-            </a:r>
-          </a:p>
-          <a:p>
-            <a:pPr marL="0" indent="0">
-              <a:buNone/>
-            </a:pPr>
-            <a:r>
-              <a:rPr lang="en-US" sz="1400" dirty="0" smtClean="0">
-                <a:latin typeface="Courier"/>
-                <a:cs typeface="Courier"/>
-              </a:rPr>
-              <a:t>	</a:t>
-            </a:r>
-            <a:r>
-              <a:rPr lang="en-US" sz="1400" b="1" dirty="0" smtClean="0">
-                <a:latin typeface="Courier"/>
-                <a:cs typeface="Courier"/>
-              </a:rPr>
-              <a:t># </a:t>
-            </a:r>
-            <a:r>
-              <a:rPr lang="en-US" sz="1400" b="1" dirty="0">
-                <a:latin typeface="Courier"/>
-                <a:cs typeface="Courier"/>
-              </a:rPr>
-              <a:t>need to retrieve data from </a:t>
-            </a:r>
-            <a:r>
-              <a:rPr lang="en-US" sz="1400" b="1" dirty="0" err="1">
-                <a:latin typeface="Courier"/>
-                <a:cs typeface="Courier"/>
-              </a:rPr>
-              <a:t>bigquery</a:t>
-            </a:r>
-            <a:r>
-              <a:rPr lang="en-US" sz="1400" b="1" dirty="0">
-                <a:latin typeface="Courier"/>
-                <a:cs typeface="Courier"/>
-              </a:rPr>
-              <a:t> </a:t>
-            </a:r>
-            <a:r>
-              <a:rPr lang="en-US" sz="1400" b="1" dirty="0" smtClean="0">
-                <a:latin typeface="Courier"/>
-                <a:cs typeface="Courier"/>
-              </a:rPr>
-              <a:t/>
-            </a:r>
-            <a:br>
-              <a:rPr lang="en-US" sz="1400" b="1" dirty="0" smtClean="0">
-                <a:latin typeface="Courier"/>
-                <a:cs typeface="Courier"/>
-              </a:rPr>
-            </a:br>
-            <a:r>
-              <a:rPr lang="en-US" sz="1400" b="1" dirty="0" smtClean="0">
-                <a:latin typeface="Courier"/>
-                <a:cs typeface="Courier"/>
-              </a:rPr>
-              <a:t>	</a:t>
-            </a:r>
-            <a:r>
-              <a:rPr lang="en-US" sz="1400" dirty="0" err="1" smtClean="0">
-                <a:latin typeface="Courier"/>
-                <a:cs typeface="Courier"/>
-              </a:rPr>
-              <a:t>query_string</a:t>
-            </a:r>
-            <a:r>
-              <a:rPr lang="en-US" sz="1400" dirty="0" smtClean="0">
-                <a:latin typeface="Courier"/>
-                <a:cs typeface="Courier"/>
-              </a:rPr>
-              <a:t> </a:t>
-            </a:r>
-            <a:r>
-              <a:rPr lang="en-US" sz="1400" dirty="0">
-                <a:latin typeface="Courier"/>
-                <a:cs typeface="Courier"/>
-              </a:rPr>
-              <a:t>= </a:t>
-            </a:r>
-            <a:r>
-              <a:rPr lang="en-US" sz="1400" dirty="0" err="1">
-                <a:latin typeface="Courier"/>
-                <a:cs typeface="Courier"/>
-              </a:rPr>
-              <a:t>self.</a:t>
-            </a:r>
-            <a:r>
-              <a:rPr lang="en-US" sz="1800" b="1" dirty="0" err="1">
-                <a:solidFill>
-                  <a:srgbClr val="FF0000"/>
-                </a:solidFill>
-                <a:latin typeface="Courier"/>
-                <a:cs typeface="Courier"/>
-              </a:rPr>
-              <a:t>make_query_string</a:t>
-            </a:r>
-            <a:r>
-              <a:rPr lang="en-US" sz="1400" dirty="0">
-                <a:latin typeface="Courier"/>
-                <a:cs typeface="Courier"/>
-              </a:rPr>
-              <a:t>(features, predict, </a:t>
-            </a:r>
-            <a:r>
-              <a:rPr lang="en-US" sz="1400" dirty="0" smtClean="0">
-                <a:latin typeface="Courier"/>
-                <a:cs typeface="Courier"/>
-              </a:rPr>
-              <a:t>filter, limit)</a:t>
-            </a:r>
-          </a:p>
-          <a:p>
-            <a:pPr marL="0" indent="0">
-              <a:buNone/>
-            </a:pPr>
-            <a:r>
-              <a:rPr lang="en-US" sz="1400" dirty="0" smtClean="0">
-                <a:latin typeface="Courier"/>
-                <a:cs typeface="Courier"/>
-              </a:rPr>
-              <a:t>	…</a:t>
-            </a:r>
-          </a:p>
-          <a:p>
-            <a:pPr marL="0" indent="0">
-              <a:buNone/>
-            </a:pPr>
-            <a:endParaRPr lang="en-US" sz="1400" dirty="0" smtClean="0">
-              <a:latin typeface="Courier"/>
-              <a:cs typeface="Courier"/>
-            </a:endParaRPr>
-          </a:p>
-          <a:p>
-            <a:pPr marL="0" indent="0">
-              <a:buNone/>
-            </a:pPr>
-            <a:r>
-              <a:rPr lang="en-US" sz="1400" dirty="0">
-                <a:latin typeface="Courier"/>
-                <a:cs typeface="Courier"/>
-              </a:rPr>
-              <a:t>	</a:t>
-            </a:r>
-            <a:r>
-              <a:rPr lang="en-US" sz="1400" b="1" dirty="0" smtClean="0">
-                <a:latin typeface="Courier"/>
-                <a:cs typeface="Courier"/>
-              </a:rPr>
-              <a:t># </a:t>
-            </a:r>
-            <a:r>
-              <a:rPr lang="en-US" sz="1400" b="1" dirty="0">
-                <a:latin typeface="Courier"/>
-                <a:cs typeface="Courier"/>
-              </a:rPr>
-              <a:t>y are the labels -- the values we are </a:t>
-            </a:r>
-            <a:r>
-              <a:rPr lang="en-US" sz="1400" b="1" dirty="0" smtClean="0">
-                <a:latin typeface="Courier"/>
-                <a:cs typeface="Courier"/>
-              </a:rPr>
-              <a:t>predicting</a:t>
-            </a:r>
-            <a:br>
-              <a:rPr lang="en-US" sz="1400" b="1" dirty="0" smtClean="0">
-                <a:latin typeface="Courier"/>
-                <a:cs typeface="Courier"/>
-              </a:rPr>
-            </a:br>
-            <a:r>
-              <a:rPr lang="en-US" sz="1400" b="1" dirty="0" smtClean="0">
-                <a:latin typeface="Courier"/>
-                <a:cs typeface="Courier"/>
-              </a:rPr>
-              <a:t>	</a:t>
-            </a:r>
-            <a:r>
-              <a:rPr lang="en-US" sz="1400" dirty="0" smtClean="0">
-                <a:latin typeface="Courier"/>
-                <a:cs typeface="Courier"/>
-              </a:rPr>
-              <a:t>y </a:t>
-            </a:r>
-            <a:r>
-              <a:rPr lang="en-US" sz="1400" dirty="0">
-                <a:latin typeface="Courier"/>
-                <a:cs typeface="Courier"/>
-              </a:rPr>
-              <a:t>= </a:t>
-            </a:r>
-            <a:r>
-              <a:rPr lang="en-US" sz="1400" dirty="0" err="1">
-                <a:latin typeface="Courier"/>
-                <a:cs typeface="Courier"/>
-              </a:rPr>
-              <a:t>np.array</a:t>
-            </a:r>
-            <a:r>
-              <a:rPr lang="en-US" sz="1400" dirty="0">
-                <a:latin typeface="Courier"/>
-                <a:cs typeface="Courier"/>
-              </a:rPr>
-              <a:t>(labels)</a:t>
-            </a:r>
-          </a:p>
-          <a:p>
-            <a:pPr marL="0" indent="0">
-              <a:buNone/>
-            </a:pPr>
-            <a:r>
-              <a:rPr lang="en-US" sz="1400" dirty="0" smtClean="0">
-                <a:latin typeface="Courier"/>
-                <a:cs typeface="Courier"/>
-              </a:rPr>
-              <a:t>	# </a:t>
-            </a:r>
-            <a:r>
-              <a:rPr lang="en-US" sz="1400" dirty="0">
-                <a:latin typeface="Courier"/>
-                <a:cs typeface="Courier"/>
-              </a:rPr>
-              <a:t>X are the features -- the values we use to make the </a:t>
-            </a:r>
-            <a:r>
-              <a:rPr lang="en-US" sz="1400" dirty="0" smtClean="0">
-                <a:latin typeface="Courier"/>
-                <a:cs typeface="Courier"/>
-              </a:rPr>
-              <a:t>prediction</a:t>
-            </a:r>
-            <a:br>
-              <a:rPr lang="en-US" sz="1400" dirty="0" smtClean="0">
-                <a:latin typeface="Courier"/>
-                <a:cs typeface="Courier"/>
-              </a:rPr>
-            </a:br>
-            <a:r>
-              <a:rPr lang="en-US" sz="1400" dirty="0" smtClean="0">
-                <a:latin typeface="Courier"/>
-                <a:cs typeface="Courier"/>
-              </a:rPr>
-              <a:t>	X </a:t>
-            </a:r>
-            <a:r>
-              <a:rPr lang="en-US" sz="1400" dirty="0">
-                <a:latin typeface="Courier"/>
-                <a:cs typeface="Courier"/>
-              </a:rPr>
-              <a:t>= </a:t>
-            </a:r>
-            <a:r>
-              <a:rPr lang="en-US" sz="1400" dirty="0" err="1">
-                <a:latin typeface="Courier"/>
-                <a:cs typeface="Courier"/>
-              </a:rPr>
-              <a:t>np.array</a:t>
-            </a:r>
-            <a:r>
-              <a:rPr lang="en-US" sz="1400" dirty="0">
-                <a:latin typeface="Courier"/>
-                <a:cs typeface="Courier"/>
-              </a:rPr>
-              <a:t>(data)</a:t>
-            </a:r>
-          </a:p>
-          <a:p>
-            <a:pPr marL="0" indent="0">
-              <a:buNone/>
-            </a:pPr>
-            <a:r>
-              <a:rPr lang="en-US" sz="1400" dirty="0" smtClean="0">
-                <a:latin typeface="Courier"/>
-                <a:cs typeface="Courier"/>
-              </a:rPr>
-              <a:t>	return </a:t>
-            </a:r>
-            <a:r>
-              <a:rPr lang="en-US" sz="1400" dirty="0">
-                <a:latin typeface="Courier"/>
-                <a:cs typeface="Courier"/>
-              </a:rPr>
-              <a:t>X, y</a:t>
-            </a:r>
-          </a:p>
-          <a:p>
-            <a:pPr marL="0" indent="0">
-              <a:buNone/>
-            </a:pPr>
-            <a:endParaRPr lang="en-US" sz="1400" dirty="0">
-              <a:latin typeface="Courier"/>
-              <a:cs typeface="Courier"/>
-            </a:endParaRPr>
-          </a:p>
-        </p:txBody>
-      </p:sp>
-      <p:sp>
-        <p:nvSpPr>
-          <p:cNvPr id="4" name="Date Placeholder 3"/>
-          <p:cNvSpPr>
-            <a:spLocks noGrp="1"/>
-          </p:cNvSpPr>
-          <p:nvPr>
-            <p:ph type="dt" sz="half" idx="10"/>
-          </p:nvPr>
-        </p:nvSpPr>
-        <p:spPr/>
-        <p:txBody>
-          <a:bodyPr/>
-          <a:lstStyle/>
-          <a:p>
-            <a:fld id="{7053BEFA-1175-F644-B249-7D41D72BD3FF}" type="datetime1">
-              <a:rPr lang="en-US" smtClean="0"/>
-              <a:t>4/11/17</a:t>
-            </a:fld>
-            <a:endParaRPr lang="en-US"/>
-          </a:p>
-        </p:txBody>
-      </p:sp>
-      <p:sp>
-        <p:nvSpPr>
-          <p:cNvPr id="5" name="Footer Placeholder 4"/>
-          <p:cNvSpPr>
-            <a:spLocks noGrp="1"/>
-          </p:cNvSpPr>
-          <p:nvPr>
-            <p:ph type="ftr" sz="quarter" idx="11"/>
-          </p:nvPr>
-        </p:nvSpPr>
-        <p:spPr/>
-        <p:txBody>
-          <a:bodyPr/>
-          <a:lstStyle/>
-          <a:p>
-            <a:endParaRPr lang="en-US" dirty="0"/>
-          </a:p>
-        </p:txBody>
-      </p:sp>
-      <p:sp>
-        <p:nvSpPr>
-          <p:cNvPr id="6" name="Slide Number Placeholder 5"/>
-          <p:cNvSpPr>
-            <a:spLocks noGrp="1"/>
-          </p:cNvSpPr>
-          <p:nvPr>
-            <p:ph type="sldNum" sz="quarter" idx="12"/>
-          </p:nvPr>
-        </p:nvSpPr>
-        <p:spPr/>
-        <p:txBody>
-          <a:bodyPr/>
-          <a:lstStyle/>
-          <a:p>
-            <a:fld id="{17E276FA-8F89-B34D-A726-BE3FA1F8DD97}" type="slidenum">
-              <a:rPr lang="en-US" smtClean="0"/>
-              <a:t>19</a:t>
-            </a:fld>
-            <a:endParaRPr lang="en-US" dirty="0"/>
-          </a:p>
-        </p:txBody>
-      </p:sp>
-      <p:sp>
-        <p:nvSpPr>
-          <p:cNvPr id="8" name="Rectangle 7"/>
-          <p:cNvSpPr/>
-          <p:nvPr/>
-        </p:nvSpPr>
-        <p:spPr>
-          <a:xfrm>
-            <a:off x="2729695" y="2284925"/>
-            <a:ext cx="6286388" cy="990664"/>
-          </a:xfrm>
-          <a:prstGeom prst="rect">
-            <a:avLst/>
-          </a:prstGeom>
-          <a:noFill/>
-        </p:spPr>
-        <p:style>
-          <a:lnRef idx="2">
-            <a:schemeClr val="accent1"/>
-          </a:lnRef>
-          <a:fillRef idx="1">
-            <a:schemeClr val="lt1"/>
-          </a:fillRef>
-          <a:effectRef idx="0">
-            <a:schemeClr val="accent1"/>
-          </a:effectRef>
-          <a:fontRef idx="minor">
-            <a:schemeClr val="dk1"/>
-          </a:fontRef>
-        </p:style>
-        <p:txBody>
-          <a:bodyPr rtlCol="0" anchor="ctr"/>
-          <a:lstStyle/>
-          <a:p>
-            <a:pPr algn="ctr"/>
-            <a:endParaRPr lang="en-US"/>
-          </a:p>
-        </p:txBody>
-      </p:sp>
-      <p:sp>
-        <p:nvSpPr>
-          <p:cNvPr id="9" name="Rectangular Callout 8"/>
-          <p:cNvSpPr/>
-          <p:nvPr/>
-        </p:nvSpPr>
-        <p:spPr>
-          <a:xfrm>
-            <a:off x="6248400" y="914400"/>
-            <a:ext cx="2361461" cy="1004765"/>
-          </a:xfrm>
-          <a:prstGeom prst="wedgeRectCallout">
-            <a:avLst>
-              <a:gd name="adj1" fmla="val 17117"/>
-              <a:gd name="adj2" fmla="val 86945"/>
-            </a:avLst>
-          </a:prstGeom>
-        </p:spPr>
-        <p:style>
-          <a:lnRef idx="2">
-            <a:schemeClr val="accent1">
-              <a:shade val="50000"/>
-            </a:schemeClr>
-          </a:lnRef>
-          <a:fillRef idx="1">
-            <a:schemeClr val="accent1"/>
-          </a:fillRef>
-          <a:effectRef idx="0">
-            <a:schemeClr val="accent1"/>
-          </a:effectRef>
-          <a:fontRef idx="minor">
-            <a:schemeClr val="lt1"/>
-          </a:fontRef>
-        </p:style>
-        <p:txBody>
-          <a:bodyPr rtlCol="0" anchor="ctr"/>
-          <a:lstStyle/>
-          <a:p>
-            <a:pPr algn="ctr"/>
-            <a:r>
-              <a:rPr lang="en-US" dirty="0" err="1" smtClean="0"/>
-              <a:t>get_data</a:t>
-            </a:r>
-            <a:r>
-              <a:rPr lang="en-US" dirty="0" smtClean="0"/>
-              <a:t> depends on </a:t>
-            </a:r>
-            <a:r>
-              <a:rPr lang="en-US" dirty="0" err="1" smtClean="0"/>
-              <a:t>make_query_string</a:t>
-            </a:r>
-            <a:endParaRPr lang="en-US" dirty="0">
-              <a:latin typeface="Courier"/>
-              <a:cs typeface="Courier"/>
-            </a:endParaRPr>
-          </a:p>
-        </p:txBody>
-      </p:sp>
-    </p:spTree>
-    <p:extLst>
-      <p:ext uri="{BB962C8B-B14F-4D97-AF65-F5344CB8AC3E}">
-        <p14:creationId xmlns:p14="http://schemas.microsoft.com/office/powerpoint/2010/main" val="1947810409"/>
-      </p:ext>
-    </p:extLst>
-  </p:cSld>
-  <p:clrMapOvr>
-    <a:masterClrMapping/>
-  </p:clrMapOvr>
-  <mc:AlternateContent xmlns:mc="http://schemas.openxmlformats.org/markup-compatibility/2006">
-    <mc:Choice xmlns:p14="http://schemas.microsoft.com/office/powerpoint/2010/main" Requires="p14">
-      <p:transition spd="slow" p14:dur="2000"/>
-    </mc:Choice>
-    <mc:Fallback>
+    <mc:Fallback xmlns="">
       <p:transition spd="slow"/>
     </mc:Fallback>
   </mc:AlternateContent>
@@ -16536,7 +15982,6 @@
               <a:rPr lang="en-US" dirty="0"/>
               <a:t>/quick-draw</a:t>
             </a:r>
-            <a:endParaRPr lang="en-US" dirty="0"/>
           </a:p>
         </p:txBody>
       </p:sp>
@@ -17325,114 +16770,21 @@
           </a:p>
         </p:txBody>
       </p:sp>
-      <p:sp>
-        <p:nvSpPr>
-          <p:cNvPr id="10" name="Rectangle 9"/>
-          <p:cNvSpPr/>
-          <p:nvPr/>
-        </p:nvSpPr>
-        <p:spPr>
-          <a:xfrm>
-            <a:off x="5020332" y="2629548"/>
-            <a:ext cx="1481648" cy="395523"/>
-          </a:xfrm>
-          <a:prstGeom prst="rect">
-            <a:avLst/>
-          </a:prstGeom>
-          <a:noFill/>
-        </p:spPr>
-        <p:style>
-          <a:lnRef idx="2">
-            <a:schemeClr val="accent1"/>
-          </a:lnRef>
-          <a:fillRef idx="1">
-            <a:schemeClr val="lt1"/>
-          </a:fillRef>
-          <a:effectRef idx="0">
-            <a:schemeClr val="accent1"/>
-          </a:effectRef>
-          <a:fontRef idx="minor">
-            <a:schemeClr val="dk1"/>
-          </a:fontRef>
-        </p:style>
-        <p:txBody>
-          <a:bodyPr rtlCol="0" anchor="ctr"/>
-          <a:lstStyle/>
-          <a:p>
-            <a:pPr algn="ctr"/>
-            <a:endParaRPr lang="en-US"/>
-          </a:p>
-        </p:txBody>
-      </p:sp>
-      <p:sp>
-        <p:nvSpPr>
-          <p:cNvPr id="11" name="Rectangular Callout 10"/>
-          <p:cNvSpPr/>
-          <p:nvPr/>
-        </p:nvSpPr>
-        <p:spPr>
-          <a:xfrm>
-            <a:off x="1718617" y="4137970"/>
-            <a:ext cx="7126862" cy="1004765"/>
-          </a:xfrm>
-          <a:prstGeom prst="wedgeRectCallout">
-            <a:avLst>
-              <a:gd name="adj1" fmla="val 2611"/>
-              <a:gd name="adj2" fmla="val -158338"/>
-            </a:avLst>
-          </a:prstGeom>
-        </p:spPr>
-        <p:style>
-          <a:lnRef idx="2">
-            <a:schemeClr val="accent1">
-              <a:shade val="50000"/>
-            </a:schemeClr>
-          </a:lnRef>
-          <a:fillRef idx="1">
-            <a:schemeClr val="accent1"/>
-          </a:fillRef>
-          <a:effectRef idx="0">
-            <a:schemeClr val="accent1"/>
-          </a:effectRef>
-          <a:fontRef idx="minor">
-            <a:schemeClr val="lt1"/>
-          </a:fontRef>
-        </p:style>
-        <p:txBody>
-          <a:bodyPr rtlCol="0" anchor="ctr"/>
-          <a:lstStyle/>
-          <a:p>
-            <a:pPr algn="ctr"/>
-            <a:r>
-              <a:rPr lang="en-US" dirty="0" err="1" smtClean="0"/>
-              <a:t>make_query_string</a:t>
-            </a:r>
-            <a:r>
-              <a:rPr lang="en-US" dirty="0" smtClean="0"/>
-              <a:t> constructs a query string out of the features</a:t>
-            </a:r>
-            <a:endParaRPr lang="en-US" dirty="0">
-              <a:latin typeface="Courier"/>
-              <a:cs typeface="Courier"/>
-            </a:endParaRPr>
-          </a:p>
-        </p:txBody>
-      </p:sp>
     </p:spTree>
     <p:extLst>
       <p:ext uri="{BB962C8B-B14F-4D97-AF65-F5344CB8AC3E}">
-        <p14:creationId xmlns:p14="http://schemas.microsoft.com/office/powerpoint/2010/main" val="1980186057"/>
+        <p14:creationId xmlns:p14="http://schemas.microsoft.com/office/powerpoint/2010/main" val="1947810409"/>
       </p:ext>
     </p:extLst>
   </p:cSld>
   <p:clrMapOvr>
     <a:masterClrMapping/>
   </p:clrMapOvr>
-  <mc:AlternateContent xmlns:mc="http://schemas.openxmlformats.org/markup-compatibility/2006">
-    <mc:Choice xmlns:p14="http://schemas.microsoft.com/office/powerpoint/2010/main" Requires="p14">
+  <mc:AlternateContent xmlns:mc="http://schemas.openxmlformats.org/markup-compatibility/2006" xmlns:p14="http://schemas.microsoft.com/office/powerpoint/2010/main">
+    <mc:Choice Requires="p14">
       <p:transition spd="slow" p14:dur="2000"/>
     </mc:Choice>
-    <mc:Fallback>
+    <mc:Fallback xmlns="">
       <p:transition spd="slow"/>
     </mc:Fallback>
   </mc:AlternateContent>
@@ -18154,7 +17506,7 @@
         </p:nvSpPr>
         <p:spPr>
           <a:xfrm>
-            <a:off x="6025011" y="2629548"/>
+            <a:off x="5020332" y="2629548"/>
             <a:ext cx="1481648" cy="395523"/>
           </a:xfrm>
           <a:prstGeom prst="rect">
@@ -18198,8 +17550,8 @@
           </a:xfrm>
           <a:prstGeom prst="wedgeRectCallout">
             <a:avLst>
-              <a:gd name="adj1" fmla="val 22294"/>
-              <a:gd name="adj2" fmla="val -160225"/>
+              <a:gd name="adj1" fmla="val 2611"/>
+              <a:gd name="adj2" fmla="val -158338"/>
             </a:avLst>
           </a:prstGeom>
         </p:spPr>
@@ -18230,14 +17582,7 @@
             </a:r>
             <a:r>
               <a:rPr lang="en-US" dirty="0" smtClean="0"/>
-              <a:t> constructs a query string out of the features, </a:t>
-            </a:r>
-            <a:br>
-              <a:rPr lang="en-US" dirty="0" smtClean="0"/>
-            </a:br>
-            <a:r>
-              <a:rPr lang="en-US" dirty="0" smtClean="0"/>
-              <a:t>class to be predicted </a:t>
+              <a:t> constructs a query string out of the features</a:t>
             </a:r>
             <a:endParaRPr lang="en-US" dirty="0">
               <a:latin typeface="Courier"/>
@@ -18249,18 +17594,18 @@
     </p:spTree>
     <p:extLst>
       <p:ext uri="{BB962C8B-B14F-4D97-AF65-F5344CB8AC3E}">
-        <p14:creationId xmlns:p14="http://schemas.microsoft.com/office/powerpoint/2010/main" val="106767975"/>
+        <p14:creationId xmlns:p14="http://schemas.microsoft.com/office/powerpoint/2010/main" val="1980186057"/>
       </p:ext>
     </p:extLst>
   </p:cSld>
   <p:clrMapOvr>
     <a:masterClrMapping/>
   </p:clrMapOvr>
-  <mc:AlternateContent xmlns:mc="http://schemas.openxmlformats.org/markup-compatibility/2006">
-    <mc:Choice xmlns:p14="http://schemas.microsoft.com/office/powerpoint/2010/main" Requires="p14">
+  <mc:AlternateContent xmlns:mc="http://schemas.openxmlformats.org/markup-compatibility/2006" xmlns:p14="http://schemas.microsoft.com/office/powerpoint/2010/main">
+    <mc:Choice Requires="p14">
       <p:transition spd="slow" p14:dur="2000"/>
     </mc:Choice>
-    <mc:Fallback>
+    <mc:Fallback xmlns="">
       <p:transition spd="slow"/>
     </mc:Fallback>
   </mc:AlternateContent>
@@ -18982,8 +18327,8 @@
         </p:nvSpPr>
         <p:spPr>
           <a:xfrm>
-            <a:off x="7280432" y="2629548"/>
-            <a:ext cx="897315" cy="395523"/>
+            <a:off x="6025011" y="2629548"/>
+            <a:ext cx="1481648" cy="395523"/>
           </a:xfrm>
           <a:prstGeom prst="rect">
             <a:avLst/>
@@ -19026,7 +18371,7 @@
           </a:xfrm>
           <a:prstGeom prst="wedgeRectCallout">
             <a:avLst>
-              <a:gd name="adj1" fmla="val 34263"/>
+              <a:gd name="adj1" fmla="val 22294"/>
               <a:gd name="adj2" fmla="val -160225"/>
             </a:avLst>
           </a:prstGeom>
@@ -19065,7 +18410,7 @@
             </a:br>
             <a:r>
               <a:rPr lang="en-US" dirty="0" smtClean="0"/>
-              <a:t>class to be predicted, and a filter (for things unwanted)</a:t>
+              <a:t>class to be predicted </a:t>
             </a:r>
             <a:endParaRPr lang="en-US" dirty="0">
               <a:latin typeface="Courier"/>
@@ -19077,18 +18422,18 @@
     </p:spTree>
     <p:extLst>
       <p:ext uri="{BB962C8B-B14F-4D97-AF65-F5344CB8AC3E}">
-        <p14:creationId xmlns:p14="http://schemas.microsoft.com/office/powerpoint/2010/main" val="592758894"/>
+        <p14:creationId xmlns:p14="http://schemas.microsoft.com/office/powerpoint/2010/main" val="106767975"/>
       </p:ext>
     </p:extLst>
   </p:cSld>
   <p:clrMapOvr>
     <a:masterClrMapping/>
   </p:clrMapOvr>
-  <mc:AlternateContent xmlns:mc="http://schemas.openxmlformats.org/markup-compatibility/2006">
-    <mc:Choice xmlns:p14="http://schemas.microsoft.com/office/powerpoint/2010/main" Requires="p14">
+  <mc:AlternateContent xmlns:mc="http://schemas.openxmlformats.org/markup-compatibility/2006" xmlns:p14="http://schemas.microsoft.com/office/powerpoint/2010/main">
+    <mc:Choice Requires="p14">
       <p:transition spd="slow" p14:dur="2000"/>
     </mc:Choice>
-    <mc:Fallback>
+    <mc:Fallback xmlns="">
       <p:transition spd="slow"/>
     </mc:Fallback>
   </mc:AlternateContent>
@@ -19810,7 +19155,7 @@
         </p:nvSpPr>
         <p:spPr>
           <a:xfrm>
-            <a:off x="7948164" y="2629548"/>
+            <a:off x="7280432" y="2629548"/>
             <a:ext cx="897315" cy="395523"/>
           </a:xfrm>
           <a:prstGeom prst="rect">
@@ -19854,7 +19199,7 @@
           </a:xfrm>
           <a:prstGeom prst="wedgeRectCallout">
             <a:avLst>
-              <a:gd name="adj1" fmla="val 41711"/>
+              <a:gd name="adj1" fmla="val 34263"/>
               <a:gd name="adj2" fmla="val -160225"/>
             </a:avLst>
           </a:prstGeom>
@@ -19893,14 +19238,7 @@
             </a:br>
             <a:r>
               <a:rPr lang="en-US" dirty="0" smtClean="0"/>
-              <a:t>class to be predicted, and a filter (for things unwanted),</a:t>
-            </a:r>
-            <a:br>
-              <a:rPr lang="en-US" dirty="0" smtClean="0"/>
-            </a:br>
-            <a:r>
-              <a:rPr lang="en-US" dirty="0" smtClean="0"/>
-              <a:t>limited to [limit] rows of results. </a:t>
+              <a:t>class to be predicted, and a filter (for things unwanted)</a:t>
             </a:r>
             <a:endParaRPr lang="en-US" dirty="0">
               <a:latin typeface="Courier"/>
@@ -19912,18 +19250,18 @@
     </p:spTree>
     <p:extLst>
       <p:ext uri="{BB962C8B-B14F-4D97-AF65-F5344CB8AC3E}">
-        <p14:creationId xmlns:p14="http://schemas.microsoft.com/office/powerpoint/2010/main" val="1758680735"/>
+        <p14:creationId xmlns:p14="http://schemas.microsoft.com/office/powerpoint/2010/main" val="592758894"/>
       </p:ext>
     </p:extLst>
   </p:cSld>
   <p:clrMapOvr>
     <a:masterClrMapping/>
   </p:clrMapOvr>
-  <mc:AlternateContent xmlns:mc="http://schemas.openxmlformats.org/markup-compatibility/2006">
-    <mc:Choice xmlns:p14="http://schemas.microsoft.com/office/powerpoint/2010/main" Requires="p14">
+  <mc:AlternateContent xmlns:mc="http://schemas.openxmlformats.org/markup-compatibility/2006" xmlns:p14="http://schemas.microsoft.com/office/powerpoint/2010/main">
+    <mc:Choice Requires="p14">
       <p:transition spd="slow" p14:dur="2000"/>
     </mc:Choice>
-    <mc:Fallback>
+    <mc:Fallback xmlns="">
       <p:transition spd="slow"/>
     </mc:Fallback>
   </mc:AlternateContent>
@@ -20645,7 +19983,7 @@
         </p:nvSpPr>
         <p:spPr>
           <a:xfrm>
-            <a:off x="7280432" y="2629548"/>
+            <a:off x="7948164" y="2629548"/>
             <a:ext cx="897315" cy="395523"/>
           </a:xfrm>
           <a:prstGeom prst="rect">
@@ -20689,7 +20027,7 @@
           </a:xfrm>
           <a:prstGeom prst="wedgeRectCallout">
             <a:avLst>
-              <a:gd name="adj1" fmla="val 34263"/>
+              <a:gd name="adj1" fmla="val 41711"/>
               <a:gd name="adj2" fmla="val -160225"/>
             </a:avLst>
           </a:prstGeom>
@@ -20716,39 +20054,26 @@
           <a:p>
             <a:pPr algn="ctr"/>
             <a:r>
+              <a:rPr lang="en-US" dirty="0" err="1" smtClean="0"/>
+              <a:t>make_query_string</a:t>
+            </a:r>
+            <a:r>
               <a:rPr lang="en-US" dirty="0" smtClean="0"/>
-              <a:t>An example filter </a:t>
-            </a:r>
-            <a:r>
-              <a:rPr lang="en-US" dirty="0"/>
-              <a:t>is:  "</a:t>
-            </a:r>
-            <a:r>
-              <a:rPr lang="en-US" dirty="0" err="1"/>
-              <a:t>row_number</a:t>
-            </a:r>
-            <a:r>
-              <a:rPr lang="en-US" dirty="0"/>
-              <a:t> % 2 = 1 AND apgar_1min &lt; </a:t>
-            </a:r>
-            <a:r>
+              <a:t> constructs a query string out of the features, </a:t>
+            </a:r>
+            <a:br>
               <a:rPr lang="en-US" dirty="0" smtClean="0"/>
-              <a:t>7”  </a:t>
-            </a:r>
-          </a:p>
-          <a:p>
-            <a:pPr algn="ctr"/>
+            </a:br>
             <a:r>
               <a:rPr lang="en-US" dirty="0" smtClean="0"/>
-              <a:t>The first part of this specifies that we only use odd rows (for training) and the second part specifies the </a:t>
-            </a:r>
-            <a:r>
-              <a:rPr lang="en-US" dirty="0" err="1" smtClean="0"/>
-              <a:t>apgar</a:t>
-            </a:r>
-            <a:r>
+              <a:t>class to be predicted, and a filter (for things unwanted),</a:t>
+            </a:r>
+            <a:br>
               <a:rPr lang="en-US" dirty="0" smtClean="0"/>
-              <a:t> values should only match one class.  </a:t>
+            </a:br>
+            <a:r>
+              <a:rPr lang="en-US" dirty="0" smtClean="0"/>
+              <a:t>limited to [limit] rows of results. </a:t>
             </a:r>
             <a:endParaRPr lang="en-US" dirty="0">
               <a:latin typeface="Courier"/>
@@ -20760,18 +20085,18 @@
     </p:spTree>
     <p:extLst>
       <p:ext uri="{BB962C8B-B14F-4D97-AF65-F5344CB8AC3E}">
-        <p14:creationId xmlns:p14="http://schemas.microsoft.com/office/powerpoint/2010/main" val="2001235484"/>
+        <p14:creationId xmlns:p14="http://schemas.microsoft.com/office/powerpoint/2010/main" val="1758680735"/>
       </p:ext>
     </p:extLst>
   </p:cSld>
   <p:clrMapOvr>
     <a:masterClrMapping/>
   </p:clrMapOvr>
-  <mc:AlternateContent xmlns:mc="http://schemas.openxmlformats.org/markup-compatibility/2006">
-    <mc:Choice xmlns:p14="http://schemas.microsoft.com/office/powerpoint/2010/main" Requires="p14">
+  <mc:AlternateContent xmlns:mc="http://schemas.openxmlformats.org/markup-compatibility/2006" xmlns:p14="http://schemas.microsoft.com/office/powerpoint/2010/main">
+    <mc:Choice Requires="p14">
       <p:transition spd="slow" p14:dur="2000"/>
     </mc:Choice>
-    <mc:Fallback>
+    <mc:Fallback xmlns="">
       <p:transition spd="slow"/>
     </mc:Fallback>
   </mc:AlternateContent>
@@ -20865,8 +20190,8 @@
           <a:lstStyle/>
           <a:p>
             <a:r>
-              <a:rPr lang="en-US" dirty="0" smtClean="0"/>
-              <a:t>Stochastic Version</a:t>
+              <a:rPr lang="en-US" dirty="0" err="1" smtClean="0"/>
+              <a:t>get_data</a:t>
             </a:r>
             <a:endParaRPr lang="en-US" dirty="0"/>
           </a:p>
@@ -20884,7 +20209,7 @@
         </p:nvSpPr>
         <p:spPr>
           <a:xfrm>
-            <a:off x="465996" y="1459753"/>
+            <a:off x="295392" y="1459753"/>
             <a:ext cx="8550087" cy="4767375"/>
           </a:xfrm>
         </p:spPr>
@@ -20896,6 +20221,53 @@
               <a:buNone/>
             </a:pPr>
             <a:r>
+              <a:rPr lang="en-US" sz="1400" b="1" dirty="0">
+                <a:latin typeface="Courier"/>
+                <a:cs typeface="Courier"/>
+              </a:rPr>
+              <a:t># a helper function for retrieving data from the database and putting it </a:t>
+            </a:r>
+            <a:r>
+              <a:rPr lang="en-US" sz="1400" b="1" dirty="0" smtClean="0">
+                <a:latin typeface="Courier"/>
+                <a:cs typeface="Courier"/>
+              </a:rPr>
+              <a:t>into</a:t>
+            </a:r>
+            <a:br>
+              <a:rPr lang="en-US" sz="1400" b="1" dirty="0" smtClean="0">
+                <a:latin typeface="Courier"/>
+                <a:cs typeface="Courier"/>
+              </a:rPr>
+            </a:br>
+            <a:r>
+              <a:rPr lang="en-US" sz="1400" b="1" dirty="0" smtClean="0">
+                <a:latin typeface="Courier"/>
+                <a:cs typeface="Courier"/>
+              </a:rPr>
+              <a:t># </a:t>
+            </a:r>
+            <a:r>
+              <a:rPr lang="en-US" sz="1400" b="1" dirty="0">
+                <a:latin typeface="Courier"/>
+                <a:cs typeface="Courier"/>
+              </a:rPr>
+              <a:t>the right format for machine learning. </a:t>
+            </a:r>
+            <a:r>
+              <a:rPr lang="en-US" sz="1400" b="1" dirty="0" smtClean="0">
+                <a:latin typeface="Courier"/>
+                <a:cs typeface="Courier"/>
+              </a:rPr>
+              <a:t/>
+            </a:r>
+            <a:br>
+              <a:rPr lang="en-US" sz="1400" b="1" dirty="0" smtClean="0">
+                <a:latin typeface="Courier"/>
+                <a:cs typeface="Courier"/>
+              </a:rPr>
+            </a:br>
+            <a:r>
               <a:rPr lang="en-US" sz="1400" dirty="0" err="1" smtClean="0">
                 <a:latin typeface="Courier"/>
                 <a:cs typeface="Courier"/>
@@ -20914,7 +20286,7 @@
                 <a:latin typeface="Courier"/>
                 <a:cs typeface="Courier"/>
               </a:rPr>
-              <a:t>stochastic_gradient_descent</a:t>
+              <a:t>get_data</a:t>
             </a:r>
             <a:r>
               <a:rPr lang="en-US" sz="1400" dirty="0">
@@ -20931,11 +20303,18 @@
               <a:t>prediction_test</a:t>
             </a:r>
             <a:r>
+              <a:rPr lang="en-US" sz="1400" dirty="0">
+                <a:latin typeface="Courier"/>
+                <a:cs typeface="Courier"/>
+              </a:rPr>
+              <a:t>, </a:t>
+            </a:r>
+            <a:r>
               <a:rPr lang="en-US" sz="1400" dirty="0" smtClean="0">
                 <a:latin typeface="Courier"/>
                 <a:cs typeface="Courier"/>
               </a:rPr>
-              <a:t>, </a:t>
+              <a:t/>
             </a:r>
             <a:br>
               <a:rPr lang="en-US" sz="1400" dirty="0" smtClean="0">
@@ -20948,42 +20327,28 @@
                 <a:latin typeface="Courier"/>
                 <a:cs typeface="Courier"/>
               </a:rPr>
-              <a:t>	</a:t>
-            </a:r>
-            <a:r>
-              <a:rPr lang="en-US" sz="1400" dirty="0" err="1" smtClean="0">
-                <a:latin typeface="Courier"/>
-                <a:cs typeface="Courier"/>
-              </a:rPr>
-              <a:t>zeros_string</a:t>
+              <a:t>	filter</a:t>
             </a:r>
             <a:r>
               <a:rPr lang="en-US" sz="1400" dirty="0">
                 <a:latin typeface="Courier"/>
                 <a:cs typeface="Courier"/>
               </a:rPr>
-              <a:t>, </a:t>
-            </a:r>
-            <a:r>
-              <a:rPr lang="en-US" sz="1400" dirty="0" err="1">
-                <a:latin typeface="Courier"/>
-                <a:cs typeface="Courier"/>
-              </a:rPr>
-              <a:t>ones_string</a:t>
+              <a:t>=None</a:t>
+            </a:r>
+            <a:r>
+              <a:rPr lang="en-US" sz="1400" dirty="0" smtClean="0">
+                <a:latin typeface="Courier"/>
+                <a:cs typeface="Courier"/>
+              </a:rPr>
+              <a:t>, limit</a:t>
             </a:r>
             <a:r>
               <a:rPr lang="en-US" sz="1400" dirty="0">
                 <a:latin typeface="Courier"/>
                 <a:cs typeface="Courier"/>
               </a:rPr>
-              <a:t>, batch=10)</a:t>
-            </a:r>
-            <a:r>
-              <a:rPr lang="en-US" sz="1400" dirty="0" smtClean="0">
-                <a:latin typeface="Courier"/>
-                <a:cs typeface="Courier"/>
-              </a:rPr>
-              <a:t>:</a:t>
+              <a:t>=_MAX_ROWS):</a:t>
             </a:r>
           </a:p>
           <a:p>
@@ -20991,53 +20356,111 @@
               <a:buNone/>
             </a:pPr>
             <a:r>
+              <a:rPr lang="en-US" sz="1400" dirty="0" smtClean="0">
+                <a:latin typeface="Courier"/>
+                <a:cs typeface="Courier"/>
+              </a:rPr>
+              <a:t>	</a:t>
+            </a:r>
+            <a:r>
+              <a:rPr lang="en-US" sz="1400" b="1" dirty="0" smtClean="0">
+                <a:latin typeface="Courier"/>
+                <a:cs typeface="Courier"/>
+              </a:rPr>
+              <a:t># </a:t>
+            </a:r>
+            <a:r>
+              <a:rPr lang="en-US" sz="1400" b="1" dirty="0">
+                <a:latin typeface="Courier"/>
+                <a:cs typeface="Courier"/>
+              </a:rPr>
+              <a:t>need to retrieve data from </a:t>
+            </a:r>
+            <a:r>
+              <a:rPr lang="en-US" sz="1400" b="1" dirty="0" err="1">
+                <a:latin typeface="Courier"/>
+                <a:cs typeface="Courier"/>
+              </a:rPr>
+              <a:t>bigquery</a:t>
+            </a:r>
+            <a:r>
+              <a:rPr lang="en-US" sz="1400" b="1" dirty="0">
+                <a:latin typeface="Courier"/>
+                <a:cs typeface="Courier"/>
+              </a:rPr>
+              <a:t> </a:t>
+            </a:r>
+            <a:r>
+              <a:rPr lang="en-US" sz="1400" b="1" dirty="0" smtClean="0">
+                <a:latin typeface="Courier"/>
+                <a:cs typeface="Courier"/>
+              </a:rPr>
+              <a:t/>
+            </a:r>
+            <a:br>
+              <a:rPr lang="en-US" sz="1400" b="1" dirty="0" smtClean="0">
+                <a:latin typeface="Courier"/>
+                <a:cs typeface="Courier"/>
+              </a:rPr>
+            </a:br>
+            <a:r>
+              <a:rPr lang="en-US" sz="1400" b="1" dirty="0" smtClean="0">
+                <a:latin typeface="Courier"/>
+                <a:cs typeface="Courier"/>
+              </a:rPr>
+              <a:t>	</a:t>
+            </a:r>
+            <a:r>
+              <a:rPr lang="en-US" sz="1400" dirty="0" err="1" smtClean="0">
+                <a:latin typeface="Courier"/>
+                <a:cs typeface="Courier"/>
+              </a:rPr>
+              <a:t>query_string</a:t>
+            </a:r>
+            <a:r>
+              <a:rPr lang="en-US" sz="1400" dirty="0" smtClean="0">
+                <a:latin typeface="Courier"/>
+                <a:cs typeface="Courier"/>
+              </a:rPr>
+              <a:t> </a:t>
+            </a:r>
+            <a:r>
               <a:rPr lang="en-US" sz="1400" dirty="0">
                 <a:latin typeface="Courier"/>
                 <a:cs typeface="Courier"/>
               </a:rPr>
-              <a:t>	</a:t>
+              <a:t>= </a:t>
+            </a:r>
+            <a:r>
+              <a:rPr lang="en-US" sz="1400" dirty="0" err="1">
+                <a:latin typeface="Courier"/>
+                <a:cs typeface="Courier"/>
+              </a:rPr>
+              <a:t>self.</a:t>
+            </a:r>
+            <a:r>
+              <a:rPr lang="en-US" sz="1800" b="1" dirty="0" err="1">
+                <a:solidFill>
+                  <a:srgbClr val="FF0000"/>
+                </a:solidFill>
+                <a:latin typeface="Courier"/>
+                <a:cs typeface="Courier"/>
+              </a:rPr>
+              <a:t>make_query_string</a:t>
+            </a:r>
+            <a:r>
+              <a:rPr lang="en-US" sz="1400" dirty="0">
+                <a:latin typeface="Courier"/>
+                <a:cs typeface="Courier"/>
+              </a:rPr>
+              <a:t>(features, predict, </a:t>
             </a:r>
             <a:r>
               <a:rPr lang="en-US" sz="1400" dirty="0" smtClean="0">
                 <a:latin typeface="Courier"/>
                 <a:cs typeface="Courier"/>
               </a:rPr>
-              <a:t>weights </a:t>
-            </a:r>
-            <a:r>
-              <a:rPr lang="en-US" sz="1400" dirty="0">
-                <a:latin typeface="Courier"/>
-                <a:cs typeface="Courier"/>
-              </a:rPr>
-              <a:t>= </a:t>
-            </a:r>
-            <a:r>
-              <a:rPr lang="en-US" sz="1400" dirty="0" err="1">
-                <a:latin typeface="Courier"/>
-                <a:cs typeface="Courier"/>
-              </a:rPr>
-              <a:t>np.random.random</a:t>
-            </a:r>
-            <a:r>
-              <a:rPr lang="en-US" sz="1400" dirty="0">
-                <a:latin typeface="Courier"/>
-                <a:cs typeface="Courier"/>
-              </a:rPr>
-              <a:t>(</a:t>
-            </a:r>
-            <a:r>
-              <a:rPr lang="en-US" sz="1400" dirty="0" err="1">
-                <a:latin typeface="Courier"/>
-                <a:cs typeface="Courier"/>
-              </a:rPr>
-              <a:t>len</a:t>
-            </a:r>
-            <a:r>
-              <a:rPr lang="en-US" sz="1400" dirty="0">
-                <a:latin typeface="Courier"/>
-                <a:cs typeface="Courier"/>
-              </a:rPr>
-              <a:t>(features)+1)</a:t>
+              <a:t>filter, limit)</a:t>
             </a:r>
           </a:p>
           <a:p>
@@ -21045,74 +20468,53 @@
               <a:buNone/>
             </a:pPr>
             <a:r>
+              <a:rPr lang="en-US" sz="1400" dirty="0" smtClean="0">
+                <a:latin typeface="Courier"/>
+                <a:cs typeface="Courier"/>
+              </a:rPr>
+              <a:t>	…</a:t>
+            </a:r>
+          </a:p>
+          <a:p>
+            <a:pPr marL="0" indent="0">
+              <a:buNone/>
+            </a:pPr>
+            <a:endParaRPr lang="en-US" sz="1400" dirty="0" smtClean="0">
+              <a:latin typeface="Courier"/>
+              <a:cs typeface="Courier"/>
+            </a:endParaRPr>
+          </a:p>
+          <a:p>
+            <a:pPr marL="0" indent="0">
+              <a:buNone/>
+            </a:pPr>
+            <a:r>
+              <a:rPr lang="en-US" sz="1400" dirty="0">
+                <a:latin typeface="Courier"/>
+                <a:cs typeface="Courier"/>
+              </a:rPr>
+              <a:t>	</a:t>
+            </a:r>
+            <a:r>
+              <a:rPr lang="en-US" sz="1400" b="1" dirty="0" smtClean="0">
+                <a:latin typeface="Courier"/>
+                <a:cs typeface="Courier"/>
+              </a:rPr>
+              <a:t># </a:t>
+            </a:r>
+            <a:r>
               <a:rPr lang="en-US" sz="1400" b="1" dirty="0">
                 <a:latin typeface="Courier"/>
                 <a:cs typeface="Courier"/>
               </a:rPr>
-              <a:t>   </a:t>
+              <a:t>y are the labels -- the values we are </a:t>
             </a:r>
             <a:r>
               <a:rPr lang="en-US" sz="1400" b="1" dirty="0" smtClean="0">
                 <a:latin typeface="Courier"/>
                 <a:cs typeface="Courier"/>
               </a:rPr>
-              <a:t>	# Technically</a:t>
-            </a:r>
-            <a:r>
-              <a:rPr lang="en-US" sz="1400" b="1" dirty="0">
-                <a:latin typeface="Courier"/>
-                <a:cs typeface="Courier"/>
-              </a:rPr>
-              <a:t>, we would do only one </a:t>
-            </a:r>
-            <a:r>
-              <a:rPr lang="en-US" sz="1400" b="1" dirty="0" smtClean="0">
-                <a:latin typeface="Courier"/>
-                <a:cs typeface="Courier"/>
-              </a:rPr>
-              <a:t>x</a:t>
-            </a:r>
-            <a:r>
-              <a:rPr lang="en-US" sz="1400" b="1" dirty="0">
-                <a:latin typeface="Courier"/>
-                <a:cs typeface="Courier"/>
-              </a:rPr>
-              <a:t> </a:t>
-            </a:r>
-            <a:r>
-              <a:rPr lang="en-US" sz="1400" b="1" dirty="0" smtClean="0">
-                <a:latin typeface="Courier"/>
-                <a:cs typeface="Courier"/>
-              </a:rPr>
-              <a:t>at </a:t>
-            </a:r>
-            <a:r>
-              <a:rPr lang="en-US" sz="1400" b="1" dirty="0">
-                <a:latin typeface="Courier"/>
-                <a:cs typeface="Courier"/>
-              </a:rPr>
-              <a:t>each round, but we can load subsets of the data and do multiple </a:t>
-            </a:r>
-            <a:r>
-              <a:rPr lang="en-US" sz="1400" b="1" dirty="0" smtClean="0">
-                <a:latin typeface="Courier"/>
-                <a:cs typeface="Courier"/>
-              </a:rPr>
-              <a:t>rows at each </a:t>
-            </a:r>
-            <a:r>
-              <a:rPr lang="en-US" sz="1400" b="1" dirty="0">
-                <a:latin typeface="Courier"/>
-                <a:cs typeface="Courier"/>
-              </a:rPr>
-              <a:t>round. _MAX_ROWS determines how much data is loaded at </a:t>
-            </a:r>
-            <a:r>
-              <a:rPr lang="en-US" sz="1400" b="1" dirty="0" smtClean="0">
-                <a:latin typeface="Courier"/>
-                <a:cs typeface="Courier"/>
-              </a:rPr>
-              <a:t>each iteration.</a:t>
+              <a:t>predicting</a:t>
             </a:r>
             <a:br>
               <a:rPr lang="en-US" sz="1400" b="1" dirty="0" smtClean="0">
@@ -21121,602 +20523,128 @@
               </a:rPr>
             </a:br>
             <a:r>
+              <a:rPr lang="en-US" sz="1400" b="1" dirty="0" smtClean="0">
+                <a:latin typeface="Courier"/>
+                <a:cs typeface="Courier"/>
+              </a:rPr>
+              <a:t>	</a:t>
+            </a:r>
+            <a:r>
               <a:rPr lang="en-US" sz="1400" dirty="0" smtClean="0">
                 <a:latin typeface="Courier"/>
                 <a:cs typeface="Courier"/>
               </a:rPr>
-              <a:t>	for </a:t>
+              <a:t>y </a:t>
+            </a:r>
+            <a:r>
+              <a:rPr lang="en-US" sz="1400" dirty="0">
+                <a:latin typeface="Courier"/>
+                <a:cs typeface="Courier"/>
+              </a:rPr>
+              <a:t>= </a:t>
             </a:r>
             <a:r>
               <a:rPr lang="en-US" sz="1400" dirty="0" err="1">
                 <a:latin typeface="Courier"/>
                 <a:cs typeface="Courier"/>
               </a:rPr>
-              <a:t>i</a:t>
+              <a:t>np.array</a:t>
             </a:r>
             <a:r>
               <a:rPr lang="en-US" sz="1400" dirty="0">
                 <a:latin typeface="Courier"/>
                 <a:cs typeface="Courier"/>
               </a:rPr>
-              <a:t> in </a:t>
+              <a:t>(labels)</a:t>
+            </a:r>
+          </a:p>
+          <a:p>
+            <a:pPr marL="0" indent="0">
+              <a:buNone/>
+            </a:pPr>
+            <a:r>
+              <a:rPr lang="en-US" sz="1400" dirty="0" smtClean="0">
+                <a:latin typeface="Courier"/>
+                <a:cs typeface="Courier"/>
+              </a:rPr>
+              <a:t>	# </a:t>
+            </a:r>
+            <a:r>
+              <a:rPr lang="en-US" sz="1400" dirty="0">
+                <a:latin typeface="Courier"/>
+                <a:cs typeface="Courier"/>
+              </a:rPr>
+              <a:t>X are the features -- the values we use to make the </a:t>
+            </a:r>
+            <a:r>
+              <a:rPr lang="en-US" sz="1400" dirty="0" smtClean="0">
+                <a:latin typeface="Courier"/>
+                <a:cs typeface="Courier"/>
+              </a:rPr>
+              <a:t>prediction</a:t>
+            </a:r>
+            <a:br>
+              <a:rPr lang="en-US" sz="1400" dirty="0" smtClean="0">
+                <a:latin typeface="Courier"/>
+                <a:cs typeface="Courier"/>
+              </a:rPr>
+            </a:br>
+            <a:r>
+              <a:rPr lang="en-US" sz="1400" dirty="0" smtClean="0">
+                <a:latin typeface="Courier"/>
+                <a:cs typeface="Courier"/>
+              </a:rPr>
+              <a:t>	X </a:t>
+            </a:r>
+            <a:r>
+              <a:rPr lang="en-US" sz="1400" dirty="0">
+                <a:latin typeface="Courier"/>
+                <a:cs typeface="Courier"/>
+              </a:rPr>
+              <a:t>= </a:t>
             </a:r>
             <a:r>
               <a:rPr lang="en-US" sz="1400" dirty="0" err="1">
                 <a:latin typeface="Courier"/>
                 <a:cs typeface="Courier"/>
               </a:rPr>
-              <a:t>xrange</a:t>
+              <a:t>np.array</a:t>
             </a:r>
             <a:r>
               <a:rPr lang="en-US" sz="1400" dirty="0">
                 <a:latin typeface="Courier"/>
                 <a:cs typeface="Courier"/>
               </a:rPr>
-              <a:t>(batch)</a:t>
-            </a:r>
+              <a:t>(data)</a:t>
+            </a:r>
+          </a:p>
+          <a:p>
+            <a:pPr marL="0" indent="0">
+              <a:buNone/>
+            </a:pPr>
             <a:r>
               <a:rPr lang="en-US" sz="1400" dirty="0" smtClean="0">
                 <a:latin typeface="Courier"/>
                 <a:cs typeface="Courier"/>
               </a:rPr>
-              <a:t>:</a:t>
-            </a:r>
+              <a:t>	return </a:t>
+            </a:r>
+            <a:r>
+              <a:rPr lang="en-US" sz="1400" dirty="0">
+                <a:latin typeface="Courier"/>
+                <a:cs typeface="Courier"/>
+              </a:rPr>
+              <a:t>X, y</a:t>
+            </a:r>
+          </a:p>
+          <a:p>
+            <a:pPr marL="0" indent="0">
+              <a:buNone/>
+            </a:pPr>
             <a:endParaRPr lang="en-US" sz="1400" dirty="0">
               <a:latin typeface="Courier"/>
               <a:cs typeface="Courier"/>
             </a:endParaRPr>
-          </a:p>
-          <a:p>
-            <a:pPr marL="0" indent="0">
-              <a:buNone/>
-            </a:pPr>
-            <a:r>
-              <a:rPr lang="en-US" sz="1400" b="1" dirty="0" smtClean="0">
-                <a:latin typeface="Courier"/>
-                <a:cs typeface="Courier"/>
-              </a:rPr>
-              <a:t>		# </a:t>
-            </a:r>
-            <a:r>
-              <a:rPr lang="en-US" sz="1400" b="1" dirty="0">
-                <a:latin typeface="Courier"/>
-                <a:cs typeface="Courier"/>
-              </a:rPr>
-              <a:t>get _MAX_ROWS of examples of bad births and good births (equal amounts of each</a:t>
-            </a:r>
-            <a:r>
-              <a:rPr lang="en-US" sz="1400" b="1" dirty="0" smtClean="0">
-                <a:latin typeface="Courier"/>
-                <a:cs typeface="Courier"/>
-              </a:rPr>
-              <a:t>). This </a:t>
-            </a:r>
-            <a:r>
-              <a:rPr lang="en-US" sz="1400" b="1" dirty="0">
-                <a:latin typeface="Courier"/>
-                <a:cs typeface="Courier"/>
-              </a:rPr>
-              <a:t>is so we have lots of examples of both </a:t>
-            </a:r>
-            <a:r>
-              <a:rPr lang="en-US" sz="1400" b="1" dirty="0" smtClean="0">
-                <a:latin typeface="Courier"/>
-                <a:cs typeface="Courier"/>
-              </a:rPr>
-              <a:t>types</a:t>
-            </a:r>
-            <a:br>
-              <a:rPr lang="en-US" sz="1400" b="1" dirty="0" smtClean="0">
-                <a:latin typeface="Courier"/>
-                <a:cs typeface="Courier"/>
-              </a:rPr>
-            </a:br>
-            <a:r>
-              <a:rPr lang="en-US" sz="1400" b="1" dirty="0" smtClean="0">
-                <a:latin typeface="Courier"/>
-                <a:cs typeface="Courier"/>
-              </a:rPr>
-              <a:t>		</a:t>
-            </a:r>
-            <a:r>
-              <a:rPr lang="en-US" sz="1400" dirty="0" err="1" smtClean="0">
-                <a:latin typeface="Courier"/>
-                <a:cs typeface="Courier"/>
-              </a:rPr>
-              <a:t>bad_births</a:t>
-            </a:r>
-            <a:r>
-              <a:rPr lang="en-US" sz="1400" dirty="0">
-                <a:latin typeface="Courier"/>
-                <a:cs typeface="Courier"/>
-              </a:rPr>
-              <a:t>, </a:t>
-            </a:r>
-            <a:r>
-              <a:rPr lang="en-US" sz="1400" dirty="0" err="1">
-                <a:latin typeface="Courier"/>
-                <a:cs typeface="Courier"/>
-              </a:rPr>
-              <a:t>bad_births_labels</a:t>
-            </a:r>
-            <a:r>
-              <a:rPr lang="en-US" sz="1400" dirty="0">
-                <a:latin typeface="Courier"/>
-                <a:cs typeface="Courier"/>
-              </a:rPr>
-              <a:t> = </a:t>
-            </a:r>
-            <a:r>
-              <a:rPr lang="en-US" sz="1400" dirty="0" smtClean="0">
-                <a:latin typeface="Courier"/>
-                <a:cs typeface="Courier"/>
-              </a:rPr>
-              <a:t/>
-            </a:r>
-            <a:br>
-              <a:rPr lang="en-US" sz="1400" dirty="0" smtClean="0">
-                <a:latin typeface="Courier"/>
-                <a:cs typeface="Courier"/>
-              </a:rPr>
-            </a:br>
-            <a:r>
-              <a:rPr lang="en-US" sz="1400" dirty="0" smtClean="0">
-                <a:latin typeface="Courier"/>
-                <a:cs typeface="Courier"/>
-              </a:rPr>
-              <a:t>		    </a:t>
-            </a:r>
-            <a:r>
-              <a:rPr lang="en-US" sz="1400" dirty="0" err="1" smtClean="0">
-                <a:latin typeface="Courier"/>
-                <a:cs typeface="Courier"/>
-              </a:rPr>
-              <a:t>self.get_data</a:t>
-            </a:r>
-            <a:r>
-              <a:rPr lang="en-US" sz="1400" dirty="0">
-                <a:latin typeface="Courier"/>
-                <a:cs typeface="Courier"/>
-              </a:rPr>
-              <a:t>(features, predict, </a:t>
-            </a:r>
-            <a:r>
-              <a:rPr lang="en-US" sz="1400" dirty="0" err="1">
-                <a:latin typeface="Courier"/>
-                <a:cs typeface="Courier"/>
-              </a:rPr>
-              <a:t>prediction_test</a:t>
-            </a:r>
-            <a:r>
-              <a:rPr lang="en-US" sz="1400" dirty="0">
-                <a:latin typeface="Courier"/>
-                <a:cs typeface="Courier"/>
-              </a:rPr>
-              <a:t>, </a:t>
-            </a:r>
-            <a:r>
-              <a:rPr lang="en-US" sz="1400" dirty="0" err="1">
-                <a:latin typeface="Courier"/>
-                <a:cs typeface="Courier"/>
-              </a:rPr>
-              <a:t>zeros_string</a:t>
-            </a:r>
-            <a:r>
-              <a:rPr lang="en-US" sz="1400" dirty="0" smtClean="0">
-                <a:latin typeface="Courier"/>
-                <a:cs typeface="Courier"/>
-              </a:rPr>
-              <a:t>)</a:t>
-            </a:r>
-            <a:br>
-              <a:rPr lang="en-US" sz="1400" dirty="0" smtClean="0">
-                <a:latin typeface="Courier"/>
-                <a:cs typeface="Courier"/>
-              </a:rPr>
-            </a:br>
-            <a:r>
-              <a:rPr lang="en-US" sz="1400" dirty="0" smtClean="0">
-                <a:latin typeface="Courier"/>
-                <a:cs typeface="Courier"/>
-              </a:rPr>
-              <a:t>		</a:t>
-            </a:r>
-            <a:r>
-              <a:rPr lang="en-US" sz="1400" dirty="0" err="1" smtClean="0">
-                <a:latin typeface="Courier"/>
-                <a:cs typeface="Courier"/>
-              </a:rPr>
-              <a:t>good_births</a:t>
-            </a:r>
-            <a:r>
-              <a:rPr lang="en-US" sz="1400" dirty="0">
-                <a:latin typeface="Courier"/>
-                <a:cs typeface="Courier"/>
-              </a:rPr>
-              <a:t>, </a:t>
-            </a:r>
-            <a:r>
-              <a:rPr lang="en-US" sz="1400" dirty="0" err="1">
-                <a:latin typeface="Courier"/>
-                <a:cs typeface="Courier"/>
-              </a:rPr>
-              <a:t>good_births_labels</a:t>
-            </a:r>
-            <a:r>
-              <a:rPr lang="en-US" sz="1400" dirty="0">
-                <a:latin typeface="Courier"/>
-                <a:cs typeface="Courier"/>
-              </a:rPr>
-              <a:t> = </a:t>
-            </a:r>
-            <a:r>
-              <a:rPr lang="en-US" sz="1400" dirty="0" smtClean="0">
-                <a:latin typeface="Courier"/>
-                <a:cs typeface="Courier"/>
-              </a:rPr>
-              <a:t/>
-            </a:r>
-            <a:br>
-              <a:rPr lang="en-US" sz="1400" dirty="0" smtClean="0">
-                <a:latin typeface="Courier"/>
-                <a:cs typeface="Courier"/>
-              </a:rPr>
-            </a:br>
-            <a:r>
-              <a:rPr lang="en-US" sz="1400" dirty="0" smtClean="0">
-                <a:latin typeface="Courier"/>
-                <a:cs typeface="Courier"/>
-              </a:rPr>
-              <a:t>			</a:t>
-            </a:r>
-            <a:r>
-              <a:rPr lang="en-US" sz="1400" dirty="0" err="1" smtClean="0">
-                <a:latin typeface="Courier"/>
-                <a:cs typeface="Courier"/>
-              </a:rPr>
-              <a:t>self.get_data</a:t>
-            </a:r>
-            <a:r>
-              <a:rPr lang="en-US" sz="1400" dirty="0">
-                <a:latin typeface="Courier"/>
-                <a:cs typeface="Courier"/>
-              </a:rPr>
-              <a:t>(features, predict, </a:t>
-            </a:r>
-            <a:r>
-              <a:rPr lang="en-US" sz="1400" dirty="0" err="1">
-                <a:latin typeface="Courier"/>
-                <a:cs typeface="Courier"/>
-              </a:rPr>
-              <a:t>prediction_test</a:t>
-            </a:r>
-            <a:r>
-              <a:rPr lang="en-US" sz="1400" dirty="0">
-                <a:latin typeface="Courier"/>
-                <a:cs typeface="Courier"/>
-              </a:rPr>
-              <a:t>, </a:t>
-            </a:r>
-            <a:r>
-              <a:rPr lang="en-US" sz="1400" dirty="0" err="1">
-                <a:latin typeface="Courier"/>
-                <a:cs typeface="Courier"/>
-              </a:rPr>
-              <a:t>ones_string</a:t>
-            </a:r>
-            <a:r>
-              <a:rPr lang="en-US" sz="1400" dirty="0">
-                <a:latin typeface="Courier"/>
-                <a:cs typeface="Courier"/>
-              </a:rPr>
-              <a:t>)</a:t>
-            </a:r>
-          </a:p>
-          <a:p>
-            <a:pPr marL="0" indent="0">
-              <a:buNone/>
-            </a:pPr>
-            <a:r>
-              <a:rPr lang="en-US" sz="1400" b="1" dirty="0" smtClean="0">
-                <a:latin typeface="Courier"/>
-                <a:cs typeface="Courier"/>
-              </a:rPr>
-              <a:t>		# </a:t>
-            </a:r>
-            <a:r>
-              <a:rPr lang="en-US" sz="1400" b="1" dirty="0">
-                <a:latin typeface="Courier"/>
-                <a:cs typeface="Courier"/>
-              </a:rPr>
-              <a:t>combine them into one data </a:t>
-            </a:r>
-            <a:r>
-              <a:rPr lang="en-US" sz="1400" b="1" dirty="0" smtClean="0">
-                <a:latin typeface="Courier"/>
-                <a:cs typeface="Courier"/>
-              </a:rPr>
-              <a:t>set</a:t>
-            </a:r>
-            <a:br>
-              <a:rPr lang="en-US" sz="1400" b="1" dirty="0" smtClean="0">
-                <a:latin typeface="Courier"/>
-                <a:cs typeface="Courier"/>
-              </a:rPr>
-            </a:br>
-            <a:r>
-              <a:rPr lang="en-US" sz="1400" b="1" dirty="0" smtClean="0">
-                <a:latin typeface="Courier"/>
-                <a:cs typeface="Courier"/>
-              </a:rPr>
-              <a:t>		</a:t>
-            </a:r>
-            <a:r>
-              <a:rPr lang="en-US" sz="1400" dirty="0" err="1" smtClean="0">
-                <a:latin typeface="Courier"/>
-                <a:cs typeface="Courier"/>
-              </a:rPr>
-              <a:t>y_labels</a:t>
-            </a:r>
-            <a:r>
-              <a:rPr lang="en-US" sz="1400" dirty="0" smtClean="0">
-                <a:latin typeface="Courier"/>
-                <a:cs typeface="Courier"/>
-              </a:rPr>
-              <a:t> </a:t>
-            </a:r>
-            <a:r>
-              <a:rPr lang="en-US" sz="1400" dirty="0">
-                <a:latin typeface="Courier"/>
-                <a:cs typeface="Courier"/>
-              </a:rPr>
-              <a:t>= </a:t>
-            </a:r>
-            <a:r>
-              <a:rPr lang="en-US" sz="1400" dirty="0" err="1">
-                <a:latin typeface="Courier"/>
-                <a:cs typeface="Courier"/>
-              </a:rPr>
-              <a:t>np.concatenate</a:t>
-            </a:r>
-            <a:r>
-              <a:rPr lang="en-US" sz="1400" dirty="0">
-                <a:latin typeface="Courier"/>
-                <a:cs typeface="Courier"/>
-              </a:rPr>
-              <a:t>([</a:t>
-            </a:r>
-            <a:r>
-              <a:rPr lang="en-US" sz="1400" dirty="0" err="1">
-                <a:latin typeface="Courier"/>
-                <a:cs typeface="Courier"/>
-              </a:rPr>
-              <a:t>bad_births_labels</a:t>
-            </a:r>
-            <a:r>
-              <a:rPr lang="en-US" sz="1400" dirty="0">
-                <a:latin typeface="Courier"/>
-                <a:cs typeface="Courier"/>
-              </a:rPr>
-              <a:t>, </a:t>
-            </a:r>
-            <a:r>
-              <a:rPr lang="en-US" sz="1400" dirty="0" err="1">
-                <a:latin typeface="Courier"/>
-                <a:cs typeface="Courier"/>
-              </a:rPr>
-              <a:t>good_births_labels</a:t>
-            </a:r>
-            <a:r>
-              <a:rPr lang="en-US" sz="1400" dirty="0">
-                <a:latin typeface="Courier"/>
-                <a:cs typeface="Courier"/>
-              </a:rPr>
-              <a:t>]</a:t>
-            </a:r>
-            <a:r>
-              <a:rPr lang="en-US" sz="1400" dirty="0" smtClean="0">
-                <a:latin typeface="Courier"/>
-                <a:cs typeface="Courier"/>
-              </a:rPr>
-              <a:t>)</a:t>
-            </a:r>
-            <a:br>
-              <a:rPr lang="en-US" sz="1400" dirty="0" smtClean="0">
-                <a:latin typeface="Courier"/>
-                <a:cs typeface="Courier"/>
-              </a:rPr>
-            </a:br>
-            <a:r>
-              <a:rPr lang="en-US" sz="1400" dirty="0" smtClean="0">
-                <a:latin typeface="Courier"/>
-                <a:cs typeface="Courier"/>
-              </a:rPr>
-              <a:t>		X </a:t>
-            </a:r>
-            <a:r>
-              <a:rPr lang="en-US" sz="1400" dirty="0">
-                <a:latin typeface="Courier"/>
-                <a:cs typeface="Courier"/>
-              </a:rPr>
-              <a:t>= </a:t>
-            </a:r>
-            <a:r>
-              <a:rPr lang="en-US" sz="1400" dirty="0" err="1">
-                <a:latin typeface="Courier"/>
-                <a:cs typeface="Courier"/>
-              </a:rPr>
-              <a:t>np.concatenate</a:t>
-            </a:r>
-            <a:r>
-              <a:rPr lang="en-US" sz="1400" dirty="0">
-                <a:latin typeface="Courier"/>
-                <a:cs typeface="Courier"/>
-              </a:rPr>
-              <a:t>([</a:t>
-            </a:r>
-            <a:r>
-              <a:rPr lang="en-US" sz="1400" dirty="0" err="1">
-                <a:latin typeface="Courier"/>
-                <a:cs typeface="Courier"/>
-              </a:rPr>
-              <a:t>bad_births</a:t>
-            </a:r>
-            <a:r>
-              <a:rPr lang="en-US" sz="1400" dirty="0">
-                <a:latin typeface="Courier"/>
-                <a:cs typeface="Courier"/>
-              </a:rPr>
-              <a:t>, </a:t>
-            </a:r>
-            <a:r>
-              <a:rPr lang="en-US" sz="1400" dirty="0" err="1">
-                <a:latin typeface="Courier"/>
-                <a:cs typeface="Courier"/>
-              </a:rPr>
-              <a:t>good_births</a:t>
-            </a:r>
-            <a:r>
-              <a:rPr lang="en-US" sz="1400" dirty="0">
-                <a:latin typeface="Courier"/>
-                <a:cs typeface="Courier"/>
-              </a:rPr>
-              <a:t>]</a:t>
-            </a:r>
-            <a:r>
-              <a:rPr lang="en-US" sz="1400" dirty="0" smtClean="0">
-                <a:latin typeface="Courier"/>
-                <a:cs typeface="Courier"/>
-              </a:rPr>
-              <a:t>)</a:t>
-            </a:r>
-            <a:endParaRPr lang="en-US" sz="1400" b="1" dirty="0">
-              <a:latin typeface="Courier"/>
-              <a:cs typeface="Courier"/>
-            </a:endParaRPr>
-          </a:p>
-          <a:p>
-            <a:pPr marL="0" indent="0">
-              <a:buNone/>
-            </a:pPr>
-            <a:r>
-              <a:rPr lang="en-US" sz="1400" b="1" dirty="0" smtClean="0">
-                <a:latin typeface="Courier"/>
-                <a:cs typeface="Courier"/>
-              </a:rPr>
-              <a:t>		# </a:t>
-            </a:r>
-            <a:r>
-              <a:rPr lang="en-US" sz="1400" b="1" dirty="0">
-                <a:latin typeface="Courier"/>
-                <a:cs typeface="Courier"/>
-              </a:rPr>
-              <a:t>the resulting </a:t>
-            </a:r>
-            <a:r>
-              <a:rPr lang="en-US" sz="1400" b="1" dirty="0" smtClean="0">
-                <a:latin typeface="Courier"/>
-                <a:cs typeface="Courier"/>
-              </a:rPr>
-              <a:t>weights</a:t>
-            </a:r>
-            <a:br>
-              <a:rPr lang="en-US" sz="1400" b="1" dirty="0" smtClean="0">
-                <a:latin typeface="Courier"/>
-                <a:cs typeface="Courier"/>
-              </a:rPr>
-            </a:br>
-            <a:r>
-              <a:rPr lang="en-US" sz="1400" b="1" dirty="0" smtClean="0">
-                <a:latin typeface="Courier"/>
-                <a:cs typeface="Courier"/>
-              </a:rPr>
-              <a:t>		</a:t>
-            </a:r>
-            <a:r>
-              <a:rPr lang="en-US" sz="1400" dirty="0" smtClean="0">
-                <a:latin typeface="Courier"/>
-                <a:cs typeface="Courier"/>
-              </a:rPr>
-              <a:t>weights </a:t>
-            </a:r>
-            <a:r>
-              <a:rPr lang="en-US" sz="1400" dirty="0">
-                <a:latin typeface="Courier"/>
-                <a:cs typeface="Courier"/>
-              </a:rPr>
-              <a:t>= </a:t>
-            </a:r>
-            <a:r>
-              <a:rPr lang="en-US" sz="1400" dirty="0" err="1">
-                <a:latin typeface="Courier"/>
-                <a:cs typeface="Courier"/>
-              </a:rPr>
-              <a:t>self.gradient_descent</a:t>
-            </a:r>
-            <a:r>
-              <a:rPr lang="en-US" sz="1400" dirty="0">
-                <a:latin typeface="Courier"/>
-                <a:cs typeface="Courier"/>
-              </a:rPr>
-              <a:t>(weights, X, </a:t>
-            </a:r>
-            <a:r>
-              <a:rPr lang="en-US" sz="1400" dirty="0" err="1">
-                <a:latin typeface="Courier"/>
-                <a:cs typeface="Courier"/>
-              </a:rPr>
-              <a:t>y_labels</a:t>
-            </a:r>
-            <a:r>
-              <a:rPr lang="en-US" sz="1400" dirty="0" smtClean="0">
-                <a:latin typeface="Courier"/>
-                <a:cs typeface="Courier"/>
-              </a:rPr>
-              <a:t>)</a:t>
-            </a:r>
-            <a:endParaRPr lang="en-US" sz="1400" b="1" dirty="0">
-              <a:latin typeface="Courier"/>
-              <a:cs typeface="Courier"/>
-            </a:endParaRPr>
-          </a:p>
-          <a:p>
-            <a:pPr marL="0" indent="0">
-              <a:buNone/>
-            </a:pPr>
-            <a:r>
-              <a:rPr lang="en-US" sz="1400" b="1" dirty="0" smtClean="0">
-                <a:latin typeface="Courier"/>
-                <a:cs typeface="Courier"/>
-              </a:rPr>
-              <a:t>		</a:t>
-            </a:r>
-            <a:r>
-              <a:rPr lang="en-US" sz="1400" dirty="0" smtClean="0">
-                <a:latin typeface="Courier"/>
-                <a:cs typeface="Courier"/>
-              </a:rPr>
-              <a:t>model </a:t>
-            </a:r>
-            <a:r>
-              <a:rPr lang="en-US" sz="1400" dirty="0">
-                <a:latin typeface="Courier"/>
-                <a:cs typeface="Courier"/>
-              </a:rPr>
-              <a:t>= lambda x: 1-self.loss_func(x, weights)&lt;.5</a:t>
-            </a:r>
-          </a:p>
-          <a:p>
-            <a:pPr marL="0" indent="0">
-              <a:buNone/>
-            </a:pPr>
-            <a:r>
-              <a:rPr lang="en-US" sz="1400" dirty="0">
-                <a:latin typeface="Courier"/>
-                <a:cs typeface="Courier"/>
-              </a:rPr>
-              <a:t>        return weights, model</a:t>
-            </a:r>
           </a:p>
         </p:txBody>
       </p:sp>
@@ -21787,80 +20715,14 @@
       </p:sp>
       <p:sp>
         <p:nvSpPr>
-          <p:cNvPr id="9" name="Rectangular Callout 8"/>
+          <p:cNvPr id="8" name="Rectangle 7"/>
           <p:cNvSpPr/>
           <p:nvPr/>
         </p:nvSpPr>
         <p:spPr>
           <a:xfrm>
-            <a:off x="2568565" y="5259925"/>
-            <a:ext cx="3232033" cy="1242615"/>
-          </a:xfrm>
-          <a:prstGeom prst="wedgeRectCallout">
-            <a:avLst>
-              <a:gd name="adj1" fmla="val -26871"/>
-              <a:gd name="adj2" fmla="val -100709"/>
-            </a:avLst>
-          </a:prstGeom>
-        </p:spPr>
-        <p:style>
-          <a:lnRef idx="2">
-            <a:schemeClr val="accent1">
-              <a:shade val="50000"/>
-            </a:schemeClr>
-          </a:lnRef>
-          <a:fillRef idx="1">
-            <a:schemeClr val="accent1"/>
-          </a:fillRef>
-          <a:effectRef idx="0">
-            <a:schemeClr val="accent1"/>
-          </a:effectRef>
-          <a:fontRef idx="minor">
-            <a:schemeClr val="lt1"/>
-          </a:fontRef>
-        </p:style>
-        <p:txBody>
-          <a:bodyPr rtlCol="0" anchor="ctr"/>
-          <a:lstStyle/>
-          <a:p>
-            <a:pPr algn="ctr"/>
-            <a:r>
-              <a:rPr lang="en-US" dirty="0" smtClean="0"/>
-              <a:t>We need new labels and values each time we loop. </a:t>
-            </a:r>
-            <a:r>
-              <a:rPr lang="en-US" dirty="0" err="1" smtClean="0"/>
-              <a:t>self.get_data</a:t>
-            </a:r>
-            <a:r>
-              <a:rPr lang="en-US" dirty="0" smtClean="0"/>
-              <a:t> retrieves data from </a:t>
-            </a:r>
-            <a:r>
-              <a:rPr lang="en-US" dirty="0" err="1" smtClean="0"/>
-              <a:t>big_query</a:t>
-            </a:r>
-            <a:r>
-              <a:rPr lang="en-US" dirty="0" smtClean="0"/>
-              <a:t> for us</a:t>
-            </a:r>
-            <a:endParaRPr lang="en-US" dirty="0">
-              <a:latin typeface="Courier"/>
-              <a:cs typeface="Courier"/>
-            </a:endParaRPr>
-          </a:p>
-        </p:txBody>
-      </p:sp>
-      <p:sp>
-        <p:nvSpPr>
-          <p:cNvPr id="10" name="Rectangle 9"/>
-          <p:cNvSpPr/>
-          <p:nvPr/>
-        </p:nvSpPr>
-        <p:spPr>
-          <a:xfrm>
-            <a:off x="1326934" y="3635050"/>
-            <a:ext cx="7241271" cy="990664"/>
+            <a:off x="2729695" y="2284925"/>
+            <a:ext cx="6286388" cy="990664"/>
           </a:xfrm>
           <a:prstGeom prst="rect">
             <a:avLst/>
@@ -21892,53 +20754,14 @@
       </p:sp>
       <p:sp>
         <p:nvSpPr>
-          <p:cNvPr id="11" name="Rectangle 10"/>
+          <p:cNvPr id="9" name="Rectangular Callout 8"/>
           <p:cNvSpPr/>
           <p:nvPr/>
         </p:nvSpPr>
         <p:spPr>
           <a:xfrm>
-            <a:off x="7029689" y="3842850"/>
-            <a:ext cx="1481648" cy="395523"/>
-          </a:xfrm>
-          <a:prstGeom prst="rect">
-            <a:avLst/>
-          </a:prstGeom>
-          <a:noFill/>
-        </p:spPr>
-        <p:style>
-          <a:lnRef idx="2">
-            <a:schemeClr val="accent1"/>
-          </a:lnRef>
-          <a:fillRef idx="1">
-            <a:schemeClr val="lt1"/>
-          </a:fillRef>
-          <a:effectRef idx="0">
-            <a:schemeClr val="accent1"/>
-          </a:effectRef>
-          <a:fontRef idx="minor">
-            <a:schemeClr val="dk1"/>
-          </a:fontRef>
-        </p:style>
-        <p:txBody>
-          <a:bodyPr rtlCol="0" anchor="ctr"/>
-          <a:lstStyle/>
-          <a:p>
-            <a:pPr algn="ctr"/>
-            <a:endParaRPr lang="en-US"/>
-          </a:p>
-        </p:txBody>
-      </p:sp>
-      <p:sp>
-        <p:nvSpPr>
-          <p:cNvPr id="12" name="Rectangular Callout 11"/>
-          <p:cNvSpPr/>
-          <p:nvPr/>
-        </p:nvSpPr>
-        <p:spPr>
-          <a:xfrm>
-            <a:off x="5618556" y="1687249"/>
-            <a:ext cx="3232033" cy="1574238"/>
+            <a:off x="6248400" y="914400"/>
+            <a:ext cx="2361461" cy="1004765"/>
           </a:xfrm>
           <a:prstGeom prst="wedgeRectCallout">
             <a:avLst>
@@ -21969,16 +20792,16 @@
           <a:p>
             <a:pPr algn="ctr"/>
             <a:r>
+              <a:rPr lang="en-US" dirty="0" err="1" smtClean="0"/>
+              <a:t>get_data</a:t>
+            </a:r>
+            <a:r>
               <a:rPr lang="en-US" dirty="0" smtClean="0"/>
-              <a:t>These strings help specify details needed to make the right query on the database. </a:t>
-            </a:r>
-            <a:r>
-              <a:rPr lang="en-US" dirty="0"/>
-              <a:t>W</a:t>
-            </a:r>
-            <a:r>
-              <a:rPr lang="en-US" dirty="0" smtClean="0"/>
-              <a:t>e want an equal number of examples of each class for training. </a:t>
+              <a:t> depends on </a:t>
+            </a:r>
+            <a:r>
+              <a:rPr lang="en-US" dirty="0" err="1" smtClean="0"/>
+              <a:t>make_query_string</a:t>
             </a:r>
             <a:endParaRPr lang="en-US" dirty="0">
               <a:latin typeface="Courier"/>
@@ -21989,14 +20812,14 @@
       </p:sp>
       <p:sp>
         <p:nvSpPr>
-          <p:cNvPr id="13" name="Rectangle 12"/>
+          <p:cNvPr id="10" name="Rectangle 9"/>
           <p:cNvSpPr/>
           <p:nvPr/>
         </p:nvSpPr>
         <p:spPr>
           <a:xfrm>
-            <a:off x="7030441" y="4241704"/>
-            <a:ext cx="1481648" cy="395523"/>
+            <a:off x="7280432" y="2629548"/>
+            <a:ext cx="897315" cy="395523"/>
           </a:xfrm>
           <a:prstGeom prst="rect">
             <a:avLst/>
@@ -22026,21 +20849,102 @@
           </a:p>
         </p:txBody>
       </p:sp>
+      <p:sp>
+        <p:nvSpPr>
+          <p:cNvPr id="11" name="Rectangular Callout 10"/>
+          <p:cNvSpPr/>
+          <p:nvPr/>
+        </p:nvSpPr>
+        <p:spPr>
+          <a:xfrm>
+            <a:off x="1718617" y="4137970"/>
+            <a:ext cx="7126862" cy="1004765"/>
+          </a:xfrm>
+          <a:prstGeom prst="wedgeRectCallout">
+            <a:avLst>
+              <a:gd name="adj1" fmla="val 34263"/>
+              <a:gd name="adj2" fmla="val -160225"/>
+            </a:avLst>
+          </a:prstGeom>
+        </p:spPr>
+        <p:style>
+          <a:lnRef idx="2">
+            <a:schemeClr val="accent1">
+              <a:shade val="50000"/>
+            </a:schemeClr>
+          </a:lnRef>
+          <a:fillRef idx="1">
+            <a:schemeClr val="accent1"/>
+          </a:fillRef>
+          <a:effectRef idx="0">
+            <a:schemeClr val="accent1"/>
+          </a:effectRef>
+          <a:fontRef idx="minor">
+            <a:schemeClr val="lt1"/>
+          </a:fontRef>
+        </p:style>
+        <p:txBody>
+          <a:bodyPr rtlCol="0" anchor="ctr"/>
+          <a:lstStyle/>
+          <a:p>
+            <a:pPr algn="ctr"/>
+            <a:r>
+              <a:rPr lang="en-US" dirty="0" smtClean="0"/>
+              <a:t>An example filter </a:t>
+            </a:r>
+            <a:r>
+              <a:rPr lang="en-US" dirty="0"/>
+              <a:t>is:  "</a:t>
+            </a:r>
+            <a:r>
+              <a:rPr lang="en-US" dirty="0" err="1"/>
+              <a:t>row_number</a:t>
+            </a:r>
+            <a:r>
+              <a:rPr lang="en-US" dirty="0"/>
+              <a:t> % 2 = 1 AND apgar_1min &lt; </a:t>
+            </a:r>
+            <a:r>
+              <a:rPr lang="en-US" dirty="0" smtClean="0"/>
+              <a:t>7”  </a:t>
+            </a:r>
+          </a:p>
+          <a:p>
+            <a:pPr algn="ctr"/>
+            <a:r>
+              <a:rPr lang="en-US" dirty="0" smtClean="0"/>
+              <a:t>The first part of this specifies that we only use odd rows (for training) and the second part specifies the </a:t>
+            </a:r>
+            <a:r>
+              <a:rPr lang="en-US" dirty="0" err="1" smtClean="0"/>
+              <a:t>apgar</a:t>
+            </a:r>
+            <a:r>
+              <a:rPr lang="en-US" dirty="0" smtClean="0"/>
+              <a:t> values should only match one class.  </a:t>
+            </a:r>
+            <a:endParaRPr lang="en-US" dirty="0">
+              <a:latin typeface="Courier"/>
+              <a:cs typeface="Courier"/>
+            </a:endParaRPr>
+          </a:p>
+        </p:txBody>
+      </p:sp>
     </p:spTree>
     <p:extLst>
       <p:ext uri="{BB962C8B-B14F-4D97-AF65-F5344CB8AC3E}">
-        <p14:creationId xmlns:p14="http://schemas.microsoft.com/office/powerpoint/2010/main" val="255504933"/>
+        <p14:creationId xmlns:p14="http://schemas.microsoft.com/office/powerpoint/2010/main" val="2001235484"/>
       </p:ext>
     </p:extLst>
   </p:cSld>
   <p:clrMapOvr>
     <a:masterClrMapping/>
   </p:clrMapOvr>
-  <mc:AlternateContent xmlns:mc="http://schemas.openxmlformats.org/markup-compatibility/2006">
-    <mc:Choice xmlns:p14="http://schemas.microsoft.com/office/powerpoint/2010/main" Requires="p14">
+  <mc:AlternateContent xmlns:mc="http://schemas.openxmlformats.org/markup-compatibility/2006" xmlns:p14="http://schemas.microsoft.com/office/powerpoint/2010/main">
+    <mc:Choice Requires="p14">
       <p:transition spd="slow" p14:dur="2000"/>
     </mc:Choice>
-    <mc:Fallback>
+    <mc:Fallback xmlns="">
       <p:transition spd="slow"/>
     </mc:Fallback>
   </mc:AlternateContent>
@@ -23056,14 +21960,80 @@
       </p:sp>
       <p:sp>
         <p:nvSpPr>
-          <p:cNvPr id="8" name="Rectangle 7"/>
+          <p:cNvPr id="9" name="Rectangular Callout 8"/>
           <p:cNvSpPr/>
           <p:nvPr/>
         </p:nvSpPr>
         <p:spPr>
           <a:xfrm>
-            <a:off x="465997" y="1408062"/>
-            <a:ext cx="7882680" cy="601469"/>
+            <a:off x="2568565" y="5259925"/>
+            <a:ext cx="3232033" cy="1242615"/>
+          </a:xfrm>
+          <a:prstGeom prst="wedgeRectCallout">
+            <a:avLst>
+              <a:gd name="adj1" fmla="val -26871"/>
+              <a:gd name="adj2" fmla="val -100709"/>
+            </a:avLst>
+          </a:prstGeom>
+        </p:spPr>
+        <p:style>
+          <a:lnRef idx="2">
+            <a:schemeClr val="accent1">
+              <a:shade val="50000"/>
+            </a:schemeClr>
+          </a:lnRef>
+          <a:fillRef idx="1">
+            <a:schemeClr val="accent1"/>
+          </a:fillRef>
+          <a:effectRef idx="0">
+            <a:schemeClr val="accent1"/>
+          </a:effectRef>
+          <a:fontRef idx="minor">
+            <a:schemeClr val="lt1"/>
+          </a:fontRef>
+        </p:style>
+        <p:txBody>
+          <a:bodyPr rtlCol="0" anchor="ctr"/>
+          <a:lstStyle/>
+          <a:p>
+            <a:pPr algn="ctr"/>
+            <a:r>
+              <a:rPr lang="en-US" dirty="0" smtClean="0"/>
+              <a:t>We need new labels and values each time we loop. </a:t>
+            </a:r>
+            <a:r>
+              <a:rPr lang="en-US" dirty="0" err="1" smtClean="0"/>
+              <a:t>self.get_data</a:t>
+            </a:r>
+            <a:r>
+              <a:rPr lang="en-US" dirty="0" smtClean="0"/>
+              <a:t> retrieves data from </a:t>
+            </a:r>
+            <a:r>
+              <a:rPr lang="en-US" dirty="0" err="1" smtClean="0"/>
+              <a:t>big_query</a:t>
+            </a:r>
+            <a:r>
+              <a:rPr lang="en-US" dirty="0" smtClean="0"/>
+              <a:t> for us</a:t>
+            </a:r>
+            <a:endParaRPr lang="en-US" dirty="0">
+              <a:latin typeface="Courier"/>
+              <a:cs typeface="Courier"/>
+            </a:endParaRPr>
+          </a:p>
+        </p:txBody>
+      </p:sp>
+      <p:sp>
+        <p:nvSpPr>
+          <p:cNvPr id="10" name="Rectangle 9"/>
+          <p:cNvSpPr/>
+          <p:nvPr/>
+        </p:nvSpPr>
+        <p:spPr>
+          <a:xfrm>
+            <a:off x="1326934" y="3635050"/>
+            <a:ext cx="7241271" cy="990664"/>
           </a:xfrm>
           <a:prstGeom prst="rect">
             <a:avLst/>
@@ -23095,80 +22065,14 @@
       </p:sp>
       <p:sp>
         <p:nvSpPr>
-          <p:cNvPr id="9" name="Rectangular Callout 8"/>
+          <p:cNvPr id="11" name="Rectangle 10"/>
           <p:cNvSpPr/>
           <p:nvPr/>
         </p:nvSpPr>
         <p:spPr>
           <a:xfrm>
-            <a:off x="465997" y="2353845"/>
-            <a:ext cx="3495850" cy="1216146"/>
-          </a:xfrm>
-          <a:prstGeom prst="wedgeRectCallout">
-            <a:avLst>
-              <a:gd name="adj1" fmla="val 75064"/>
-              <a:gd name="adj2" fmla="val 67752"/>
-            </a:avLst>
-          </a:prstGeom>
-        </p:spPr>
-        <p:style>
-          <a:lnRef idx="2">
-            <a:schemeClr val="accent1">
-              <a:shade val="50000"/>
-            </a:schemeClr>
-          </a:lnRef>
-          <a:fillRef idx="1">
-            <a:schemeClr val="accent1"/>
-          </a:fillRef>
-          <a:effectRef idx="0">
-            <a:schemeClr val="accent1"/>
-          </a:effectRef>
-          <a:fontRef idx="minor">
-            <a:schemeClr val="lt1"/>
-          </a:fontRef>
-        </p:style>
-        <p:txBody>
-          <a:bodyPr rtlCol="0" anchor="ctr"/>
-          <a:lstStyle/>
-          <a:p>
-            <a:pPr algn="ctr"/>
-            <a:r>
-              <a:rPr lang="en-US" dirty="0" smtClean="0"/>
-              <a:t>Note that most of the parameters to </a:t>
-            </a:r>
-            <a:r>
-              <a:rPr lang="en-US" dirty="0" err="1" smtClean="0"/>
-              <a:t>stochastic_gradient_descent</a:t>
-            </a:r>
-            <a:r>
-              <a:rPr lang="en-US" dirty="0" smtClean="0"/>
-              <a:t> are really there to support the call to </a:t>
-            </a:r>
-            <a:r>
-              <a:rPr lang="en-US" dirty="0" err="1" smtClean="0"/>
-              <a:t>get_data</a:t>
-            </a:r>
-            <a:r>
-              <a:rPr lang="en-US" dirty="0" smtClean="0"/>
-              <a:t>…</a:t>
-            </a:r>
-            <a:endParaRPr lang="en-US" dirty="0">
-              <a:latin typeface="Courier"/>
-              <a:cs typeface="Courier"/>
-            </a:endParaRPr>
-          </a:p>
-        </p:txBody>
-      </p:sp>
-      <p:sp>
-        <p:nvSpPr>
-          <p:cNvPr id="10" name="Rectangle 9"/>
-          <p:cNvSpPr/>
-          <p:nvPr/>
-        </p:nvSpPr>
-        <p:spPr>
-          <a:xfrm>
-            <a:off x="2919256" y="3816445"/>
-            <a:ext cx="5762686" cy="395523"/>
+            <a:off x="7029689" y="3842850"/>
+            <a:ext cx="1481648" cy="395523"/>
           </a:xfrm>
           <a:prstGeom prst="rect">
             <a:avLst/>
@@ -23198,21 +22102,118 @@
           </a:p>
         </p:txBody>
       </p:sp>
+      <p:sp>
+        <p:nvSpPr>
+          <p:cNvPr id="12" name="Rectangular Callout 11"/>
+          <p:cNvSpPr/>
+          <p:nvPr/>
+        </p:nvSpPr>
+        <p:spPr>
+          <a:xfrm>
+            <a:off x="5618556" y="1687249"/>
+            <a:ext cx="3232033" cy="1574238"/>
+          </a:xfrm>
+          <a:prstGeom prst="wedgeRectCallout">
+            <a:avLst>
+              <a:gd name="adj1" fmla="val 17117"/>
+              <a:gd name="adj2" fmla="val 86945"/>
+            </a:avLst>
+          </a:prstGeom>
+        </p:spPr>
+        <p:style>
+          <a:lnRef idx="2">
+            <a:schemeClr val="accent1">
+              <a:shade val="50000"/>
+            </a:schemeClr>
+          </a:lnRef>
+          <a:fillRef idx="1">
+            <a:schemeClr val="accent1"/>
+          </a:fillRef>
+          <a:effectRef idx="0">
+            <a:schemeClr val="accent1"/>
+          </a:effectRef>
+          <a:fontRef idx="minor">
+            <a:schemeClr val="lt1"/>
+          </a:fontRef>
+        </p:style>
+        <p:txBody>
+          <a:bodyPr rtlCol="0" anchor="ctr"/>
+          <a:lstStyle/>
+          <a:p>
+            <a:pPr algn="ctr"/>
+            <a:r>
+              <a:rPr lang="en-US" dirty="0" smtClean="0"/>
+              <a:t>These strings help specify details needed to make the right query on the database. </a:t>
+            </a:r>
+            <a:r>
+              <a:rPr lang="en-US" dirty="0"/>
+              <a:t>W</a:t>
+            </a:r>
+            <a:r>
+              <a:rPr lang="en-US" dirty="0" smtClean="0"/>
+              <a:t>e want an equal number of examples of each class for training. </a:t>
+            </a:r>
+            <a:endParaRPr lang="en-US" dirty="0">
+              <a:latin typeface="Courier"/>
+              <a:cs typeface="Courier"/>
+            </a:endParaRPr>
+          </a:p>
+        </p:txBody>
+      </p:sp>
+      <p:sp>
+        <p:nvSpPr>
+          <p:cNvPr id="13" name="Rectangle 12"/>
+          <p:cNvSpPr/>
+          <p:nvPr/>
+        </p:nvSpPr>
+        <p:spPr>
+          <a:xfrm>
+            <a:off x="7030441" y="4241704"/>
+            <a:ext cx="1481648" cy="395523"/>
+          </a:xfrm>
+          <a:prstGeom prst="rect">
+            <a:avLst/>
+          </a:prstGeom>
+          <a:noFill/>
+        </p:spPr>
+        <p:style>
+          <a:lnRef idx="2">
+            <a:schemeClr val="accent1"/>
+          </a:lnRef>
+          <a:fillRef idx="1">
+            <a:schemeClr val="lt1"/>
+          </a:fillRef>
+          <a:effectRef idx="0">
+            <a:schemeClr val="accent1"/>
+          </a:effectRef>
+          <a:fontRef idx="minor">
+            <a:schemeClr val="dk1"/>
+          </a:fontRef>
+        </p:style>
+        <p:txBody>
+          <a:bodyPr rtlCol="0" anchor="ctr"/>
+          <a:lstStyle/>
+          <a:p>
+            <a:pPr algn="ctr"/>
+            <a:endParaRPr lang="en-US"/>
+          </a:p>
+        </p:txBody>
+      </p:sp>
     </p:spTree>
     <p:extLst>
       <p:ext uri="{BB962C8B-B14F-4D97-AF65-F5344CB8AC3E}">
-        <p14:creationId xmlns:p14="http://schemas.microsoft.com/office/powerpoint/2010/main" val="1603070526"/>
+        <p14:creationId xmlns:p14="http://schemas.microsoft.com/office/powerpoint/2010/main" val="255504933"/>
       </p:ext>
     </p:extLst>
   </p:cSld>
   <p:clrMapOvr>
     <a:masterClrMapping/>
   </p:clrMapOvr>
-  <mc:AlternateContent xmlns:mc="http://schemas.openxmlformats.org/markup-compatibility/2006">
-    <mc:Choice xmlns:p14="http://schemas.microsoft.com/office/powerpoint/2010/main" Requires="p14">
+  <mc:AlternateContent xmlns:mc="http://schemas.openxmlformats.org/markup-compatibility/2006" xmlns:p14="http://schemas.microsoft.com/office/powerpoint/2010/main">
+    <mc:Choice Requires="p14">
       <p:transition spd="slow" p14:dur="2000"/>
     </mc:Choice>
-    <mc:Fallback>
+    <mc:Fallback xmlns="">
       <p:transition spd="slow"/>
     </mc:Fallback>
   </mc:AlternateContent>
@@ -24228,14 +23229,14 @@
       </p:sp>
       <p:sp>
         <p:nvSpPr>
-          <p:cNvPr id="10" name="Rectangle 9"/>
+          <p:cNvPr id="8" name="Rectangle 7"/>
           <p:cNvSpPr/>
           <p:nvPr/>
         </p:nvSpPr>
         <p:spPr>
           <a:xfrm>
-            <a:off x="1107406" y="5255422"/>
-            <a:ext cx="7070341" cy="621510"/>
+            <a:off x="465997" y="1408062"/>
+            <a:ext cx="7882680" cy="601469"/>
           </a:xfrm>
           <a:prstGeom prst="rect">
             <a:avLst/>
@@ -24267,19 +23268,19 @@
       </p:sp>
       <p:sp>
         <p:nvSpPr>
-          <p:cNvPr id="12" name="Rectangular Callout 11"/>
+          <p:cNvPr id="9" name="Rectangular Callout 8"/>
           <p:cNvSpPr/>
           <p:nvPr/>
         </p:nvSpPr>
         <p:spPr>
           <a:xfrm>
-            <a:off x="4557008" y="3943231"/>
-            <a:ext cx="3232033" cy="948630"/>
+            <a:off x="465997" y="2353845"/>
+            <a:ext cx="3495850" cy="1216146"/>
           </a:xfrm>
           <a:prstGeom prst="wedgeRectCallout">
             <a:avLst>
-              <a:gd name="adj1" fmla="val 17117"/>
-              <a:gd name="adj2" fmla="val 86945"/>
+              <a:gd name="adj1" fmla="val 75064"/>
+              <a:gd name="adj2" fmla="val 67752"/>
             </a:avLst>
           </a:prstGeom>
         </p:spPr>
@@ -24306,7 +23307,23 @@
             <a:pPr algn="ctr"/>
             <a:r>
               <a:rPr lang="en-US" dirty="0" smtClean="0"/>
-              <a:t>Here we call good old regular gradient descent to produce a set of weights for the features</a:t>
+              <a:t>Note that most of the parameters to </a:t>
+            </a:r>
+            <a:r>
+              <a:rPr lang="en-US" dirty="0" err="1" smtClean="0"/>
+              <a:t>stochastic_gradient_descent</a:t>
+            </a:r>
+            <a:r>
+              <a:rPr lang="en-US" dirty="0" smtClean="0"/>
+              <a:t> are really there to support the call to </a:t>
+            </a:r>
+            <a:r>
+              <a:rPr lang="en-US" dirty="0" err="1" smtClean="0"/>
+              <a:t>get_data</a:t>
+            </a:r>
+            <a:r>
+              <a:rPr lang="en-US" dirty="0" smtClean="0"/>
+              <a:t>…</a:t>
             </a:r>
             <a:endParaRPr lang="en-US" dirty="0">
               <a:latin typeface="Courier"/>
@@ -24315,21 +23332,60 @@
           </a:p>
         </p:txBody>
       </p:sp>
+      <p:sp>
+        <p:nvSpPr>
+          <p:cNvPr id="10" name="Rectangle 9"/>
+          <p:cNvSpPr/>
+          <p:nvPr/>
+        </p:nvSpPr>
+        <p:spPr>
+          <a:xfrm>
+            <a:off x="2919256" y="3816445"/>
+            <a:ext cx="5762686" cy="395523"/>
+          </a:xfrm>
+          <a:prstGeom prst="rect">
+            <a:avLst/>
+          </a:prstGeom>
+          <a:noFill/>
+        </p:spPr>
+        <p:style>
+          <a:lnRef idx="2">
+            <a:schemeClr val="accent1"/>
+          </a:lnRef>
+          <a:fillRef idx="1">
+            <a:schemeClr val="lt1"/>
+          </a:fillRef>
+          <a:effectRef idx="0">
+            <a:schemeClr val="accent1"/>
+          </a:effectRef>
+          <a:fontRef idx="minor">
+            <a:schemeClr val="dk1"/>
+          </a:fontRef>
+        </p:style>
+        <p:txBody>
+          <a:bodyPr rtlCol="0" anchor="ctr"/>
+          <a:lstStyle/>
+          <a:p>
+            <a:pPr algn="ctr"/>
+            <a:endParaRPr lang="en-US"/>
+          </a:p>
+        </p:txBody>
+      </p:sp>
     </p:spTree>
     <p:extLst>
       <p:ext uri="{BB962C8B-B14F-4D97-AF65-F5344CB8AC3E}">
-        <p14:creationId xmlns:p14="http://schemas.microsoft.com/office/powerpoint/2010/main" val="488642877"/>
+        <p14:creationId xmlns:p14="http://schemas.microsoft.com/office/powerpoint/2010/main" val="1603070526"/>
       </p:ext>
     </p:extLst>
   </p:cSld>
   <p:clrMapOvr>
     <a:masterClrMapping/>
   </p:clrMapOvr>
-  <mc:AlternateContent xmlns:mc="http://schemas.openxmlformats.org/markup-compatibility/2006">
-    <mc:Choice xmlns:p14="http://schemas.microsoft.com/office/powerpoint/2010/main" Requires="p14">
+  <mc:AlternateContent xmlns:mc="http://schemas.openxmlformats.org/markup-compatibility/2006" xmlns:p14="http://schemas.microsoft.com/office/powerpoint/2010/main">
+    <mc:Choice Requires="p14">
       <p:transition spd="slow" p14:dur="2000"/>
     </mc:Choice>
-    <mc:Fallback>
+    <mc:Fallback xmlns="">
       <p:transition spd="slow"/>
     </mc:Fallback>
   </mc:AlternateContent>
@@ -25351,8 +24407,8 @@
         </p:nvSpPr>
         <p:spPr>
           <a:xfrm>
-            <a:off x="1107406" y="5876932"/>
-            <a:ext cx="7070341" cy="338327"/>
+            <a:off x="1107406" y="5255422"/>
+            <a:ext cx="7070341" cy="621510"/>
           </a:xfrm>
           <a:prstGeom prst="rect">
             <a:avLst/>
@@ -25390,7 +24446,7 @@
         </p:nvSpPr>
         <p:spPr>
           <a:xfrm>
-            <a:off x="4419600" y="4572000"/>
+            <a:off x="4557008" y="3943231"/>
             <a:ext cx="3232033" cy="948630"/>
           </a:xfrm>
           <a:prstGeom prst="wedgeRectCallout">
@@ -25423,7 +24479,7 @@
             <a:pPr algn="ctr"/>
             <a:r>
               <a:rPr lang="en-US" dirty="0" smtClean="0"/>
-              <a:t>Lastly we construct a function that can take an example and make a prediction from it</a:t>
+              <a:t>Here we call good old regular gradient descent to produce a set of weights for the features</a:t>
             </a:r>
             <a:endParaRPr lang="en-US" dirty="0">
               <a:latin typeface="Courier"/>
@@ -25435,18 +24491,18 @@
     </p:spTree>
     <p:extLst>
       <p:ext uri="{BB962C8B-B14F-4D97-AF65-F5344CB8AC3E}">
-        <p14:creationId xmlns:p14="http://schemas.microsoft.com/office/powerpoint/2010/main" val="499275432"/>
+        <p14:creationId xmlns:p14="http://schemas.microsoft.com/office/powerpoint/2010/main" val="488642877"/>
       </p:ext>
     </p:extLst>
   </p:cSld>
   <p:clrMapOvr>
     <a:masterClrMapping/>
   </p:clrMapOvr>
-  <mc:AlternateContent xmlns:mc="http://schemas.openxmlformats.org/markup-compatibility/2006">
-    <mc:Choice xmlns:p14="http://schemas.microsoft.com/office/powerpoint/2010/main" Requires="p14">
+  <mc:AlternateContent xmlns:mc="http://schemas.openxmlformats.org/markup-compatibility/2006" xmlns:p14="http://schemas.microsoft.com/office/powerpoint/2010/main">
+    <mc:Choice Requires="p14">
       <p:transition spd="slow" p14:dur="2000"/>
     </mc:Choice>
-    <mc:Fallback>
+    <mc:Fallback xmlns="">
       <p:transition spd="slow"/>
     </mc:Fallback>
   </mc:AlternateContent>
@@ -25541,7 +24597,7 @@
           <a:p>
             <a:r>
               <a:rPr lang="en-US" dirty="0" smtClean="0"/>
-              <a:t>Applying the model</a:t>
+              <a:t>Stochastic Version</a:t>
             </a:r>
             <a:endParaRPr lang="en-US" dirty="0"/>
           </a:p>
@@ -25571,74 +24627,271 @@
               <a:buNone/>
             </a:pPr>
             <a:r>
+              <a:rPr lang="en-US" sz="1400" dirty="0" err="1" smtClean="0">
+                <a:latin typeface="Courier"/>
+                <a:cs typeface="Courier"/>
+              </a:rPr>
+              <a:t>def</a:t>
+            </a:r>
+            <a:r>
               <a:rPr lang="en-US" sz="1400" dirty="0" smtClean="0">
                 <a:latin typeface="Courier"/>
                 <a:cs typeface="Courier"/>
               </a:rPr>
-              <a:t>weights</a:t>
+              <a:t> </a:t>
+            </a:r>
+            <a:r>
+              <a:rPr lang="en-US" sz="1400" dirty="0" err="1">
+                <a:latin typeface="Courier"/>
+                <a:cs typeface="Courier"/>
+              </a:rPr>
+              <a:t>stochastic_gradient_descent</a:t>
             </a:r>
             <a:r>
               <a:rPr lang="en-US" sz="1400" dirty="0">
                 <a:latin typeface="Courier"/>
                 <a:cs typeface="Courier"/>
               </a:rPr>
+              <a:t>(self, features, predict, </a:t>
+            </a:r>
+            <a:r>
+              <a:rPr lang="en-US" sz="1400" dirty="0" err="1">
+                <a:latin typeface="Courier"/>
+                <a:cs typeface="Courier"/>
+              </a:rPr>
+              <a:t>prediction_test</a:t>
+            </a:r>
+            <a:r>
+              <a:rPr lang="en-US" sz="1400" dirty="0" smtClean="0">
+                <a:latin typeface="Courier"/>
+                <a:cs typeface="Courier"/>
+              </a:rPr>
               <a:t>, </a:t>
             </a:r>
+            <a:br>
+              <a:rPr lang="en-US" sz="1400" dirty="0" smtClean="0">
+                <a:latin typeface="Courier"/>
+                <a:cs typeface="Courier"/>
+              </a:rPr>
+            </a:br>
+            <a:r>
+              <a:rPr lang="en-US" sz="1400" dirty="0" smtClean="0">
+                <a:latin typeface="Courier"/>
+                <a:cs typeface="Courier"/>
+              </a:rPr>
+              <a:t>	</a:t>
+            </a:r>
+            <a:r>
+              <a:rPr lang="en-US" sz="1400" dirty="0" err="1" smtClean="0">
+                <a:latin typeface="Courier"/>
+                <a:cs typeface="Courier"/>
+              </a:rPr>
+              <a:t>zeros_string</a:t>
+            </a:r>
+            <a:r>
+              <a:rPr lang="en-US" sz="1400" dirty="0">
+                <a:latin typeface="Courier"/>
+                <a:cs typeface="Courier"/>
+              </a:rPr>
+              <a:t>, </a:t>
+            </a:r>
             <a:r>
               <a:rPr lang="en-US" sz="1400" dirty="0" err="1">
                 <a:latin typeface="Courier"/>
                 <a:cs typeface="Courier"/>
               </a:rPr>
-              <a:t>regression_model</a:t>
+              <a:t>ones_string</a:t>
             </a:r>
             <a:r>
               <a:rPr lang="en-US" sz="1400" dirty="0">
                 <a:latin typeface="Courier"/>
                 <a:cs typeface="Courier"/>
               </a:rPr>
-              <a:t> = </a:t>
+              <a:t>, batch=10)</a:t>
+            </a:r>
+            <a:r>
+              <a:rPr lang="en-US" sz="1400" dirty="0" smtClean="0">
+                <a:latin typeface="Courier"/>
+                <a:cs typeface="Courier"/>
+              </a:rPr>
+              <a:t>:</a:t>
+            </a:r>
+          </a:p>
+          <a:p>
+            <a:pPr marL="0" indent="0">
+              <a:buNone/>
+            </a:pPr>
+            <a:r>
+              <a:rPr lang="en-US" sz="1400" dirty="0">
+                <a:latin typeface="Courier"/>
+                <a:cs typeface="Courier"/>
+              </a:rPr>
+              <a:t>	</a:t>
+            </a:r>
+            <a:r>
+              <a:rPr lang="en-US" sz="1400" dirty="0" smtClean="0">
+                <a:latin typeface="Courier"/>
+                <a:cs typeface="Courier"/>
+              </a:rPr>
+              <a:t>weights </a:t>
+            </a:r>
+            <a:r>
+              <a:rPr lang="en-US" sz="1400" dirty="0">
+                <a:latin typeface="Courier"/>
+                <a:cs typeface="Courier"/>
+              </a:rPr>
+              <a:t>= </a:t>
             </a:r>
             <a:r>
               <a:rPr lang="en-US" sz="1400" dirty="0" err="1">
                 <a:latin typeface="Courier"/>
                 <a:cs typeface="Courier"/>
               </a:rPr>
-              <a:t>self.stochastic_gradient_descent</a:t>
+              <a:t>np.random.random</a:t>
             </a:r>
             <a:r>
               <a:rPr lang="en-US" sz="1400" dirty="0">
                 <a:latin typeface="Courier"/>
                 <a:cs typeface="Courier"/>
               </a:rPr>
-              <a:t>(features, predict, self.apgar_1min_test, </a:t>
+              <a:t>(</a:t>
             </a:r>
             <a:r>
               <a:rPr lang="en-US" sz="1400" dirty="0" err="1">
                 <a:latin typeface="Courier"/>
                 <a:cs typeface="Courier"/>
               </a:rPr>
-              <a:t>zeros_string</a:t>
+              <a:t>len</a:t>
             </a:r>
             <a:r>
               <a:rPr lang="en-US" sz="1400" dirty="0">
                 <a:latin typeface="Courier"/>
                 <a:cs typeface="Courier"/>
               </a:rPr>
-              <a:t>, </a:t>
+              <a:t>(features)+1)</a:t>
+            </a:r>
+          </a:p>
+          <a:p>
+            <a:pPr marL="0" indent="0">
+              <a:buNone/>
+            </a:pPr>
+            <a:r>
+              <a:rPr lang="en-US" sz="1400" b="1" dirty="0">
+                <a:latin typeface="Courier"/>
+                <a:cs typeface="Courier"/>
+              </a:rPr>
+              <a:t>   </a:t>
+            </a:r>
+            <a:r>
+              <a:rPr lang="en-US" sz="1400" b="1" dirty="0" smtClean="0">
+                <a:latin typeface="Courier"/>
+                <a:cs typeface="Courier"/>
+              </a:rPr>
+              <a:t>	# Technically</a:t>
+            </a:r>
+            <a:r>
+              <a:rPr lang="en-US" sz="1400" b="1" dirty="0">
+                <a:latin typeface="Courier"/>
+                <a:cs typeface="Courier"/>
+              </a:rPr>
+              <a:t>, we would do only one </a:t>
+            </a:r>
+            <a:r>
+              <a:rPr lang="en-US" sz="1400" b="1" dirty="0" smtClean="0">
+                <a:latin typeface="Courier"/>
+                <a:cs typeface="Courier"/>
+              </a:rPr>
+              <a:t>x</a:t>
+            </a:r>
+            <a:r>
+              <a:rPr lang="en-US" sz="1400" b="1" dirty="0">
+                <a:latin typeface="Courier"/>
+                <a:cs typeface="Courier"/>
+              </a:rPr>
+              <a:t> </a:t>
+            </a:r>
+            <a:r>
+              <a:rPr lang="en-US" sz="1400" b="1" dirty="0" smtClean="0">
+                <a:latin typeface="Courier"/>
+                <a:cs typeface="Courier"/>
+              </a:rPr>
+              <a:t>at </a:t>
+            </a:r>
+            <a:r>
+              <a:rPr lang="en-US" sz="1400" b="1" dirty="0">
+                <a:latin typeface="Courier"/>
+                <a:cs typeface="Courier"/>
+              </a:rPr>
+              <a:t>each round, but we can load subsets of the data and do multiple </a:t>
+            </a:r>
+            <a:r>
+              <a:rPr lang="en-US" sz="1400" b="1" dirty="0" smtClean="0">
+                <a:latin typeface="Courier"/>
+                <a:cs typeface="Courier"/>
+              </a:rPr>
+              <a:t>rows at each </a:t>
+            </a:r>
+            <a:r>
+              <a:rPr lang="en-US" sz="1400" b="1" dirty="0">
+                <a:latin typeface="Courier"/>
+                <a:cs typeface="Courier"/>
+              </a:rPr>
+              <a:t>round. _MAX_ROWS determines how much data is loaded at </a:t>
+            </a:r>
+            <a:r>
+              <a:rPr lang="en-US" sz="1400" b="1" dirty="0" smtClean="0">
+                <a:latin typeface="Courier"/>
+                <a:cs typeface="Courier"/>
+              </a:rPr>
+              <a:t>each iteration.</a:t>
+            </a:r>
+            <a:br>
+              <a:rPr lang="en-US" sz="1400" b="1" dirty="0" smtClean="0">
+                <a:latin typeface="Courier"/>
+                <a:cs typeface="Courier"/>
+              </a:rPr>
+            </a:br>
+            <a:r>
+              <a:rPr lang="en-US" sz="1400" dirty="0" smtClean="0">
+                <a:latin typeface="Courier"/>
+                <a:cs typeface="Courier"/>
+              </a:rPr>
+              <a:t>	for </a:t>
             </a:r>
             <a:r>
               <a:rPr lang="en-US" sz="1400" dirty="0" err="1">
                 <a:latin typeface="Courier"/>
                 <a:cs typeface="Courier"/>
               </a:rPr>
-              <a:t>ones_string</a:t>
+              <a:t>i</a:t>
+            </a:r>
+            <a:r>
+              <a:rPr lang="en-US" sz="1400" dirty="0">
+                <a:latin typeface="Courier"/>
+                <a:cs typeface="Courier"/>
+              </a:rPr>
+              <a:t> in </a:t>
+            </a:r>
+            <a:r>
+              <a:rPr lang="en-US" sz="1400" dirty="0" err="1">
+                <a:latin typeface="Courier"/>
+                <a:cs typeface="Courier"/>
+              </a:rPr>
+              <a:t>xrange</a:t>
+            </a:r>
+            <a:r>
+              <a:rPr lang="en-US" sz="1400" dirty="0">
+                <a:latin typeface="Courier"/>
+                <a:cs typeface="Courier"/>
+              </a:rPr>
+              <a:t>(batch)</a:t>
             </a:r>
             <a:r>
               <a:rPr lang="en-US" sz="1400" dirty="0" smtClean="0">
                 <a:latin typeface="Courier"/>
                 <a:cs typeface="Courier"/>
               </a:rPr>
-              <a:t>)</a:t>
+              <a:t>:</a:t>
             </a:r>
             <a:endParaRPr lang="en-US" sz="1400" dirty="0">
               <a:latin typeface="Courier"/>
@@ -25654,56 +24907,35 @@
                 <a:latin typeface="Courier"/>
                 <a:cs typeface="Courier"/>
               </a:rPr>
-              <a:t># </a:t>
-            </a:r>
-            <a:r>
-              <a:rPr lang="en-US" sz="1400" b="1" dirty="0" err="1">
-                <a:latin typeface="Courier"/>
-                <a:cs typeface="Courier"/>
-              </a:rPr>
-              <a:t>testing_X</a:t>
+              <a:t>		# </a:t>
             </a:r>
             <a:r>
               <a:rPr lang="en-US" sz="1400" b="1" dirty="0">
                 <a:latin typeface="Courier"/>
                 <a:cs typeface="Courier"/>
               </a:rPr>
-              <a:t> is the data we will use to make predictions, labels are the ground </a:t>
+              <a:t>get _MAX_ROWS of examples of bad births and good births (equal amounts of each</a:t>
             </a:r>
             <a:r>
               <a:rPr lang="en-US" sz="1400" b="1" dirty="0" smtClean="0">
                 <a:latin typeface="Courier"/>
                 <a:cs typeface="Courier"/>
               </a:rPr>
-              <a:t>truth (</a:t>
+              <a:t>). This </a:t>
             </a:r>
             <a:r>
               <a:rPr lang="en-US" sz="1400" b="1" dirty="0">
                 <a:latin typeface="Courier"/>
                 <a:cs typeface="Courier"/>
               </a:rPr>
-              <a:t>correct) y values. The test makes sure we </a:t>
+              <a:t>is so we have lots of examples of both </a:t>
             </a:r>
             <a:r>
               <a:rPr lang="en-US" sz="1400" b="1" dirty="0" smtClean="0">
                 <a:latin typeface="Courier"/>
                 <a:cs typeface="Courier"/>
               </a:rPr>
-              <a:t>are getting </a:t>
-            </a:r>
-            <a:r>
-              <a:rPr lang="en-US" sz="1400" b="1" dirty="0">
-                <a:latin typeface="Courier"/>
-                <a:cs typeface="Courier"/>
-              </a:rPr>
-              <a:t>data for which the row numbers </a:t>
-            </a:r>
-            <a:r>
-              <a:rPr lang="en-US" sz="1400" b="1" dirty="0" smtClean="0">
-                <a:latin typeface="Courier"/>
-                <a:cs typeface="Courier"/>
-              </a:rPr>
-              <a:t>are even)</a:t>
+              <a:t>types</a:t>
             </a:r>
             <a:br>
               <a:rPr lang="en-US" sz="1400" b="1" dirty="0" smtClean="0">
@@ -25712,32 +24944,39 @@
               </a:rPr>
             </a:br>
             <a:r>
+              <a:rPr lang="en-US" sz="1400" b="1" dirty="0" smtClean="0">
+                <a:latin typeface="Courier"/>
+                <a:cs typeface="Courier"/>
+              </a:rPr>
+              <a:t>		</a:t>
+            </a:r>
+            <a:r>
               <a:rPr lang="en-US" sz="1400" dirty="0" err="1" smtClean="0">
                 <a:latin typeface="Courier"/>
                 <a:cs typeface="Courier"/>
               </a:rPr>
-              <a:t>testing_X</a:t>
+              <a:t>bad_births</a:t>
             </a:r>
             <a:r>
               <a:rPr lang="en-US" sz="1400" dirty="0">
                 <a:latin typeface="Courier"/>
                 <a:cs typeface="Courier"/>
               </a:rPr>
-              <a:t>, labels = </a:t>
+              <a:t>, </a:t>
             </a:r>
             <a:r>
               <a:rPr lang="en-US" sz="1400" dirty="0" err="1">
                 <a:latin typeface="Courier"/>
                 <a:cs typeface="Courier"/>
               </a:rPr>
-              <a:t>self.get_data</a:t>
+              <a:t>bad_births_labels</a:t>
             </a:r>
             <a:r>
               <a:rPr lang="en-US" sz="1400" dirty="0">
                 <a:latin typeface="Courier"/>
                 <a:cs typeface="Courier"/>
               </a:rPr>
-              <a:t>(features, predict, </a:t>
+              <a:t> = </a:t>
             </a:r>
             <a:r>
               <a:rPr lang="en-US" sz="1400" dirty="0" smtClean="0">
@@ -25757,28 +24996,42 @@
                 <a:latin typeface="Courier"/>
                 <a:cs typeface="Courier"/>
               </a:rPr>
-              <a:t>			self.apgar_1min_test</a:t>
+              <a:t>		    </a:t>
+            </a:r>
+            <a:r>
+              <a:rPr lang="en-US" sz="1400" dirty="0" err="1" smtClean="0">
+                <a:latin typeface="Courier"/>
+                <a:cs typeface="Courier"/>
+              </a:rPr>
+              <a:t>self.get_data</a:t>
             </a:r>
             <a:r>
               <a:rPr lang="en-US" sz="1400" dirty="0">
                 <a:latin typeface="Courier"/>
                 <a:cs typeface="Courier"/>
               </a:rPr>
-              <a:t>, filter="</a:t>
+              <a:t>(features, predict, </a:t>
             </a:r>
             <a:r>
               <a:rPr lang="en-US" sz="1400" dirty="0" err="1">
                 <a:latin typeface="Courier"/>
                 <a:cs typeface="Courier"/>
               </a:rPr>
-              <a:t>row_number</a:t>
+              <a:t>prediction_test</a:t>
             </a:r>
             <a:r>
               <a:rPr lang="en-US" sz="1400" dirty="0">
                 <a:latin typeface="Courier"/>
                 <a:cs typeface="Courier"/>
               </a:rPr>
-              <a:t> % 2 = 0", limit=100</a:t>
+              <a:t>, </a:t>
+            </a:r>
+            <a:r>
+              <a:rPr lang="en-US" sz="1400" dirty="0" err="1">
+                <a:latin typeface="Courier"/>
+                <a:cs typeface="Courier"/>
+              </a:rPr>
+              <a:t>zeros_string</a:t>
             </a:r>
             <a:r>
               <a:rPr lang="en-US" sz="1400" dirty="0" smtClean="0">
@@ -25787,7 +25040,288 @@
               </a:rPr>
               <a:t>)</a:t>
             </a:r>
-            <a:endParaRPr lang="en-US" sz="1400" dirty="0">
+            <a:br>
+              <a:rPr lang="en-US" sz="1400" dirty="0" smtClean="0">
+                <a:latin typeface="Courier"/>
+                <a:cs typeface="Courier"/>
+              </a:rPr>
+            </a:br>
+            <a:r>
+              <a:rPr lang="en-US" sz="1400" dirty="0" smtClean="0">
+                <a:latin typeface="Courier"/>
+                <a:cs typeface="Courier"/>
+              </a:rPr>
+              <a:t>		</a:t>
+            </a:r>
+            <a:r>
+              <a:rPr lang="en-US" sz="1400" dirty="0" err="1" smtClean="0">
+                <a:latin typeface="Courier"/>
+                <a:cs typeface="Courier"/>
+              </a:rPr>
+              <a:t>good_births</a:t>
+            </a:r>
+            <a:r>
+              <a:rPr lang="en-US" sz="1400" dirty="0">
+                <a:latin typeface="Courier"/>
+                <a:cs typeface="Courier"/>
+              </a:rPr>
+              <a:t>, </a:t>
+            </a:r>
+            <a:r>
+              <a:rPr lang="en-US" sz="1400" dirty="0" err="1">
+                <a:latin typeface="Courier"/>
+                <a:cs typeface="Courier"/>
+              </a:rPr>
+              <a:t>good_births_labels</a:t>
+            </a:r>
+            <a:r>
+              <a:rPr lang="en-US" sz="1400" dirty="0">
+                <a:latin typeface="Courier"/>
+                <a:cs typeface="Courier"/>
+              </a:rPr>
+              <a:t> = </a:t>
+            </a:r>
+            <a:r>
+              <a:rPr lang="en-US" sz="1400" dirty="0" smtClean="0">
+                <a:latin typeface="Courier"/>
+                <a:cs typeface="Courier"/>
+              </a:rPr>
+              <a:t/>
+            </a:r>
+            <a:br>
+              <a:rPr lang="en-US" sz="1400" dirty="0" smtClean="0">
+                <a:latin typeface="Courier"/>
+                <a:cs typeface="Courier"/>
+              </a:rPr>
+            </a:br>
+            <a:r>
+              <a:rPr lang="en-US" sz="1400" dirty="0" smtClean="0">
+                <a:latin typeface="Courier"/>
+                <a:cs typeface="Courier"/>
+              </a:rPr>
+              <a:t>			</a:t>
+            </a:r>
+            <a:r>
+              <a:rPr lang="en-US" sz="1400" dirty="0" err="1" smtClean="0">
+                <a:latin typeface="Courier"/>
+                <a:cs typeface="Courier"/>
+              </a:rPr>
+              <a:t>self.get_data</a:t>
+            </a:r>
+            <a:r>
+              <a:rPr lang="en-US" sz="1400" dirty="0">
+                <a:latin typeface="Courier"/>
+                <a:cs typeface="Courier"/>
+              </a:rPr>
+              <a:t>(features, predict, </a:t>
+            </a:r>
+            <a:r>
+              <a:rPr lang="en-US" sz="1400" dirty="0" err="1">
+                <a:latin typeface="Courier"/>
+                <a:cs typeface="Courier"/>
+              </a:rPr>
+              <a:t>prediction_test</a:t>
+            </a:r>
+            <a:r>
+              <a:rPr lang="en-US" sz="1400" dirty="0">
+                <a:latin typeface="Courier"/>
+                <a:cs typeface="Courier"/>
+              </a:rPr>
+              <a:t>, </a:t>
+            </a:r>
+            <a:r>
+              <a:rPr lang="en-US" sz="1400" dirty="0" err="1">
+                <a:latin typeface="Courier"/>
+                <a:cs typeface="Courier"/>
+              </a:rPr>
+              <a:t>ones_string</a:t>
+            </a:r>
+            <a:r>
+              <a:rPr lang="en-US" sz="1400" dirty="0">
+                <a:latin typeface="Courier"/>
+                <a:cs typeface="Courier"/>
+              </a:rPr>
+              <a:t>)</a:t>
+            </a:r>
+          </a:p>
+          <a:p>
+            <a:pPr marL="0" indent="0">
+              <a:buNone/>
+            </a:pPr>
+            <a:r>
+              <a:rPr lang="en-US" sz="1400" b="1" dirty="0" smtClean="0">
+                <a:latin typeface="Courier"/>
+                <a:cs typeface="Courier"/>
+              </a:rPr>
+              <a:t>		# </a:t>
+            </a:r>
+            <a:r>
+              <a:rPr lang="en-US" sz="1400" b="1" dirty="0">
+                <a:latin typeface="Courier"/>
+                <a:cs typeface="Courier"/>
+              </a:rPr>
+              <a:t>combine them into one data </a:t>
+            </a:r>
+            <a:r>
+              <a:rPr lang="en-US" sz="1400" b="1" dirty="0" smtClean="0">
+                <a:latin typeface="Courier"/>
+                <a:cs typeface="Courier"/>
+              </a:rPr>
+              <a:t>set</a:t>
+            </a:r>
+            <a:br>
+              <a:rPr lang="en-US" sz="1400" b="1" dirty="0" smtClean="0">
+                <a:latin typeface="Courier"/>
+                <a:cs typeface="Courier"/>
+              </a:rPr>
+            </a:br>
+            <a:r>
+              <a:rPr lang="en-US" sz="1400" b="1" dirty="0" smtClean="0">
+                <a:latin typeface="Courier"/>
+                <a:cs typeface="Courier"/>
+              </a:rPr>
+              <a:t>		</a:t>
+            </a:r>
+            <a:r>
+              <a:rPr lang="en-US" sz="1400" dirty="0" err="1" smtClean="0">
+                <a:latin typeface="Courier"/>
+                <a:cs typeface="Courier"/>
+              </a:rPr>
+              <a:t>y_labels</a:t>
+            </a:r>
+            <a:r>
+              <a:rPr lang="en-US" sz="1400" dirty="0" smtClean="0">
+                <a:latin typeface="Courier"/>
+                <a:cs typeface="Courier"/>
+              </a:rPr>
+              <a:t> </a:t>
+            </a:r>
+            <a:r>
+              <a:rPr lang="en-US" sz="1400" dirty="0">
+                <a:latin typeface="Courier"/>
+                <a:cs typeface="Courier"/>
+              </a:rPr>
+              <a:t>= </a:t>
+            </a:r>
+            <a:r>
+              <a:rPr lang="en-US" sz="1400" dirty="0" err="1">
+                <a:latin typeface="Courier"/>
+                <a:cs typeface="Courier"/>
+              </a:rPr>
+              <a:t>np.concatenate</a:t>
+            </a:r>
+            <a:r>
+              <a:rPr lang="en-US" sz="1400" dirty="0">
+                <a:latin typeface="Courier"/>
+                <a:cs typeface="Courier"/>
+              </a:rPr>
+              <a:t>([</a:t>
+            </a:r>
+            <a:r>
+              <a:rPr lang="en-US" sz="1400" dirty="0" err="1">
+                <a:latin typeface="Courier"/>
+                <a:cs typeface="Courier"/>
+              </a:rPr>
+              <a:t>bad_births_labels</a:t>
+            </a:r>
+            <a:r>
+              <a:rPr lang="en-US" sz="1400" dirty="0">
+                <a:latin typeface="Courier"/>
+                <a:cs typeface="Courier"/>
+              </a:rPr>
+              <a:t>, </a:t>
+            </a:r>
+            <a:r>
+              <a:rPr lang="en-US" sz="1400" dirty="0" err="1">
+                <a:latin typeface="Courier"/>
+                <a:cs typeface="Courier"/>
+              </a:rPr>
+              <a:t>good_births_labels</a:t>
+            </a:r>
+            <a:r>
+              <a:rPr lang="en-US" sz="1400" dirty="0">
+                <a:latin typeface="Courier"/>
+                <a:cs typeface="Courier"/>
+              </a:rPr>
+              <a:t>]</a:t>
+            </a:r>
+            <a:r>
+              <a:rPr lang="en-US" sz="1400" dirty="0" smtClean="0">
+                <a:latin typeface="Courier"/>
+                <a:cs typeface="Courier"/>
+              </a:rPr>
+              <a:t>)</a:t>
+            </a:r>
+            <a:br>
+              <a:rPr lang="en-US" sz="1400" dirty="0" smtClean="0">
+                <a:latin typeface="Courier"/>
+                <a:cs typeface="Courier"/>
+              </a:rPr>
+            </a:br>
+            <a:r>
+              <a:rPr lang="en-US" sz="1400" dirty="0" smtClean="0">
+                <a:latin typeface="Courier"/>
+                <a:cs typeface="Courier"/>
+              </a:rPr>
+              <a:t>		X </a:t>
+            </a:r>
+            <a:r>
+              <a:rPr lang="en-US" sz="1400" dirty="0">
+                <a:latin typeface="Courier"/>
+                <a:cs typeface="Courier"/>
+              </a:rPr>
+              <a:t>= </a:t>
+            </a:r>
+            <a:r>
+              <a:rPr lang="en-US" sz="1400" dirty="0" err="1">
+                <a:latin typeface="Courier"/>
+                <a:cs typeface="Courier"/>
+              </a:rPr>
+              <a:t>np.concatenate</a:t>
+            </a:r>
+            <a:r>
+              <a:rPr lang="en-US" sz="1400" dirty="0">
+                <a:latin typeface="Courier"/>
+                <a:cs typeface="Courier"/>
+              </a:rPr>
+              <a:t>([</a:t>
+            </a:r>
+            <a:r>
+              <a:rPr lang="en-US" sz="1400" dirty="0" err="1">
+                <a:latin typeface="Courier"/>
+                <a:cs typeface="Courier"/>
+              </a:rPr>
+              <a:t>bad_births</a:t>
+            </a:r>
+            <a:r>
+              <a:rPr lang="en-US" sz="1400" dirty="0">
+                <a:latin typeface="Courier"/>
+                <a:cs typeface="Courier"/>
+              </a:rPr>
+              <a:t>, </a:t>
+            </a:r>
+            <a:r>
+              <a:rPr lang="en-US" sz="1400" dirty="0" err="1">
+                <a:latin typeface="Courier"/>
+                <a:cs typeface="Courier"/>
+              </a:rPr>
+              <a:t>good_births</a:t>
+            </a:r>
+            <a:r>
+              <a:rPr lang="en-US" sz="1400" dirty="0">
+                <a:latin typeface="Courier"/>
+                <a:cs typeface="Courier"/>
+              </a:rPr>
+              <a:t>]</a:t>
+            </a:r>
+            <a:r>
+              <a:rPr lang="en-US" sz="1400" dirty="0" smtClean="0">
+                <a:latin typeface="Courier"/>
+                <a:cs typeface="Courier"/>
+              </a:rPr>
+              <a:t>)</a:t>
+            </a:r>
+            <a:endParaRPr lang="en-US" sz="1400" b="1" dirty="0">
               <a:latin typeface="Courier"/>
               <a:cs typeface="Courier"/>
             </a:endParaRPr>
@@ -25801,115 +25335,119 @@
                 <a:latin typeface="Courier"/>
                 <a:cs typeface="Courier"/>
               </a:rPr>
-              <a:t># </a:t>
-            </a:r>
-            <a:r>
-              <a:rPr lang="en-US" sz="1400" b="1" dirty="0" err="1">
-                <a:latin typeface="Courier"/>
-                <a:cs typeface="Courier"/>
-              </a:rPr>
-              <a:t>apply_model</a:t>
+              <a:t>		# </a:t>
             </a:r>
             <a:r>
               <a:rPr lang="en-US" sz="1400" b="1" dirty="0">
                 <a:latin typeface="Courier"/>
                 <a:cs typeface="Courier"/>
               </a:rPr>
-              <a:t> can apply any model (a model is just a function that can predict a value</a:t>
+              <a:t>the resulting </a:t>
             </a:r>
             <a:r>
               <a:rPr lang="en-US" sz="1400" b="1" dirty="0" smtClean="0">
                 <a:latin typeface="Courier"/>
                 <a:cs typeface="Courier"/>
               </a:rPr>
-              <a:t>). it </a:t>
-            </a:r>
-            <a:r>
-              <a:rPr lang="en-US" sz="1400" b="1" dirty="0">
-                <a:latin typeface="Courier"/>
-                <a:cs typeface="Courier"/>
-              </a:rPr>
-              <a:t>returns an accuracy</a:t>
-            </a:r>
+              <a:t>weights</a:t>
+            </a:r>
+            <a:br>
+              <a:rPr lang="en-US" sz="1400" b="1" dirty="0" smtClean="0">
+                <a:latin typeface="Courier"/>
+                <a:cs typeface="Courier"/>
+              </a:rPr>
+            </a:br>
+            <a:r>
+              <a:rPr lang="en-US" sz="1400" b="1" dirty="0" smtClean="0">
+                <a:latin typeface="Courier"/>
+                <a:cs typeface="Courier"/>
+              </a:rPr>
+              <a:t>		</a:t>
+            </a:r>
+            <a:r>
+              <a:rPr lang="en-US" sz="1400" dirty="0" smtClean="0">
+                <a:latin typeface="Courier"/>
+                <a:cs typeface="Courier"/>
+              </a:rPr>
+              <a:t>weights </a:t>
+            </a:r>
+            <a:r>
+              <a:rPr lang="en-US" sz="1400" dirty="0">
+                <a:latin typeface="Courier"/>
+                <a:cs typeface="Courier"/>
+              </a:rPr>
+              <a:t>= </a:t>
+            </a:r>
+            <a:r>
+              <a:rPr lang="en-US" sz="1400" dirty="0" err="1">
+                <a:latin typeface="Courier"/>
+                <a:cs typeface="Courier"/>
+              </a:rPr>
+              <a:t>self.gradient_descent</a:t>
+            </a:r>
+            <a:r>
+              <a:rPr lang="en-US" sz="1400" dirty="0">
+                <a:latin typeface="Courier"/>
+                <a:cs typeface="Courier"/>
+              </a:rPr>
+              <a:t>(weights, X, </a:t>
+            </a:r>
+            <a:r>
+              <a:rPr lang="en-US" sz="1400" dirty="0" err="1">
+                <a:latin typeface="Courier"/>
+                <a:cs typeface="Courier"/>
+              </a:rPr>
+              <a:t>y_labels</a:t>
+            </a:r>
+            <a:r>
+              <a:rPr lang="en-US" sz="1400" dirty="0" smtClean="0">
+                <a:latin typeface="Courier"/>
+                <a:cs typeface="Courier"/>
+              </a:rPr>
+              <a:t>)</a:t>
+            </a:r>
+            <a:endParaRPr lang="en-US" sz="1400" b="1" dirty="0">
+              <a:latin typeface="Courier"/>
+              <a:cs typeface="Courier"/>
+            </a:endParaRPr>
           </a:p>
           <a:p>
             <a:pPr marL="0" indent="0">
               <a:buNone/>
             </a:pPr>
             <a:r>
-              <a:rPr lang="en-US" sz="1400" dirty="0" err="1" smtClean="0">
-                <a:latin typeface="Courier"/>
-                <a:cs typeface="Courier"/>
-              </a:rPr>
-              <a:t>regression_accuracy</a:t>
+              <a:rPr lang="en-US" sz="1400" b="1" dirty="0" smtClean="0">
+                <a:latin typeface="Courier"/>
+                <a:cs typeface="Courier"/>
+              </a:rPr>
+              <a:t>		</a:t>
             </a:r>
             <a:r>
               <a:rPr lang="en-US" sz="1400" dirty="0" smtClean="0">
                 <a:latin typeface="Courier"/>
                 <a:cs typeface="Courier"/>
               </a:rPr>
-              <a:t> </a:t>
+              <a:t>model </a:t>
             </a:r>
             <a:r>
               <a:rPr lang="en-US" sz="1400" dirty="0">
                 <a:latin typeface="Courier"/>
                 <a:cs typeface="Courier"/>
               </a:rPr>
-              <a:t>= </a:t>
-            </a:r>
-            <a:r>
-              <a:rPr lang="en-US" sz="1400" dirty="0" err="1">
-                <a:latin typeface="Courier"/>
-                <a:cs typeface="Courier"/>
-              </a:rPr>
-              <a:t>self.apply_model</a:t>
-            </a:r>
+              <a:t>= lambda x: 1-self.loss_func(x, weights)&lt;.5</a:t>
+            </a:r>
+          </a:p>
+          <a:p>
+            <a:pPr marL="0" indent="0">
+              <a:buNone/>
+            </a:pPr>
             <a:r>
               <a:rPr lang="en-US" sz="1400" dirty="0">
                 <a:latin typeface="Courier"/>
                 <a:cs typeface="Courier"/>
               </a:rPr>
-              <a:t>(</a:t>
-            </a:r>
-            <a:r>
-              <a:rPr lang="en-US" sz="1400" dirty="0" err="1">
-                <a:latin typeface="Courier"/>
-                <a:cs typeface="Courier"/>
-              </a:rPr>
-              <a:t>regression_model</a:t>
-            </a:r>
-            <a:r>
-              <a:rPr lang="en-US" sz="1400" dirty="0">
-                <a:latin typeface="Courier"/>
-                <a:cs typeface="Courier"/>
-              </a:rPr>
-              <a:t>, </a:t>
-            </a:r>
-            <a:r>
-              <a:rPr lang="en-US" sz="1400" dirty="0" err="1">
-                <a:latin typeface="Courier"/>
-                <a:cs typeface="Courier"/>
-              </a:rPr>
-              <a:t>testing_X</a:t>
-            </a:r>
-            <a:r>
-              <a:rPr lang="en-US" sz="1400" dirty="0">
-                <a:latin typeface="Courier"/>
-                <a:cs typeface="Courier"/>
-              </a:rPr>
-              <a:t>, labels</a:t>
-            </a:r>
-            <a:r>
-              <a:rPr lang="en-US" sz="1400" dirty="0" smtClean="0">
-                <a:latin typeface="Courier"/>
-                <a:cs typeface="Courier"/>
-              </a:rPr>
-              <a:t>)</a:t>
-            </a:r>
-            <a:endParaRPr lang="en-US" sz="1400" dirty="0">
-              <a:latin typeface="Courier"/>
-              <a:cs typeface="Courier"/>
-            </a:endParaRPr>
+              <a:t>        return weights, model</a:t>
+            </a:r>
           </a:p>
         </p:txBody>
       </p:sp>
@@ -25986,8 +25524,8 @@
         </p:nvSpPr>
         <p:spPr>
           <a:xfrm>
-            <a:off x="440341" y="1459753"/>
-            <a:ext cx="8575741" cy="511862"/>
+            <a:off x="1107406" y="5876932"/>
+            <a:ext cx="7070341" cy="338327"/>
           </a:xfrm>
           <a:prstGeom prst="rect">
             <a:avLst/>
@@ -26025,13 +25563,13 @@
         </p:nvSpPr>
         <p:spPr>
           <a:xfrm>
-            <a:off x="2667000" y="2593959"/>
+            <a:off x="4419600" y="4572000"/>
             <a:ext cx="3232033" cy="948630"/>
           </a:xfrm>
           <a:prstGeom prst="wedgeRectCallout">
             <a:avLst>
-              <a:gd name="adj1" fmla="val -3411"/>
-              <a:gd name="adj2" fmla="val -100909"/>
+              <a:gd name="adj1" fmla="val 17117"/>
+              <a:gd name="adj2" fmla="val 86945"/>
             </a:avLst>
           </a:prstGeom>
         </p:spPr>
@@ -26058,15 +25596,7 @@
             <a:pPr algn="ctr"/>
             <a:r>
               <a:rPr lang="en-US" dirty="0" smtClean="0"/>
-              <a:t>Call </a:t>
-            </a:r>
-            <a:r>
-              <a:rPr lang="en-US" dirty="0" err="1" smtClean="0"/>
-              <a:t>stochastic_gradient_descent</a:t>
-            </a:r>
-            <a:r>
-              <a:rPr lang="en-US" dirty="0" smtClean="0"/>
-              <a:t> to train the model. Recall that it returns a function (the model)</a:t>
+              <a:t>Lastly we construct a function that can take an example and make a prediction from it</a:t>
             </a:r>
             <a:endParaRPr lang="en-US" dirty="0">
               <a:latin typeface="Courier"/>
@@ -26078,18 +25608,18 @@
     </p:spTree>
     <p:extLst>
       <p:ext uri="{BB962C8B-B14F-4D97-AF65-F5344CB8AC3E}">
-        <p14:creationId xmlns:p14="http://schemas.microsoft.com/office/powerpoint/2010/main" val="2146418073"/>
+        <p14:creationId xmlns:p14="http://schemas.microsoft.com/office/powerpoint/2010/main" val="499275432"/>
       </p:ext>
     </p:extLst>
   </p:cSld>
   <p:clrMapOvr>
     <a:masterClrMapping/>
   </p:clrMapOvr>
-  <mc:AlternateContent xmlns:mc="http://schemas.openxmlformats.org/markup-compatibility/2006">
-    <mc:Choice xmlns:p14="http://schemas.microsoft.com/office/powerpoint/2010/main" Requires="p14">
+  <mc:AlternateContent xmlns:mc="http://schemas.openxmlformats.org/markup-compatibility/2006" xmlns:p14="http://schemas.microsoft.com/office/powerpoint/2010/main">
+    <mc:Choice Requires="p14">
       <p:transition spd="slow" p14:dur="2000"/>
     </mc:Choice>
-    <mc:Fallback>
+    <mc:Fallback xmlns="">
       <p:transition spd="slow"/>
     </mc:Fallback>
   </mc:AlternateContent>
@@ -26168,20 +25698,11 @@
               <a:rPr lang="en-US" dirty="0" smtClean="0"/>
               <a:t>Quiz</a:t>
             </a:r>
-            <a:endParaRPr lang="en-US" dirty="0" smtClean="0"/>
           </a:p>
           <a:p>
             <a:r>
               <a:rPr lang="en-US" dirty="0" smtClean="0"/>
-              <a:t>Talk </a:t>
-            </a:r>
-            <a:r>
-              <a:rPr lang="en-US" dirty="0" smtClean="0"/>
-              <a:t>about big data machine </a:t>
-            </a:r>
-            <a:r>
-              <a:rPr lang="en-US" dirty="0" smtClean="0"/>
-              <a:t>learning</a:t>
+              <a:t>Talk about big data machine learning</a:t>
             </a:r>
           </a:p>
           <a:p>
@@ -26189,7 +25710,6 @@
               <a:rPr lang="en-US" dirty="0" smtClean="0"/>
               <a:t>Integrating ML into interactive systems</a:t>
             </a:r>
-            <a:endParaRPr lang="en-US" dirty="0" smtClean="0"/>
           </a:p>
           <a:p>
             <a:endParaRPr lang="en-US" dirty="0"/>
@@ -26807,8 +26327,8 @@
         </p:nvSpPr>
         <p:spPr>
           <a:xfrm>
-            <a:off x="440342" y="2673056"/>
-            <a:ext cx="8165776" cy="511862"/>
+            <a:off x="440341" y="1459753"/>
+            <a:ext cx="8575741" cy="511862"/>
           </a:xfrm>
           <a:prstGeom prst="rect">
             <a:avLst/>
@@ -26846,8 +26366,8 @@
         </p:nvSpPr>
         <p:spPr>
           <a:xfrm>
-            <a:off x="2667000" y="3790306"/>
-            <a:ext cx="3232033" cy="1233524"/>
+            <a:off x="2667000" y="2593959"/>
+            <a:ext cx="3232033" cy="948630"/>
           </a:xfrm>
           <a:prstGeom prst="wedgeRectCallout">
             <a:avLst>
@@ -26879,7 +26399,15 @@
             <a:pPr algn="ctr"/>
             <a:r>
               <a:rPr lang="en-US" dirty="0" smtClean="0"/>
-              <a:t>Here we need to cerate a test set. We use the even row numbers for our filter</a:t>
+              <a:t>Call </a:t>
+            </a:r>
+            <a:r>
+              <a:rPr lang="en-US" dirty="0" err="1" smtClean="0"/>
+              <a:t>stochastic_gradient_descent</a:t>
+            </a:r>
+            <a:r>
+              <a:rPr lang="en-US" dirty="0" smtClean="0"/>
+              <a:t> to train the model. Recall that it returns a function (the model)</a:t>
             </a:r>
             <a:endParaRPr lang="en-US" dirty="0">
               <a:latin typeface="Courier"/>
@@ -26891,18 +26419,18 @@
     </p:spTree>
     <p:extLst>
       <p:ext uri="{BB962C8B-B14F-4D97-AF65-F5344CB8AC3E}">
-        <p14:creationId xmlns:p14="http://schemas.microsoft.com/office/powerpoint/2010/main" val="1616920182"/>
+        <p14:creationId xmlns:p14="http://schemas.microsoft.com/office/powerpoint/2010/main" val="2146418073"/>
       </p:ext>
     </p:extLst>
   </p:cSld>
   <p:clrMapOvr>
     <a:masterClrMapping/>
   </p:clrMapOvr>
-  <mc:AlternateContent xmlns:mc="http://schemas.openxmlformats.org/markup-compatibility/2006">
-    <mc:Choice xmlns:p14="http://schemas.microsoft.com/office/powerpoint/2010/main" Requires="p14">
+  <mc:AlternateContent xmlns:mc="http://schemas.openxmlformats.org/markup-compatibility/2006" xmlns:p14="http://schemas.microsoft.com/office/powerpoint/2010/main">
+    <mc:Choice Requires="p14">
       <p:transition spd="slow" p14:dur="2000"/>
     </mc:Choice>
-    <mc:Fallback>
+    <mc:Fallback xmlns="">
       <p:transition spd="slow"/>
     </mc:Fallback>
   </mc:AlternateContent>
@@ -27442,7 +26970,7 @@
         </p:nvSpPr>
         <p:spPr>
           <a:xfrm>
-            <a:off x="440342" y="3658864"/>
+            <a:off x="440342" y="2673056"/>
             <a:ext cx="8165776" cy="511862"/>
           </a:xfrm>
           <a:prstGeom prst="rect">
@@ -27481,8 +27009,8 @@
         </p:nvSpPr>
         <p:spPr>
           <a:xfrm>
-            <a:off x="2401613" y="4944322"/>
-            <a:ext cx="3816023" cy="1558219"/>
+            <a:off x="2667000" y="3790306"/>
+            <a:ext cx="3232033" cy="1233524"/>
           </a:xfrm>
           <a:prstGeom prst="wedgeRectCallout">
             <a:avLst>
@@ -27514,23 +27042,7 @@
             <a:pPr algn="ctr"/>
             <a:r>
               <a:rPr lang="en-US" dirty="0" smtClean="0"/>
-              <a:t>Here we apply the model to the test set using </a:t>
-            </a:r>
-            <a:r>
-              <a:rPr lang="en-US" dirty="0" err="1" smtClean="0"/>
-              <a:t>apply_model</a:t>
-            </a:r>
-            <a:r>
-              <a:rPr lang="en-US" dirty="0" smtClean="0"/>
-              <a:t>, which simply applies the model to each row in </a:t>
-            </a:r>
-            <a:r>
-              <a:rPr lang="en-US" dirty="0" err="1" smtClean="0"/>
-              <a:t>testing_X</a:t>
-            </a:r>
-            <a:r>
-              <a:rPr lang="en-US" dirty="0" smtClean="0"/>
-              <a:t> and then calculates accuracy</a:t>
+              <a:t>Here we need to cerate a test set. We use the even row numbers for our filter</a:t>
             </a:r>
             <a:endParaRPr lang="en-US" dirty="0">
               <a:latin typeface="Courier"/>
@@ -27542,18 +27054,18 @@
     </p:spTree>
     <p:extLst>
       <p:ext uri="{BB962C8B-B14F-4D97-AF65-F5344CB8AC3E}">
-        <p14:creationId xmlns:p14="http://schemas.microsoft.com/office/powerpoint/2010/main" val="739434030"/>
+        <p14:creationId xmlns:p14="http://schemas.microsoft.com/office/powerpoint/2010/main" val="1616920182"/>
       </p:ext>
     </p:extLst>
   </p:cSld>
   <p:clrMapOvr>
     <a:masterClrMapping/>
   </p:clrMapOvr>
-  <mc:AlternateContent xmlns:mc="http://schemas.openxmlformats.org/markup-compatibility/2006">
-    <mc:Choice xmlns:p14="http://schemas.microsoft.com/office/powerpoint/2010/main" Requires="p14">
+  <mc:AlternateContent xmlns:mc="http://schemas.openxmlformats.org/markup-compatibility/2006" xmlns:p14="http://schemas.microsoft.com/office/powerpoint/2010/main">
+    <mc:Choice Requires="p14">
       <p:transition spd="slow" p14:dur="2000"/>
     </mc:Choice>
-    <mc:Fallback>
+    <mc:Fallback xmlns="">
       <p:transition spd="slow"/>
     </mc:Fallback>
   </mc:AlternateContent>
@@ -27648,7 +27160,7 @@
           <a:p>
             <a:r>
               <a:rPr lang="en-US" dirty="0" smtClean="0"/>
-              <a:t>What you need to do</a:t>
+              <a:t>Applying the model</a:t>
             </a:r>
             <a:endParaRPr lang="en-US" dirty="0"/>
           </a:p>
@@ -28132,8 +27644,8 @@
         </p:nvSpPr>
         <p:spPr>
           <a:xfrm>
-            <a:off x="2401614" y="4792659"/>
-            <a:ext cx="3380030" cy="1205604"/>
+            <a:off x="2401613" y="4944322"/>
+            <a:ext cx="3816023" cy="1558219"/>
           </a:xfrm>
           <a:prstGeom prst="wedgeRectCallout">
             <a:avLst>
@@ -28165,7 +27677,7 @@
             <a:pPr algn="ctr"/>
             <a:r>
               <a:rPr lang="en-US" dirty="0" smtClean="0"/>
-              <a:t>1) You will need to update </a:t>
+              <a:t>Here we apply the model to the test set using </a:t>
             </a:r>
             <a:r>
               <a:rPr lang="en-US" dirty="0" err="1" smtClean="0"/>
@@ -28173,7 +27685,15 @@
             </a:r>
             <a:r>
               <a:rPr lang="en-US" dirty="0" smtClean="0"/>
-              <a:t> to also return a precision and recall score. </a:t>
+              <a:t>, which simply applies the model to each row in </a:t>
+            </a:r>
+            <a:r>
+              <a:rPr lang="en-US" dirty="0" err="1" smtClean="0"/>
+              <a:t>testing_X</a:t>
+            </a:r>
+            <a:r>
+              <a:rPr lang="en-US" dirty="0" smtClean="0"/>
+              <a:t> and then calculates accuracy</a:t>
             </a:r>
             <a:endParaRPr lang="en-US" dirty="0">
               <a:latin typeface="Courier"/>
@@ -28185,18 +27705,18 @@
     </p:spTree>
     <p:extLst>
       <p:ext uri="{BB962C8B-B14F-4D97-AF65-F5344CB8AC3E}">
-        <p14:creationId xmlns:p14="http://schemas.microsoft.com/office/powerpoint/2010/main" val="1683600618"/>
+        <p14:creationId xmlns:p14="http://schemas.microsoft.com/office/powerpoint/2010/main" val="739434030"/>
       </p:ext>
     </p:extLst>
   </p:cSld>
   <p:clrMapOvr>
     <a:masterClrMapping/>
   </p:clrMapOvr>
-  <mc:AlternateContent xmlns:mc="http://schemas.openxmlformats.org/markup-compatibility/2006">
-    <mc:Choice xmlns:p14="http://schemas.microsoft.com/office/powerpoint/2010/main" Requires="p14">
+  <mc:AlternateContent xmlns:mc="http://schemas.openxmlformats.org/markup-compatibility/2006" xmlns:p14="http://schemas.microsoft.com/office/powerpoint/2010/main">
+    <mc:Choice Requires="p14">
       <p:transition spd="slow" p14:dur="2000"/>
     </mc:Choice>
-    <mc:Fallback>
+    <mc:Fallback xmlns="">
       <p:transition spd="slow"/>
     </mc:Fallback>
   </mc:AlternateContent>
@@ -28647,53 +28167,7 @@
                 <a:latin typeface="Courier"/>
                 <a:cs typeface="Courier"/>
               </a:rPr>
-              <a:t>, labels)</a:t>
-            </a:r>
-          </a:p>
-          <a:p>
-            <a:pPr marL="0" indent="0">
-              <a:buNone/>
-            </a:pPr>
-            <a:r>
-              <a:rPr lang="en-US" sz="1400" b="1" dirty="0">
-                <a:latin typeface="Courier"/>
-                <a:cs typeface="Courier"/>
-              </a:rPr>
-              <a:t># TODO: this is something you should implement yourself. </a:t>
-            </a:r>
-            <a:br>
-              <a:rPr lang="en-US" sz="1400" b="1" dirty="0">
-                <a:latin typeface="Courier"/>
-                <a:cs typeface="Courier"/>
-              </a:rPr>
-            </a:br>
-            <a:r>
-              <a:rPr lang="en-US" sz="1400" dirty="0" err="1">
-                <a:latin typeface="Courier"/>
-                <a:cs typeface="Courier"/>
-              </a:rPr>
-              <a:t>zeror_model</a:t>
-            </a:r>
-            <a:r>
-              <a:rPr lang="en-US" sz="1400" dirty="0">
-                <a:latin typeface="Courier"/>
-                <a:cs typeface="Courier"/>
-              </a:rPr>
-              <a:t> = </a:t>
-            </a:r>
-            <a:r>
-              <a:rPr lang="en-US" sz="1400" dirty="0" err="1">
-                <a:latin typeface="Courier"/>
-                <a:cs typeface="Courier"/>
-              </a:rPr>
-              <a:t>self.zeror_train</a:t>
-            </a:r>
-            <a:r>
-              <a:rPr lang="en-US" sz="1400" dirty="0">
-                <a:latin typeface="Courier"/>
-                <a:cs typeface="Courier"/>
-              </a:rPr>
-              <a:t>(features, predict, self.apgar_1min_test</a:t>
+              <a:t>, labels</a:t>
             </a:r>
             <a:r>
               <a:rPr lang="en-US" sz="1400" dirty="0" smtClean="0">
@@ -28702,75 +28176,10 @@
               </a:rPr>
               <a:t>)</a:t>
             </a:r>
-            <a:br>
-              <a:rPr lang="en-US" sz="1400" dirty="0" smtClean="0">
-                <a:latin typeface="Courier"/>
-                <a:cs typeface="Courier"/>
-              </a:rPr>
-            </a:br>
-            <a:r>
-              <a:rPr lang="en-US" sz="1400" dirty="0" err="1" smtClean="0">
-                <a:latin typeface="Courier"/>
-                <a:cs typeface="Courier"/>
-              </a:rPr>
-              <a:t>zeror_accuracy</a:t>
-            </a:r>
-            <a:r>
-              <a:rPr lang="en-US" sz="1400" dirty="0" smtClean="0">
-                <a:latin typeface="Courier"/>
-                <a:cs typeface="Courier"/>
-              </a:rPr>
-              <a:t> </a:t>
-            </a:r>
-            <a:r>
-              <a:rPr lang="en-US" sz="1400" dirty="0">
-                <a:latin typeface="Courier"/>
-                <a:cs typeface="Courier"/>
-              </a:rPr>
-              <a:t>= </a:t>
-            </a:r>
-            <a:r>
-              <a:rPr lang="en-US" sz="1400" dirty="0" err="1">
-                <a:latin typeface="Courier"/>
-                <a:cs typeface="Courier"/>
-              </a:rPr>
-              <a:t>self.apply_model</a:t>
-            </a:r>
-            <a:r>
-              <a:rPr lang="en-US" sz="1400" dirty="0">
-                <a:latin typeface="Courier"/>
-                <a:cs typeface="Courier"/>
-              </a:rPr>
-              <a:t>(</a:t>
-            </a:r>
-            <a:r>
-              <a:rPr lang="en-US" sz="1400" dirty="0" err="1">
-                <a:latin typeface="Courier"/>
-                <a:cs typeface="Courier"/>
-              </a:rPr>
-              <a:t>zeror_model</a:t>
-            </a:r>
-            <a:r>
-              <a:rPr lang="en-US" sz="1400" dirty="0">
-                <a:latin typeface="Courier"/>
-                <a:cs typeface="Courier"/>
-              </a:rPr>
-              <a:t>, </a:t>
-            </a:r>
-            <a:r>
-              <a:rPr lang="en-US" sz="1400" dirty="0" err="1">
-                <a:latin typeface="Courier"/>
-                <a:cs typeface="Courier"/>
-              </a:rPr>
-              <a:t>testing_X</a:t>
-            </a:r>
-            <a:r>
-              <a:rPr lang="en-US" sz="1400" dirty="0">
-                <a:latin typeface="Courier"/>
-                <a:cs typeface="Courier"/>
-              </a:rPr>
-              <a:t>, labels) </a:t>
-            </a:r>
+            <a:endParaRPr lang="en-US" sz="1400" dirty="0">
+              <a:latin typeface="Courier"/>
+              <a:cs typeface="Courier"/>
+            </a:endParaRPr>
           </a:p>
         </p:txBody>
       </p:sp>
@@ -28847,8 +28256,8 @@
         </p:nvSpPr>
         <p:spPr>
           <a:xfrm>
-            <a:off x="330202" y="3943232"/>
-            <a:ext cx="8018475" cy="530819"/>
+            <a:off x="440342" y="3658864"/>
+            <a:ext cx="8165776" cy="511862"/>
           </a:xfrm>
           <a:prstGeom prst="rect">
             <a:avLst/>
@@ -28886,13 +28295,13 @@
         </p:nvSpPr>
         <p:spPr>
           <a:xfrm>
-            <a:off x="1573365" y="5201296"/>
-            <a:ext cx="6604382" cy="1387302"/>
+            <a:off x="2401614" y="4792659"/>
+            <a:ext cx="3380030" cy="1205604"/>
           </a:xfrm>
           <a:prstGeom prst="wedgeRectCallout">
             <a:avLst>
-              <a:gd name="adj1" fmla="val -22669"/>
-              <a:gd name="adj2" fmla="val -101849"/>
+              <a:gd name="adj1" fmla="val -3411"/>
+              <a:gd name="adj2" fmla="val -100909"/>
             </a:avLst>
           </a:prstGeom>
         </p:spPr>
@@ -28919,23 +28328,15 @@
             <a:pPr algn="ctr"/>
             <a:r>
               <a:rPr lang="en-US" dirty="0" smtClean="0"/>
-              <a:t>In addition, you should write a </a:t>
+              <a:t>1) You will need to update </a:t>
             </a:r>
             <a:r>
               <a:rPr lang="en-US" dirty="0" err="1" smtClean="0"/>
-              <a:t>zeror_train</a:t>
+              <a:t>apply_model</a:t>
             </a:r>
             <a:r>
               <a:rPr lang="en-US" dirty="0" smtClean="0"/>
-              <a:t> function which returns a model that  always predicts the majority class. This will require that you count how many rows have apgar_1min &lt; 7 (</a:t>
-            </a:r>
-            <a:r>
-              <a:rPr lang="en-US" dirty="0" err="1" smtClean="0"/>
-              <a:t>vs</a:t>
-            </a:r>
-            <a:r>
-              <a:rPr lang="en-US" dirty="0" smtClean="0"/>
-              <a:t> &gt;= 7) and then return a function that uses this information to make the same prediction no matter what features it is passed. </a:t>
+              <a:t> to also return a precision and recall score. </a:t>
             </a:r>
             <a:endParaRPr lang="en-US" dirty="0">
               <a:latin typeface="Courier"/>
@@ -28947,18 +28348,18 @@
     </p:spTree>
     <p:extLst>
       <p:ext uri="{BB962C8B-B14F-4D97-AF65-F5344CB8AC3E}">
-        <p14:creationId xmlns:p14="http://schemas.microsoft.com/office/powerpoint/2010/main" val="876576535"/>
+        <p14:creationId xmlns:p14="http://schemas.microsoft.com/office/powerpoint/2010/main" val="1683600618"/>
       </p:ext>
     </p:extLst>
   </p:cSld>
   <p:clrMapOvr>
     <a:masterClrMapping/>
   </p:clrMapOvr>
-  <mc:AlternateContent xmlns:mc="http://schemas.openxmlformats.org/markup-compatibility/2006">
-    <mc:Choice xmlns:p14="http://schemas.microsoft.com/office/powerpoint/2010/main" Requires="p14">
+  <mc:AlternateContent xmlns:mc="http://schemas.openxmlformats.org/markup-compatibility/2006" xmlns:p14="http://schemas.microsoft.com/office/powerpoint/2010/main">
+    <mc:Choice Requires="p14">
       <p:transition spd="slow" p14:dur="2000"/>
     </mc:Choice>
-    <mc:Fallback>
+    <mc:Fallback xmlns="">
       <p:transition spd="slow"/>
     </mc:Fallback>
   </mc:AlternateContent>
@@ -29609,8 +29010,8 @@
         </p:nvSpPr>
         <p:spPr>
           <a:xfrm>
-            <a:off x="330202" y="4474052"/>
-            <a:ext cx="8018475" cy="265410"/>
+            <a:off x="330202" y="3943232"/>
+            <a:ext cx="8018475" cy="530819"/>
           </a:xfrm>
           <a:prstGeom prst="rect">
             <a:avLst/>
@@ -29649,12 +29050,12 @@
         <p:spPr>
           <a:xfrm>
             <a:off x="1573365" y="5201296"/>
-            <a:ext cx="4246190" cy="1387302"/>
+            <a:ext cx="6604382" cy="1387302"/>
           </a:xfrm>
           <a:prstGeom prst="wedgeRectCallout">
             <a:avLst>
               <a:gd name="adj1" fmla="val -22669"/>
-              <a:gd name="adj2" fmla="val -84084"/>
+              <a:gd name="adj2" fmla="val -101849"/>
             </a:avLst>
           </a:prstGeom>
         </p:spPr>
@@ -29681,15 +29082,23 @@
             <a:pPr algn="ctr"/>
             <a:r>
               <a:rPr lang="en-US" dirty="0" smtClean="0"/>
-              <a:t>If you do that correctly, </a:t>
+              <a:t>In addition, you should write a </a:t>
             </a:r>
             <a:r>
               <a:rPr lang="en-US" dirty="0" err="1" smtClean="0"/>
-              <a:t>apply_model</a:t>
+              <a:t>zeror_train</a:t>
             </a:r>
             <a:r>
               <a:rPr lang="en-US" dirty="0" smtClean="0"/>
-              <a:t> will just work for this model as it does for the regression model. Then you can compare the accuracies…</a:t>
+              <a:t> function which returns a model that  always predicts the majority class. This will require that you count how many rows have apgar_1min &lt; 7 (</a:t>
+            </a:r>
+            <a:r>
+              <a:rPr lang="en-US" dirty="0" err="1" smtClean="0"/>
+              <a:t>vs</a:t>
+            </a:r>
+            <a:r>
+              <a:rPr lang="en-US" dirty="0" smtClean="0"/>
+              <a:t> &gt;= 7) and then return a function that uses this information to make the same prediction no matter what features it is passed. </a:t>
             </a:r>
             <a:endParaRPr lang="en-US" dirty="0">
               <a:latin typeface="Courier"/>
@@ -29701,18 +29110,18 @@
     </p:spTree>
     <p:extLst>
       <p:ext uri="{BB962C8B-B14F-4D97-AF65-F5344CB8AC3E}">
-        <p14:creationId xmlns:p14="http://schemas.microsoft.com/office/powerpoint/2010/main" val="1185627329"/>
+        <p14:creationId xmlns:p14="http://schemas.microsoft.com/office/powerpoint/2010/main" val="876576535"/>
       </p:ext>
     </p:extLst>
   </p:cSld>
   <p:clrMapOvr>
     <a:masterClrMapping/>
   </p:clrMapOvr>
-  <mc:AlternateContent xmlns:mc="http://schemas.openxmlformats.org/markup-compatibility/2006">
-    <mc:Choice xmlns:p14="http://schemas.microsoft.com/office/powerpoint/2010/main" Requires="p14">
+  <mc:AlternateContent xmlns:mc="http://schemas.openxmlformats.org/markup-compatibility/2006" xmlns:p14="http://schemas.microsoft.com/office/powerpoint/2010/main">
+    <mc:Choice Requires="p14">
       <p:transition spd="slow" p14:dur="2000"/>
     </mc:Choice>
-    <mc:Fallback>
+    <mc:Fallback xmlns="">
       <p:transition spd="slow"/>
     </mc:Fallback>
   </mc:AlternateContent>
@@ -30455,18 +29864,18 @@
     </p:spTree>
     <p:extLst>
       <p:ext uri="{BB962C8B-B14F-4D97-AF65-F5344CB8AC3E}">
-        <p14:creationId xmlns:p14="http://schemas.microsoft.com/office/powerpoint/2010/main" val="899258909"/>
+        <p14:creationId xmlns:p14="http://schemas.microsoft.com/office/powerpoint/2010/main" val="1185627329"/>
       </p:ext>
     </p:extLst>
   </p:cSld>
   <p:clrMapOvr>
     <a:masterClrMapping/>
   </p:clrMapOvr>
-  <mc:AlternateContent xmlns:mc="http://schemas.openxmlformats.org/markup-compatibility/2006">
-    <mc:Choice xmlns:p14="http://schemas.microsoft.com/office/powerpoint/2010/main" Requires="p14">
+  <mc:AlternateContent xmlns:mc="http://schemas.openxmlformats.org/markup-compatibility/2006" xmlns:p14="http://schemas.microsoft.com/office/powerpoint/2010/main">
+    <mc:Choice Requires="p14">
       <p:transition spd="slow" p14:dur="2000"/>
     </mc:Choice>
-    <mc:Fallback>
+    <mc:Fallback xmlns="">
       <p:transition spd="slow"/>
     </mc:Fallback>
   </mc:AlternateContent>
@@ -30499,6 +29908,53 @@
       </p:grpSpPr>
       <p:sp>
         <p:nvSpPr>
+          <p:cNvPr id="7" name="Rectangle 6"/>
+          <p:cNvSpPr/>
+          <p:nvPr/>
+        </p:nvSpPr>
+        <p:spPr>
+          <a:xfrm>
+            <a:off x="0" y="0"/>
+            <a:ext cx="9144000" cy="6858000"/>
+          </a:xfrm>
+          <a:prstGeom prst="rect">
+            <a:avLst/>
+          </a:prstGeom>
+          <a:solidFill>
+            <a:srgbClr val="FFFFFF"/>
+          </a:solidFill>
+          <a:ln>
+            <a:solidFill>
+              <a:schemeClr val="bg1"/>
+            </a:solidFill>
+          </a:ln>
+          <a:effectLst/>
+        </p:spPr>
+        <p:style>
+          <a:lnRef idx="1">
+            <a:schemeClr val="accent1"/>
+          </a:lnRef>
+          <a:fillRef idx="3">
+            <a:schemeClr val="accent1"/>
+          </a:fillRef>
+          <a:effectRef idx="2">
+            <a:schemeClr val="accent1"/>
+          </a:effectRef>
+          <a:fontRef idx="minor">
+            <a:schemeClr val="lt1"/>
+          </a:fontRef>
+        </p:style>
+        <p:txBody>
+          <a:bodyPr rtlCol="0" anchor="ctr"/>
+          <a:lstStyle/>
+          <a:p>
+            <a:pPr algn="ctr"/>
+            <a:endParaRPr lang="en-US"/>
+          </a:p>
+        </p:txBody>
+      </p:sp>
+      <p:sp>
+        <p:nvSpPr>
           <p:cNvPr id="2" name="Title 1"/>
           <p:cNvSpPr>
             <a:spLocks noGrp="1"/>
@@ -30514,60 +29970,486 @@
           <a:p>
             <a:r>
               <a:rPr lang="en-US" dirty="0" smtClean="0"/>
-              <a:t>You do not have to</a:t>
+              <a:t>What you need to do</a:t>
+            </a:r>
+            <a:endParaRPr lang="en-US" dirty="0"/>
+          </a:p>
+        </p:txBody>
+      </p:sp>
+      <p:sp>
+        <p:nvSpPr>
+          <p:cNvPr id="3" name="Content Placeholder 2"/>
+          <p:cNvSpPr>
+            <a:spLocks noGrp="1"/>
+          </p:cNvSpPr>
+          <p:nvPr>
+            <p:ph idx="1"/>
+          </p:nvPr>
+        </p:nvSpPr>
+        <p:spPr>
+          <a:xfrm>
+            <a:off x="465996" y="1459753"/>
+            <a:ext cx="8550087" cy="4767375"/>
+          </a:xfrm>
+        </p:spPr>
+        <p:txBody>
+          <a:bodyPr/>
+          <a:lstStyle/>
+          <a:p>
+            <a:pPr marL="0" indent="0">
+              <a:buNone/>
+            </a:pPr>
+            <a:r>
+              <a:rPr lang="en-US" sz="1400" dirty="0" smtClean="0">
+                <a:latin typeface="Courier"/>
+                <a:cs typeface="Courier"/>
+              </a:rPr>
+              <a:t>weights</a:t>
+            </a:r>
+            <a:r>
+              <a:rPr lang="en-US" sz="1400" dirty="0">
+                <a:latin typeface="Courier"/>
+                <a:cs typeface="Courier"/>
+              </a:rPr>
+              <a:t>, </a:t>
+            </a:r>
+            <a:r>
+              <a:rPr lang="en-US" sz="1400" dirty="0" err="1">
+                <a:latin typeface="Courier"/>
+                <a:cs typeface="Courier"/>
+              </a:rPr>
+              <a:t>regression_model</a:t>
+            </a:r>
+            <a:r>
+              <a:rPr lang="en-US" sz="1400" dirty="0">
+                <a:latin typeface="Courier"/>
+                <a:cs typeface="Courier"/>
+              </a:rPr>
+              <a:t> = </a:t>
+            </a:r>
+            <a:r>
+              <a:rPr lang="en-US" sz="1400" dirty="0" err="1">
+                <a:latin typeface="Courier"/>
+                <a:cs typeface="Courier"/>
+              </a:rPr>
+              <a:t>self.stochastic_gradient_descent</a:t>
+            </a:r>
+            <a:r>
+              <a:rPr lang="en-US" sz="1400" dirty="0">
+                <a:latin typeface="Courier"/>
+                <a:cs typeface="Courier"/>
+              </a:rPr>
+              <a:t>(features, predict, self.apgar_1min_test, </a:t>
+            </a:r>
+            <a:r>
+              <a:rPr lang="en-US" sz="1400" dirty="0" err="1">
+                <a:latin typeface="Courier"/>
+                <a:cs typeface="Courier"/>
+              </a:rPr>
+              <a:t>zeros_string</a:t>
+            </a:r>
+            <a:r>
+              <a:rPr lang="en-US" sz="1400" dirty="0">
+                <a:latin typeface="Courier"/>
+                <a:cs typeface="Courier"/>
+              </a:rPr>
+              <a:t>, </a:t>
+            </a:r>
+            <a:r>
+              <a:rPr lang="en-US" sz="1400" dirty="0" err="1">
+                <a:latin typeface="Courier"/>
+                <a:cs typeface="Courier"/>
+              </a:rPr>
+              <a:t>ones_string</a:t>
+            </a:r>
+            <a:r>
+              <a:rPr lang="en-US" sz="1400" dirty="0" smtClean="0">
+                <a:latin typeface="Courier"/>
+                <a:cs typeface="Courier"/>
+              </a:rPr>
+              <a:t>)</a:t>
+            </a:r>
+            <a:endParaRPr lang="en-US" sz="1400" dirty="0">
+              <a:latin typeface="Courier"/>
+              <a:cs typeface="Courier"/>
+            </a:endParaRPr>
+          </a:p>
+          <a:p>
+            <a:pPr marL="0" indent="0">
+              <a:buNone/>
+            </a:pPr>
+            <a:r>
+              <a:rPr lang="en-US" sz="1400" b="1" dirty="0" smtClean="0">
+                <a:latin typeface="Courier"/>
+                <a:cs typeface="Courier"/>
+              </a:rPr>
+              <a:t># </a:t>
+            </a:r>
+            <a:r>
+              <a:rPr lang="en-US" sz="1400" b="1" dirty="0" err="1">
+                <a:latin typeface="Courier"/>
+                <a:cs typeface="Courier"/>
+              </a:rPr>
+              <a:t>testing_X</a:t>
+            </a:r>
+            <a:r>
+              <a:rPr lang="en-US" sz="1400" b="1" dirty="0">
+                <a:latin typeface="Courier"/>
+                <a:cs typeface="Courier"/>
+              </a:rPr>
+              <a:t> is the data we will use to make predictions, labels are the ground </a:t>
+            </a:r>
+            <a:r>
+              <a:rPr lang="en-US" sz="1400" b="1" dirty="0" smtClean="0">
+                <a:latin typeface="Courier"/>
+                <a:cs typeface="Courier"/>
+              </a:rPr>
+              <a:t>truth (</a:t>
+            </a:r>
+            <a:r>
+              <a:rPr lang="en-US" sz="1400" b="1" dirty="0">
+                <a:latin typeface="Courier"/>
+                <a:cs typeface="Courier"/>
+              </a:rPr>
+              <a:t>correct) y values. The test makes sure we </a:t>
+            </a:r>
+            <a:r>
+              <a:rPr lang="en-US" sz="1400" b="1" dirty="0" smtClean="0">
+                <a:latin typeface="Courier"/>
+                <a:cs typeface="Courier"/>
+              </a:rPr>
+              <a:t>are getting </a:t>
+            </a:r>
+            <a:r>
+              <a:rPr lang="en-US" sz="1400" b="1" dirty="0">
+                <a:latin typeface="Courier"/>
+                <a:cs typeface="Courier"/>
+              </a:rPr>
+              <a:t>data for which the row numbers </a:t>
+            </a:r>
+            <a:r>
+              <a:rPr lang="en-US" sz="1400" b="1" dirty="0" smtClean="0">
+                <a:latin typeface="Courier"/>
+                <a:cs typeface="Courier"/>
+              </a:rPr>
+              <a:t>are even)</a:t>
             </a:r>
             <a:br>
-              <a:rPr lang="en-US" dirty="0" smtClean="0"/>
+              <a:rPr lang="en-US" sz="1400" b="1" dirty="0" smtClean="0">
+                <a:latin typeface="Courier"/>
+                <a:cs typeface="Courier"/>
+              </a:rPr>
             </a:br>
             <a:r>
-              <a:rPr lang="en-US" dirty="0" smtClean="0"/>
-              <a:t>implement it yourself!</a:t>
-            </a:r>
-            <a:endParaRPr lang="en-US" dirty="0"/>
-          </a:p>
-        </p:txBody>
-      </p:sp>
-      <p:sp>
-        <p:nvSpPr>
-          <p:cNvPr id="3" name="Content Placeholder 2"/>
-          <p:cNvSpPr>
-            <a:spLocks noGrp="1"/>
-          </p:cNvSpPr>
-          <p:nvPr>
-            <p:ph idx="1"/>
-          </p:nvPr>
-        </p:nvSpPr>
-        <p:spPr/>
-        <p:txBody>
-          <a:bodyPr/>
-          <a:lstStyle/>
-          <a:p>
-            <a:r>
-              <a:rPr lang="en-US" b="1" dirty="0" err="1" smtClean="0">
-                <a:hlinkClick r:id="rId2" tooltip="sklearn.linear_model"/>
-              </a:rPr>
-              <a:t>sklearn.linear_model</a:t>
-            </a:r>
-            <a:r>
-              <a:rPr lang="en-US" b="1" dirty="0" err="1" smtClean="0"/>
-              <a:t>.SGDClassifier</a:t>
-            </a:r>
-            <a:endParaRPr lang="en-US" b="1" dirty="0" smtClean="0"/>
-          </a:p>
-          <a:p>
-            <a:r>
-              <a:rPr lang="en-US" b="1" dirty="0" err="1" smtClean="0"/>
-              <a:t>Vowpal</a:t>
-            </a:r>
-            <a:r>
-              <a:rPr lang="en-US" b="1" dirty="0"/>
-              <a:t>-</a:t>
-            </a:r>
-            <a:r>
-              <a:rPr lang="en-US" b="1" dirty="0" smtClean="0"/>
-              <a:t>Wabbit</a:t>
-            </a:r>
-            <a:endParaRPr lang="en-US" b="1" dirty="0"/>
+              <a:rPr lang="en-US" sz="1400" dirty="0" err="1" smtClean="0">
+                <a:latin typeface="Courier"/>
+                <a:cs typeface="Courier"/>
+              </a:rPr>
+              <a:t>testing_X</a:t>
+            </a:r>
+            <a:r>
+              <a:rPr lang="en-US" sz="1400" dirty="0">
+                <a:latin typeface="Courier"/>
+                <a:cs typeface="Courier"/>
+              </a:rPr>
+              <a:t>, labels = </a:t>
+            </a:r>
+            <a:r>
+              <a:rPr lang="en-US" sz="1400" dirty="0" err="1">
+                <a:latin typeface="Courier"/>
+                <a:cs typeface="Courier"/>
+              </a:rPr>
+              <a:t>self.get_data</a:t>
+            </a:r>
+            <a:r>
+              <a:rPr lang="en-US" sz="1400" dirty="0">
+                <a:latin typeface="Courier"/>
+                <a:cs typeface="Courier"/>
+              </a:rPr>
+              <a:t>(features, predict, </a:t>
+            </a:r>
+            <a:r>
+              <a:rPr lang="en-US" sz="1400" dirty="0" smtClean="0">
+                <a:latin typeface="Courier"/>
+                <a:cs typeface="Courier"/>
+              </a:rPr>
+              <a:t/>
+            </a:r>
+            <a:br>
+              <a:rPr lang="en-US" sz="1400" dirty="0" smtClean="0">
+                <a:latin typeface="Courier"/>
+                <a:cs typeface="Courier"/>
+              </a:rPr>
+            </a:br>
+            <a:r>
+              <a:rPr lang="en-US" sz="1400" dirty="0" smtClean="0">
+                <a:latin typeface="Courier"/>
+                <a:cs typeface="Courier"/>
+              </a:rPr>
+              <a:t>			self.apgar_1min_test</a:t>
+            </a:r>
+            <a:r>
+              <a:rPr lang="en-US" sz="1400" dirty="0">
+                <a:latin typeface="Courier"/>
+                <a:cs typeface="Courier"/>
+              </a:rPr>
+              <a:t>, filter="</a:t>
+            </a:r>
+            <a:r>
+              <a:rPr lang="en-US" sz="1400" dirty="0" err="1">
+                <a:latin typeface="Courier"/>
+                <a:cs typeface="Courier"/>
+              </a:rPr>
+              <a:t>row_number</a:t>
+            </a:r>
+            <a:r>
+              <a:rPr lang="en-US" sz="1400" dirty="0">
+                <a:latin typeface="Courier"/>
+                <a:cs typeface="Courier"/>
+              </a:rPr>
+              <a:t> % 2 = 0", limit=100</a:t>
+            </a:r>
+            <a:r>
+              <a:rPr lang="en-US" sz="1400" dirty="0" smtClean="0">
+                <a:latin typeface="Courier"/>
+                <a:cs typeface="Courier"/>
+              </a:rPr>
+              <a:t>)</a:t>
+            </a:r>
+            <a:endParaRPr lang="en-US" sz="1400" dirty="0">
+              <a:latin typeface="Courier"/>
+              <a:cs typeface="Courier"/>
+            </a:endParaRPr>
+          </a:p>
+          <a:p>
+            <a:pPr marL="0" indent="0">
+              <a:buNone/>
+            </a:pPr>
+            <a:r>
+              <a:rPr lang="en-US" sz="1400" b="1" dirty="0" smtClean="0">
+                <a:latin typeface="Courier"/>
+                <a:cs typeface="Courier"/>
+              </a:rPr>
+              <a:t># </a:t>
+            </a:r>
+            <a:r>
+              <a:rPr lang="en-US" sz="1400" b="1" dirty="0" err="1">
+                <a:latin typeface="Courier"/>
+                <a:cs typeface="Courier"/>
+              </a:rPr>
+              <a:t>apply_model</a:t>
+            </a:r>
+            <a:r>
+              <a:rPr lang="en-US" sz="1400" b="1" dirty="0">
+                <a:latin typeface="Courier"/>
+                <a:cs typeface="Courier"/>
+              </a:rPr>
+              <a:t> can apply any model (a model is just a function that can predict a value</a:t>
+            </a:r>
+            <a:r>
+              <a:rPr lang="en-US" sz="1400" b="1" dirty="0" smtClean="0">
+                <a:latin typeface="Courier"/>
+                <a:cs typeface="Courier"/>
+              </a:rPr>
+              <a:t>). it </a:t>
+            </a:r>
+            <a:r>
+              <a:rPr lang="en-US" sz="1400" b="1" dirty="0">
+                <a:latin typeface="Courier"/>
+                <a:cs typeface="Courier"/>
+              </a:rPr>
+              <a:t>returns an accuracy</a:t>
+            </a:r>
+          </a:p>
+          <a:p>
+            <a:pPr marL="0" indent="0">
+              <a:buNone/>
+            </a:pPr>
+            <a:r>
+              <a:rPr lang="en-US" sz="1400" dirty="0" err="1" smtClean="0">
+                <a:latin typeface="Courier"/>
+                <a:cs typeface="Courier"/>
+              </a:rPr>
+              <a:t>regression_accuracy</a:t>
+            </a:r>
+            <a:r>
+              <a:rPr lang="en-US" sz="1400" dirty="0" smtClean="0">
+                <a:latin typeface="Courier"/>
+                <a:cs typeface="Courier"/>
+              </a:rPr>
+              <a:t> </a:t>
+            </a:r>
+            <a:r>
+              <a:rPr lang="en-US" sz="1400" dirty="0">
+                <a:latin typeface="Courier"/>
+                <a:cs typeface="Courier"/>
+              </a:rPr>
+              <a:t>= </a:t>
+            </a:r>
+            <a:r>
+              <a:rPr lang="en-US" sz="1400" dirty="0" err="1">
+                <a:latin typeface="Courier"/>
+                <a:cs typeface="Courier"/>
+              </a:rPr>
+              <a:t>self.apply_model</a:t>
+            </a:r>
+            <a:r>
+              <a:rPr lang="en-US" sz="1400" dirty="0">
+                <a:latin typeface="Courier"/>
+                <a:cs typeface="Courier"/>
+              </a:rPr>
+              <a:t>(</a:t>
+            </a:r>
+            <a:r>
+              <a:rPr lang="en-US" sz="1400" dirty="0" err="1">
+                <a:latin typeface="Courier"/>
+                <a:cs typeface="Courier"/>
+              </a:rPr>
+              <a:t>regression_model</a:t>
+            </a:r>
+            <a:r>
+              <a:rPr lang="en-US" sz="1400" dirty="0">
+                <a:latin typeface="Courier"/>
+                <a:cs typeface="Courier"/>
+              </a:rPr>
+              <a:t>, </a:t>
+            </a:r>
+            <a:r>
+              <a:rPr lang="en-US" sz="1400" dirty="0" err="1">
+                <a:latin typeface="Courier"/>
+                <a:cs typeface="Courier"/>
+              </a:rPr>
+              <a:t>testing_X</a:t>
+            </a:r>
+            <a:r>
+              <a:rPr lang="en-US" sz="1400" dirty="0">
+                <a:latin typeface="Courier"/>
+                <a:cs typeface="Courier"/>
+              </a:rPr>
+              <a:t>, labels)</a:t>
+            </a:r>
+          </a:p>
+          <a:p>
+            <a:pPr marL="0" indent="0">
+              <a:buNone/>
+            </a:pPr>
+            <a:r>
+              <a:rPr lang="en-US" sz="1400" b="1" dirty="0">
+                <a:latin typeface="Courier"/>
+                <a:cs typeface="Courier"/>
+              </a:rPr>
+              <a:t># TODO: this is something you should implement yourself. </a:t>
+            </a:r>
+            <a:br>
+              <a:rPr lang="en-US" sz="1400" b="1" dirty="0">
+                <a:latin typeface="Courier"/>
+                <a:cs typeface="Courier"/>
+              </a:rPr>
+            </a:br>
+            <a:r>
+              <a:rPr lang="en-US" sz="1400" dirty="0" err="1">
+                <a:latin typeface="Courier"/>
+                <a:cs typeface="Courier"/>
+              </a:rPr>
+              <a:t>zeror_model</a:t>
+            </a:r>
+            <a:r>
+              <a:rPr lang="en-US" sz="1400" dirty="0">
+                <a:latin typeface="Courier"/>
+                <a:cs typeface="Courier"/>
+              </a:rPr>
+              <a:t> = </a:t>
+            </a:r>
+            <a:r>
+              <a:rPr lang="en-US" sz="1400" dirty="0" err="1">
+                <a:latin typeface="Courier"/>
+                <a:cs typeface="Courier"/>
+              </a:rPr>
+              <a:t>self.zeror_train</a:t>
+            </a:r>
+            <a:r>
+              <a:rPr lang="en-US" sz="1400" dirty="0">
+                <a:latin typeface="Courier"/>
+                <a:cs typeface="Courier"/>
+              </a:rPr>
+              <a:t>(features, predict, self.apgar_1min_test</a:t>
+            </a:r>
+            <a:r>
+              <a:rPr lang="en-US" sz="1400" dirty="0" smtClean="0">
+                <a:latin typeface="Courier"/>
+                <a:cs typeface="Courier"/>
+              </a:rPr>
+              <a:t>)</a:t>
+            </a:r>
+            <a:br>
+              <a:rPr lang="en-US" sz="1400" dirty="0" smtClean="0">
+                <a:latin typeface="Courier"/>
+                <a:cs typeface="Courier"/>
+              </a:rPr>
+            </a:br>
+            <a:r>
+              <a:rPr lang="en-US" sz="1400" dirty="0" err="1" smtClean="0">
+                <a:latin typeface="Courier"/>
+                <a:cs typeface="Courier"/>
+              </a:rPr>
+              <a:t>zeror_accuracy</a:t>
+            </a:r>
+            <a:r>
+              <a:rPr lang="en-US" sz="1400" dirty="0" smtClean="0">
+                <a:latin typeface="Courier"/>
+                <a:cs typeface="Courier"/>
+              </a:rPr>
+              <a:t> </a:t>
+            </a:r>
+            <a:r>
+              <a:rPr lang="en-US" sz="1400" dirty="0">
+                <a:latin typeface="Courier"/>
+                <a:cs typeface="Courier"/>
+              </a:rPr>
+              <a:t>= </a:t>
+            </a:r>
+            <a:r>
+              <a:rPr lang="en-US" sz="1400" dirty="0" err="1">
+                <a:latin typeface="Courier"/>
+                <a:cs typeface="Courier"/>
+              </a:rPr>
+              <a:t>self.apply_model</a:t>
+            </a:r>
+            <a:r>
+              <a:rPr lang="en-US" sz="1400" dirty="0">
+                <a:latin typeface="Courier"/>
+                <a:cs typeface="Courier"/>
+              </a:rPr>
+              <a:t>(</a:t>
+            </a:r>
+            <a:r>
+              <a:rPr lang="en-US" sz="1400" dirty="0" err="1">
+                <a:latin typeface="Courier"/>
+                <a:cs typeface="Courier"/>
+              </a:rPr>
+              <a:t>zeror_model</a:t>
+            </a:r>
+            <a:r>
+              <a:rPr lang="en-US" sz="1400" dirty="0">
+                <a:latin typeface="Courier"/>
+                <a:cs typeface="Courier"/>
+              </a:rPr>
+              <a:t>, </a:t>
+            </a:r>
+            <a:r>
+              <a:rPr lang="en-US" sz="1400" dirty="0" err="1">
+                <a:latin typeface="Courier"/>
+                <a:cs typeface="Courier"/>
+              </a:rPr>
+              <a:t>testing_X</a:t>
+            </a:r>
+            <a:r>
+              <a:rPr lang="en-US" sz="1400" dirty="0">
+                <a:latin typeface="Courier"/>
+                <a:cs typeface="Courier"/>
+              </a:rPr>
+              <a:t>, labels) </a:t>
+            </a:r>
           </a:p>
         </p:txBody>
       </p:sp>
@@ -30636,16 +30518,121 @@
           </a:p>
         </p:txBody>
       </p:sp>
+      <p:sp>
+        <p:nvSpPr>
+          <p:cNvPr id="10" name="Rectangle 9"/>
+          <p:cNvSpPr/>
+          <p:nvPr/>
+        </p:nvSpPr>
+        <p:spPr>
+          <a:xfrm>
+            <a:off x="330202" y="4474052"/>
+            <a:ext cx="8018475" cy="265410"/>
+          </a:xfrm>
+          <a:prstGeom prst="rect">
+            <a:avLst/>
+          </a:prstGeom>
+          <a:noFill/>
+        </p:spPr>
+        <p:style>
+          <a:lnRef idx="2">
+            <a:schemeClr val="accent1"/>
+          </a:lnRef>
+          <a:fillRef idx="1">
+            <a:schemeClr val="lt1"/>
+          </a:fillRef>
+          <a:effectRef idx="0">
+            <a:schemeClr val="accent1"/>
+          </a:effectRef>
+          <a:fontRef idx="minor">
+            <a:schemeClr val="dk1"/>
+          </a:fontRef>
+        </p:style>
+        <p:txBody>
+          <a:bodyPr rtlCol="0" anchor="ctr"/>
+          <a:lstStyle/>
+          <a:p>
+            <a:pPr algn="ctr"/>
+            <a:endParaRPr lang="en-US"/>
+          </a:p>
+        </p:txBody>
+      </p:sp>
+      <p:sp>
+        <p:nvSpPr>
+          <p:cNvPr id="12" name="Rectangular Callout 11"/>
+          <p:cNvSpPr/>
+          <p:nvPr/>
+        </p:nvSpPr>
+        <p:spPr>
+          <a:xfrm>
+            <a:off x="1573365" y="5201296"/>
+            <a:ext cx="4246190" cy="1387302"/>
+          </a:xfrm>
+          <a:prstGeom prst="wedgeRectCallout">
+            <a:avLst>
+              <a:gd name="adj1" fmla="val -22669"/>
+              <a:gd name="adj2" fmla="val -84084"/>
+            </a:avLst>
+          </a:prstGeom>
+        </p:spPr>
+        <p:style>
+          <a:lnRef idx="2">
+            <a:schemeClr val="accent1">
+              <a:shade val="50000"/>
+            </a:schemeClr>
+          </a:lnRef>
+          <a:fillRef idx="1">
+            <a:schemeClr val="accent1"/>
+          </a:fillRef>
+          <a:effectRef idx="0">
+            <a:schemeClr val="accent1"/>
+          </a:effectRef>
+          <a:fontRef idx="minor">
+            <a:schemeClr val="lt1"/>
+          </a:fontRef>
+        </p:style>
+        <p:txBody>
+          <a:bodyPr rtlCol="0" anchor="ctr"/>
+          <a:lstStyle/>
+          <a:p>
+            <a:pPr algn="ctr"/>
+            <a:r>
+              <a:rPr lang="en-US" dirty="0" smtClean="0"/>
+              <a:t>If you do that correctly, </a:t>
+            </a:r>
+            <a:r>
+              <a:rPr lang="en-US" dirty="0" err="1" smtClean="0"/>
+              <a:t>apply_model</a:t>
+            </a:r>
+            <a:r>
+              <a:rPr lang="en-US" dirty="0" smtClean="0"/>
+              <a:t> will just work for this model as it does for the regression model. Then you can compare the accuracies…</a:t>
+            </a:r>
+            <a:endParaRPr lang="en-US" dirty="0">
+              <a:latin typeface="Courier"/>
+              <a:cs typeface="Courier"/>
+            </a:endParaRPr>
+          </a:p>
+        </p:txBody>
+      </p:sp>
     </p:spTree>
     <p:extLst>
       <p:ext uri="{BB962C8B-B14F-4D97-AF65-F5344CB8AC3E}">
-        <p14:creationId xmlns:p14="http://schemas.microsoft.com/office/powerpoint/2010/main" val="220874749"/>
+        <p14:creationId xmlns:p14="http://schemas.microsoft.com/office/powerpoint/2010/main" val="899258909"/>
       </p:ext>
     </p:extLst>
   </p:cSld>
   <p:clrMapOvr>
     <a:masterClrMapping/>
   </p:clrMapOvr>
+  <mc:AlternateContent xmlns:mc="http://schemas.openxmlformats.org/markup-compatibility/2006" xmlns:p14="http://schemas.microsoft.com/office/powerpoint/2010/main">
+    <mc:Choice Requires="p14">
+      <p:transition spd="slow" p14:dur="2000"/>
+    </mc:Choice>
+    <mc:Fallback xmlns="">
+      <p:transition spd="slow"/>
+    </mc:Fallback>
+  </mc:AlternateContent>
   <p:timing>
     <p:tnLst>
       <p:par>
@@ -30690,14 +30677,14 @@
           <a:p>
             <a:r>
               <a:rPr lang="en-US" dirty="0" smtClean="0"/>
-              <a:t>Integrating ML</a:t>
+              <a:t>You do not have to</a:t>
             </a:r>
             <a:br>
               <a:rPr lang="en-US" dirty="0" smtClean="0"/>
             </a:br>
             <a:r>
               <a:rPr lang="en-US" dirty="0" smtClean="0"/>
-              <a:t>into Interactive Systems</a:t>
+              <a:t>implement it yourself!</a:t>
             </a:r>
             <a:endParaRPr lang="en-US" dirty="0"/>
           </a:p>
@@ -30718,7 +30705,32 @@
           <a:bodyPr/>
           <a:lstStyle/>
           <a:p>
-            <a:endParaRPr lang="en-US" dirty="0"/>
+            <a:r>
+              <a:rPr lang="en-US" b="1" dirty="0" err="1" smtClean="0">
+                <a:hlinkClick r:id="rId2" tooltip="sklearn.linear_model"/>
+              </a:rPr>
+              <a:t>sklearn.linear_model</a:t>
+            </a:r>
+            <a:r>
+              <a:rPr lang="en-US" b="1" dirty="0" err="1" smtClean="0"/>
+              <a:t>.SGDClassifier</a:t>
+            </a:r>
+            <a:endParaRPr lang="en-US" b="1" dirty="0" smtClean="0"/>
+          </a:p>
+          <a:p>
+            <a:r>
+              <a:rPr lang="en-US" b="1" dirty="0" err="1" smtClean="0"/>
+              <a:t>Vowpal</a:t>
+            </a:r>
+            <a:r>
+              <a:rPr lang="en-US" b="1" dirty="0"/>
+              <a:t>-</a:t>
+            </a:r>
+            <a:r>
+              <a:rPr lang="en-US" b="1" dirty="0" smtClean="0"/>
+              <a:t>Wabbit</a:t>
+            </a:r>
+            <a:endParaRPr lang="en-US" b="1" dirty="0"/>
           </a:p>
         </p:txBody>
       </p:sp>
@@ -30790,7 +30802,7 @@
     </p:spTree>
     <p:extLst>
       <p:ext uri="{BB962C8B-B14F-4D97-AF65-F5344CB8AC3E}">
-        <p14:creationId xmlns:p14="http://schemas.microsoft.com/office/powerpoint/2010/main" val="1338223915"/>
+        <p14:creationId xmlns:p14="http://schemas.microsoft.com/office/powerpoint/2010/main" val="220874749"/>
       </p:ext>
     </p:extLst>
   </p:cSld>
@@ -30869,36 +30881,7 @@
           <a:bodyPr/>
           <a:lstStyle/>
           <a:p>
-            <a:r>
-              <a:rPr lang="en-US" dirty="0" smtClean="0"/>
-              <a:t>Real-time Classification</a:t>
-            </a:r>
-          </a:p>
-          <a:p>
-            <a:pPr lvl="1"/>
-            <a:r>
-              <a:rPr lang="en-US" dirty="0" smtClean="0"/>
-              <a:t>Prediction</a:t>
-            </a:r>
-          </a:p>
-          <a:p>
-            <a:pPr lvl="1"/>
-            <a:r>
-              <a:rPr lang="en-US" dirty="0" smtClean="0"/>
-              <a:t>Recommendation</a:t>
-            </a:r>
-          </a:p>
-          <a:p>
-            <a:r>
-              <a:rPr lang="en-US" dirty="0" smtClean="0"/>
-              <a:t>Requires to have a trained model</a:t>
-            </a:r>
-          </a:p>
-          <a:p>
-            <a:r>
-              <a:rPr lang="en-US" dirty="0" smtClean="0"/>
-              <a:t>Send unseen data to model for prediction</a:t>
-            </a:r>
+            <a:endParaRPr lang="en-US" dirty="0"/>
           </a:p>
         </p:txBody>
       </p:sp>
@@ -30970,7 +30953,7 @@
     </p:spTree>
     <p:extLst>
       <p:ext uri="{BB962C8B-B14F-4D97-AF65-F5344CB8AC3E}">
-        <p14:creationId xmlns:p14="http://schemas.microsoft.com/office/powerpoint/2010/main" val="214473855"/>
+        <p14:creationId xmlns:p14="http://schemas.microsoft.com/office/powerpoint/2010/main" val="1338223915"/>
       </p:ext>
     </p:extLst>
   </p:cSld>
@@ -31034,35 +31017,54 @@
           </a:p>
         </p:txBody>
       </p:sp>
-      <p:pic>
-        <p:nvPicPr>
-          <p:cNvPr id="7" name="Content Placeholder 6"/>
-          <p:cNvPicPr>
-            <a:picLocks noGrp="1" noChangeAspect="1"/>
-          </p:cNvPicPr>
+      <p:sp>
+        <p:nvSpPr>
+          <p:cNvPr id="3" name="Content Placeholder 2"/>
+          <p:cNvSpPr>
+            <a:spLocks noGrp="1"/>
+          </p:cNvSpPr>
           <p:nvPr>
             <p:ph idx="1"/>
           </p:nvPr>
-        </p:nvPicPr>
-        <p:blipFill>
-          <a:blip r:embed="rId3">
-            <a:extLst>
-              <a:ext uri="{28A0092B-C50C-407E-A947-70E740481C1C}">
-                <a14:useLocalDpi xmlns:a14="http://schemas.microsoft.com/office/drawing/2010/main" val="0"/>
-              </a:ext>
-            </a:extLst>
-          </a:blip>
-          <a:stretch>
-            <a:fillRect/>
-          </a:stretch>
-        </p:blipFill>
-        <p:spPr>
-          <a:xfrm>
-            <a:off x="1018304" y="2028218"/>
-            <a:ext cx="7772400" cy="2801565"/>
-          </a:xfrm>
-        </p:spPr>
-      </p:pic>
+        </p:nvSpPr>
+        <p:spPr/>
+        <p:txBody>
+          <a:bodyPr/>
+          <a:lstStyle/>
+          <a:p>
+            <a:r>
+              <a:rPr lang="en-US" dirty="0" smtClean="0"/>
+              <a:t>Real-time Classification</a:t>
+            </a:r>
+          </a:p>
+          <a:p>
+            <a:pPr lvl="1"/>
+            <a:r>
+              <a:rPr lang="en-US" dirty="0" smtClean="0"/>
+              <a:t>Prediction</a:t>
+            </a:r>
+          </a:p>
+          <a:p>
+            <a:pPr lvl="1"/>
+            <a:r>
+              <a:rPr lang="en-US" dirty="0" smtClean="0"/>
+              <a:t>Recommendation</a:t>
+            </a:r>
+          </a:p>
+          <a:p>
+            <a:r>
+              <a:rPr lang="en-US" dirty="0" smtClean="0"/>
+              <a:t>Requires to have a trained model</a:t>
+            </a:r>
+          </a:p>
+          <a:p>
+            <a:r>
+              <a:rPr lang="en-US" dirty="0" smtClean="0"/>
+              <a:t>Send unseen data to model for prediction</a:t>
+            </a:r>
+          </a:p>
+        </p:txBody>
+      </p:sp>
       <p:sp>
         <p:nvSpPr>
           <p:cNvPr id="4" name="Date Placeholder 3"/>
@@ -31101,22 +31103,6 @@
           <a:bodyPr/>
           <a:lstStyle/>
           <a:p>
-            <a:r>
-              <a:rPr lang="en-US" dirty="0"/>
-              <a:t>http://</a:t>
-            </a:r>
-            <a:r>
-              <a:rPr lang="en-US" dirty="0" err="1"/>
-              <a:t>scikit-learn.org</a:t>
-            </a:r>
-            <a:r>
-              <a:rPr lang="en-US" dirty="0"/>
-              <a:t>/stable/modules/</a:t>
-            </a:r>
-            <a:r>
-              <a:rPr lang="en-US" dirty="0" err="1"/>
-              <a:t>model_persistence.html</a:t>
-            </a:r>
             <a:endParaRPr lang="en-US" dirty="0"/>
           </a:p>
         </p:txBody>
@@ -31147,7 +31133,7 @@
     </p:spTree>
     <p:extLst>
       <p:ext uri="{BB962C8B-B14F-4D97-AF65-F5344CB8AC3E}">
-        <p14:creationId xmlns:p14="http://schemas.microsoft.com/office/powerpoint/2010/main" val="1566469652"/>
+        <p14:creationId xmlns:p14="http://schemas.microsoft.com/office/powerpoint/2010/main" val="214473855"/>
       </p:ext>
     </p:extLst>
   </p:cSld>
@@ -31183,9 +31169,9 @@
       </p:grpSpPr>
       <p:sp>
         <p:nvSpPr>
-          <p:cNvPr id="18434" name="Rectangle 2"/>
-          <p:cNvSpPr>
-            <a:spLocks noGrp="1" noChangeArrowheads="1"/>
+          <p:cNvPr id="2" name="Title 1"/>
+          <p:cNvSpPr>
+            <a:spLocks noGrp="1"/>
           </p:cNvSpPr>
           <p:nvPr>
             <p:ph type="title"/>
@@ -31196,90 +31182,126 @@
           <a:bodyPr/>
           <a:lstStyle/>
           <a:p>
-            <a:pPr eaLnBrk="1" hangingPunct="1"/>
-            <a:r>
-              <a:rPr lang="en-US" dirty="0" smtClean="0">
-                <a:latin typeface="Arial" charset="0"/>
-              </a:rPr>
-              <a:t>Selecting algorithms for Big Data</a:t>
-            </a:r>
-            <a:endParaRPr lang="en-US" dirty="0">
-              <a:latin typeface="Arial" charset="0"/>
-            </a:endParaRPr>
-          </a:p>
-        </p:txBody>
-      </p:sp>
-      <p:pic>
-        <p:nvPicPr>
+            <a:r>
+              <a:rPr lang="en-US" dirty="0" smtClean="0"/>
+              <a:t>Quiz</a:t>
+            </a:r>
+            <a:endParaRPr lang="en-US" dirty="0"/>
+          </a:p>
+        </p:txBody>
+      </p:sp>
+      <p:sp>
+        <p:nvSpPr>
           <p:cNvPr id="3" name="Content Placeholder 2"/>
-          <p:cNvPicPr>
-            <a:picLocks noGrp="1" noChangeAspect="1"/>
-          </p:cNvPicPr>
+          <p:cNvSpPr>
+            <a:spLocks noGrp="1"/>
+          </p:cNvSpPr>
           <p:nvPr>
             <p:ph idx="1"/>
           </p:nvPr>
-        </p:nvPicPr>
-        <p:blipFill rotWithShape="1">
-          <a:blip r:embed="rId3"/>
-          <a:srcRect t="454" b="454"/>
-          <a:stretch/>
-        </p:blipFill>
-        <p:spPr/>
-      </p:pic>
-      <p:sp>
-        <p:nvSpPr>
-          <p:cNvPr id="4" name="Rectangle 3"/>
-          <p:cNvSpPr/>
-          <p:nvPr/>
-        </p:nvSpPr>
-        <p:spPr>
-          <a:xfrm>
-            <a:off x="119445" y="6488668"/>
-            <a:ext cx="9067800" cy="369332"/>
-          </a:xfrm>
-          <a:prstGeom prst="rect">
-            <a:avLst/>
-          </a:prstGeom>
-        </p:spPr>
-        <p:txBody>
-          <a:bodyPr wrap="square">
-            <a:spAutoFit/>
-          </a:bodyPr>
-          <a:lstStyle/>
-          <a:p>
-            <a:r>
-              <a:rPr lang="en-US" dirty="0"/>
-              <a:t>http://</a:t>
-            </a:r>
-            <a:r>
-              <a:rPr lang="en-US" dirty="0" err="1"/>
-              <a:t>www.quora.com</a:t>
-            </a:r>
-            <a:r>
-              <a:rPr lang="en-US" dirty="0"/>
-              <a:t>/What-are-the-advantages-of-different-classification-algorithms</a:t>
-            </a:r>
+        </p:nvSpPr>
+        <p:spPr/>
+        <p:txBody>
+          <a:bodyPr/>
+          <a:lstStyle/>
+          <a:p>
+            <a:r>
+              <a:rPr lang="es-ES_tradnl" b="1" dirty="0"/>
+              <a:t>4/6 </a:t>
+            </a:r>
+            <a:r>
+              <a:rPr lang="es-ES_tradnl" b="1" dirty="0" err="1" smtClean="0"/>
+              <a:t>Quiz</a:t>
+            </a:r>
+            <a:endParaRPr lang="en-US" dirty="0" smtClean="0"/>
+          </a:p>
+          <a:p>
+            <a:r>
+              <a:rPr lang="en-US" dirty="0" err="1" smtClean="0"/>
+              <a:t>mayank</a:t>
+            </a:r>
+            <a:endParaRPr lang="en-US" dirty="0" smtClean="0"/>
+          </a:p>
+          <a:p>
+            <a:endParaRPr lang="en-US" dirty="0"/>
+          </a:p>
+        </p:txBody>
+      </p:sp>
+      <p:sp>
+        <p:nvSpPr>
+          <p:cNvPr id="4" name="Date Placeholder 3"/>
+          <p:cNvSpPr>
+            <a:spLocks noGrp="1"/>
+          </p:cNvSpPr>
+          <p:nvPr>
+            <p:ph type="dt" sz="half" idx="10"/>
+          </p:nvPr>
+        </p:nvSpPr>
+        <p:spPr/>
+        <p:txBody>
+          <a:bodyPr/>
+          <a:lstStyle/>
+          <a:p>
+            <a:fld id="{7053BEFA-1175-F644-B249-7D41D72BD3FF}" type="datetime1">
+              <a:rPr lang="en-US" smtClean="0"/>
+              <a:t>4/11/17</a:t>
+            </a:fld>
+            <a:endParaRPr lang="en-US"/>
+          </a:p>
+        </p:txBody>
+      </p:sp>
+      <p:sp>
+        <p:nvSpPr>
+          <p:cNvPr id="5" name="Footer Placeholder 4"/>
+          <p:cNvSpPr>
+            <a:spLocks noGrp="1"/>
+          </p:cNvSpPr>
+          <p:nvPr>
+            <p:ph type="ftr" sz="quarter" idx="11"/>
+          </p:nvPr>
+        </p:nvSpPr>
+        <p:spPr/>
+        <p:txBody>
+          <a:bodyPr/>
+          <a:lstStyle/>
+          <a:p>
+            <a:endParaRPr lang="en-US" dirty="0"/>
+          </a:p>
+        </p:txBody>
+      </p:sp>
+      <p:sp>
+        <p:nvSpPr>
+          <p:cNvPr id="6" name="Slide Number Placeholder 5"/>
+          <p:cNvSpPr>
+            <a:spLocks noGrp="1"/>
+          </p:cNvSpPr>
+          <p:nvPr>
+            <p:ph type="sldNum" sz="quarter" idx="12"/>
+          </p:nvPr>
+        </p:nvSpPr>
+        <p:spPr/>
+        <p:txBody>
+          <a:bodyPr/>
+          <a:lstStyle/>
+          <a:p>
+            <a:fld id="{17E276FA-8F89-B34D-A726-BE3FA1F8DD97}" type="slidenum">
+              <a:rPr lang="en-US" smtClean="0"/>
+              <a:t>4</a:t>
+            </a:fld>
+            <a:endParaRPr lang="en-US" dirty="0"/>
           </a:p>
         </p:txBody>
       </p:sp>
     </p:spTree>
     <p:extLst>
       <p:ext uri="{BB962C8B-B14F-4D97-AF65-F5344CB8AC3E}">
-        <p14:creationId xmlns:p14="http://schemas.microsoft.com/office/powerpoint/2010/main" val="881586535"/>
+        <p14:creationId xmlns:p14="http://schemas.microsoft.com/office/powerpoint/2010/main" val="2075689709"/>
       </p:ext>
     </p:extLst>
   </p:cSld>
   <p:clrMapOvr>
     <a:masterClrMapping/>
   </p:clrMapOvr>
-  <mc:AlternateContent xmlns:mc="http://schemas.openxmlformats.org/markup-compatibility/2006">
-    <mc:Choice xmlns:p14="http://schemas.microsoft.com/office/powerpoint/2010/main" Requires="p14">
-      <p:transition spd="slow" p14:dur="2000"/>
-    </mc:Choice>
-    <mc:Fallback>
-      <p:transition spd="slow"/>
-    </mc:Fallback>
-  </mc:AlternateContent>
   <p:timing>
     <p:tnLst>
       <p:par>
@@ -31447,55 +31469,10 @@
           </a:p>
         </p:txBody>
       </p:sp>
-      <p:sp>
-        <p:nvSpPr>
-          <p:cNvPr id="3" name="Rectangle 2"/>
-          <p:cNvSpPr/>
-          <p:nvPr/>
-        </p:nvSpPr>
-        <p:spPr>
-          <a:xfrm>
-            <a:off x="954132" y="2028218"/>
-            <a:ext cx="5921681" cy="1605631"/>
-          </a:xfrm>
-          <a:prstGeom prst="rect">
-            <a:avLst/>
-          </a:prstGeom>
-          <a:noFill/>
-          <a:ln w="57150">
-            <a:solidFill>
-              <a:schemeClr val="accent1"/>
-            </a:solidFill>
-            <a:prstDash val="sysDot"/>
-          </a:ln>
-        </p:spPr>
-        <p:style>
-          <a:lnRef idx="1">
-            <a:schemeClr val="accent1"/>
-          </a:lnRef>
-          <a:fillRef idx="3">
-            <a:schemeClr val="accent1"/>
-          </a:fillRef>
-          <a:effectRef idx="2">
-            <a:schemeClr val="accent1"/>
-          </a:effectRef>
-          <a:fontRef idx="minor">
-            <a:schemeClr val="lt1"/>
-          </a:fontRef>
-        </p:style>
-        <p:txBody>
-          <a:bodyPr rtlCol="0" anchor="ctr"/>
-          <a:lstStyle/>
-          <a:p>
-            <a:pPr algn="ctr"/>
-            <a:endParaRPr lang="en-US"/>
-          </a:p>
-        </p:txBody>
-      </p:sp>
     </p:spTree>
     <p:extLst>
       <p:ext uri="{BB962C8B-B14F-4D97-AF65-F5344CB8AC3E}">
-        <p14:creationId xmlns:p14="http://schemas.microsoft.com/office/powerpoint/2010/main" val="1972117156"/>
+        <p14:creationId xmlns:p14="http://schemas.microsoft.com/office/powerpoint/2010/main" val="1566469652"/>
       </p:ext>
     </p:extLst>
   </p:cSld>
@@ -31677,8 +31654,8 @@
         </p:nvSpPr>
         <p:spPr>
           <a:xfrm>
-            <a:off x="954132" y="3643264"/>
-            <a:ext cx="5921681" cy="418097"/>
+            <a:off x="954132" y="2028218"/>
+            <a:ext cx="5921681" cy="1605631"/>
           </a:xfrm>
           <a:prstGeom prst="rect">
             <a:avLst/>
@@ -31717,7 +31694,7 @@
     </p:spTree>
     <p:extLst>
       <p:ext uri="{BB962C8B-B14F-4D97-AF65-F5344CB8AC3E}">
-        <p14:creationId xmlns:p14="http://schemas.microsoft.com/office/powerpoint/2010/main" val="1649047577"/>
+        <p14:creationId xmlns:p14="http://schemas.microsoft.com/office/powerpoint/2010/main" val="1972117156"/>
       </p:ext>
     </p:extLst>
   </p:cSld>
@@ -31899,8 +31876,8 @@
         </p:nvSpPr>
         <p:spPr>
           <a:xfrm>
-            <a:off x="954132" y="3975773"/>
-            <a:ext cx="5921681" cy="854010"/>
+            <a:off x="954132" y="3643264"/>
+            <a:ext cx="5921681" cy="418097"/>
           </a:xfrm>
           <a:prstGeom prst="rect">
             <a:avLst/>
@@ -31939,7 +31916,7 @@
     </p:spTree>
     <p:extLst>
       <p:ext uri="{BB962C8B-B14F-4D97-AF65-F5344CB8AC3E}">
-        <p14:creationId xmlns:p14="http://schemas.microsoft.com/office/powerpoint/2010/main" val="1576304246"/>
+        <p14:creationId xmlns:p14="http://schemas.microsoft.com/office/powerpoint/2010/main" val="1649047577"/>
       </p:ext>
     </p:extLst>
   </p:cSld>
@@ -32003,35 +31980,35 @@
           </a:p>
         </p:txBody>
       </p:sp>
-      <p:sp>
-        <p:nvSpPr>
-          <p:cNvPr id="3" name="Content Placeholder 2"/>
-          <p:cNvSpPr>
-            <a:spLocks noGrp="1"/>
-          </p:cNvSpPr>
+      <p:pic>
+        <p:nvPicPr>
+          <p:cNvPr id="7" name="Content Placeholder 6"/>
+          <p:cNvPicPr>
+            <a:picLocks noGrp="1" noChangeAspect="1"/>
+          </p:cNvPicPr>
           <p:nvPr>
             <p:ph idx="1"/>
           </p:nvPr>
-        </p:nvSpPr>
-        <p:spPr/>
-        <p:txBody>
-          <a:bodyPr/>
-          <a:lstStyle/>
-          <a:p>
-            <a:r>
-              <a:rPr lang="en-US" dirty="0" smtClean="0"/>
-              <a:t>Real-time Classification</a:t>
-            </a:r>
-          </a:p>
-          <a:p>
-            <a:r>
-              <a:rPr lang="en-US" dirty="0" smtClean="0"/>
-              <a:t>Continued learning?</a:t>
-            </a:r>
-            <a:endParaRPr lang="en-US" dirty="0"/>
-          </a:p>
-        </p:txBody>
-      </p:sp>
+        </p:nvPicPr>
+        <p:blipFill>
+          <a:blip r:embed="rId3">
+            <a:extLst>
+              <a:ext uri="{28A0092B-C50C-407E-A947-70E740481C1C}">
+                <a14:useLocalDpi xmlns:a14="http://schemas.microsoft.com/office/drawing/2010/main" val="0"/>
+              </a:ext>
+            </a:extLst>
+          </a:blip>
+          <a:stretch>
+            <a:fillRect/>
+          </a:stretch>
+        </p:blipFill>
+        <p:spPr>
+          <a:xfrm>
+            <a:off x="1018304" y="2028218"/>
+            <a:ext cx="7772400" cy="2801565"/>
+          </a:xfrm>
+        </p:spPr>
+      </p:pic>
       <p:sp>
         <p:nvSpPr>
           <p:cNvPr id="4" name="Date Placeholder 3"/>
@@ -32070,6 +32047,22 @@
           <a:bodyPr/>
           <a:lstStyle/>
           <a:p>
+            <a:r>
+              <a:rPr lang="en-US" dirty="0"/>
+              <a:t>http://</a:t>
+            </a:r>
+            <a:r>
+              <a:rPr lang="en-US" dirty="0" err="1"/>
+              <a:t>scikit-learn.org</a:t>
+            </a:r>
+            <a:r>
+              <a:rPr lang="en-US" dirty="0"/>
+              <a:t>/stable/modules/</a:t>
+            </a:r>
+            <a:r>
+              <a:rPr lang="en-US" dirty="0" err="1"/>
+              <a:t>model_persistence.html</a:t>
+            </a:r>
             <a:endParaRPr lang="en-US" dirty="0"/>
           </a:p>
         </p:txBody>
@@ -32097,10 +32090,55 @@
           </a:p>
         </p:txBody>
       </p:sp>
+      <p:sp>
+        <p:nvSpPr>
+          <p:cNvPr id="3" name="Rectangle 2"/>
+          <p:cNvSpPr/>
+          <p:nvPr/>
+        </p:nvSpPr>
+        <p:spPr>
+          <a:xfrm>
+            <a:off x="954132" y="3975773"/>
+            <a:ext cx="5921681" cy="854010"/>
+          </a:xfrm>
+          <a:prstGeom prst="rect">
+            <a:avLst/>
+          </a:prstGeom>
+          <a:noFill/>
+          <a:ln w="57150">
+            <a:solidFill>
+              <a:schemeClr val="accent1"/>
+            </a:solidFill>
+            <a:prstDash val="sysDot"/>
+          </a:ln>
+        </p:spPr>
+        <p:style>
+          <a:lnRef idx="1">
+            <a:schemeClr val="accent1"/>
+          </a:lnRef>
+          <a:fillRef idx="3">
+            <a:schemeClr val="accent1"/>
+          </a:fillRef>
+          <a:effectRef idx="2">
+            <a:schemeClr val="accent1"/>
+          </a:effectRef>
+          <a:fontRef idx="minor">
+            <a:schemeClr val="lt1"/>
+          </a:fontRef>
+        </p:style>
+        <p:txBody>
+          <a:bodyPr rtlCol="0" anchor="ctr"/>
+          <a:lstStyle/>
+          <a:p>
+            <a:pPr algn="ctr"/>
+            <a:endParaRPr lang="en-US"/>
+          </a:p>
+        </p:txBody>
+      </p:sp>
     </p:spTree>
     <p:extLst>
       <p:ext uri="{BB962C8B-B14F-4D97-AF65-F5344CB8AC3E}">
-        <p14:creationId xmlns:p14="http://schemas.microsoft.com/office/powerpoint/2010/main" val="1468710820"/>
+        <p14:creationId xmlns:p14="http://schemas.microsoft.com/office/powerpoint/2010/main" val="1576304246"/>
       </p:ext>
     </p:extLst>
   </p:cSld>
@@ -32187,8 +32225,9 @@
           <a:p>
             <a:r>
               <a:rPr lang="en-US" dirty="0" smtClean="0"/>
-              <a:t>Assessing performance over time</a:t>
-            </a:r>
+              <a:t>Continued learning?</a:t>
+            </a:r>
+            <a:endParaRPr lang="en-US" dirty="0"/>
           </a:p>
         </p:txBody>
       </p:sp>
@@ -32260,7 +32299,7 @@
     </p:spTree>
     <p:extLst>
       <p:ext uri="{BB962C8B-B14F-4D97-AF65-F5344CB8AC3E}">
-        <p14:creationId xmlns:p14="http://schemas.microsoft.com/office/powerpoint/2010/main" val="235523047"/>
+        <p14:creationId xmlns:p14="http://schemas.microsoft.com/office/powerpoint/2010/main" val="1468710820"/>
       </p:ext>
     </p:extLst>
   </p:cSld>
@@ -32346,34 +32385,9 @@
           </a:p>
           <a:p>
             <a:r>
-              <a:rPr lang="en-US" dirty="0"/>
-              <a:t>Assessing performance over </a:t>
-            </a:r>
-            <a:r>
               <a:rPr lang="en-US" dirty="0" smtClean="0"/>
-              <a:t>time</a:t>
-            </a:r>
-          </a:p>
-          <a:p>
-            <a:r>
-              <a:rPr lang="en-US" dirty="0" smtClean="0"/>
-              <a:t>Continued learning:</a:t>
-            </a:r>
-          </a:p>
-          <a:p>
-            <a:pPr lvl="1"/>
-            <a:r>
-              <a:rPr lang="en-US" dirty="0" smtClean="0"/>
-              <a:t>Online learning</a:t>
-            </a:r>
-          </a:p>
-          <a:p>
-            <a:pPr lvl="1"/>
-            <a:r>
-              <a:rPr lang="en-US" dirty="0" smtClean="0"/>
-              <a:t>Active learning</a:t>
-            </a:r>
-            <a:endParaRPr lang="en-US" dirty="0"/>
+              <a:t>Assessing performance over time</a:t>
+            </a:r>
           </a:p>
         </p:txBody>
       </p:sp>
@@ -32445,7 +32459,7 @@
     </p:spTree>
     <p:extLst>
       <p:ext uri="{BB962C8B-B14F-4D97-AF65-F5344CB8AC3E}">
-        <p14:creationId xmlns:p14="http://schemas.microsoft.com/office/powerpoint/2010/main" val="1470459296"/>
+        <p14:creationId xmlns:p14="http://schemas.microsoft.com/office/powerpoint/2010/main" val="235523047"/>
       </p:ext>
     </p:extLst>
   </p:cSld>
@@ -32495,8 +32509,68 @@
           <a:lstStyle/>
           <a:p>
             <a:r>
-              <a:rPr lang="en-US" smtClean="0"/>
-              <a:t>What’s next?</a:t>
+              <a:rPr lang="en-US" dirty="0" smtClean="0"/>
+              <a:t>Integrating ML</a:t>
+            </a:r>
+            <a:br>
+              <a:rPr lang="en-US" dirty="0" smtClean="0"/>
+            </a:br>
+            <a:r>
+              <a:rPr lang="en-US" dirty="0" smtClean="0"/>
+              <a:t>into Interactive Systems</a:t>
+            </a:r>
+            <a:endParaRPr lang="en-US" dirty="0"/>
+          </a:p>
+        </p:txBody>
+      </p:sp>
+      <p:sp>
+        <p:nvSpPr>
+          <p:cNvPr id="3" name="Content Placeholder 2"/>
+          <p:cNvSpPr>
+            <a:spLocks noGrp="1"/>
+          </p:cNvSpPr>
+          <p:nvPr>
+            <p:ph idx="1"/>
+          </p:nvPr>
+        </p:nvSpPr>
+        <p:spPr/>
+        <p:txBody>
+          <a:bodyPr/>
+          <a:lstStyle/>
+          <a:p>
+            <a:r>
+              <a:rPr lang="en-US" dirty="0" smtClean="0"/>
+              <a:t>Real-time Classification</a:t>
+            </a:r>
+          </a:p>
+          <a:p>
+            <a:r>
+              <a:rPr lang="en-US" dirty="0"/>
+              <a:t>Assessing performance over </a:t>
+            </a:r>
+            <a:r>
+              <a:rPr lang="en-US" dirty="0" smtClean="0"/>
+              <a:t>time</a:t>
+            </a:r>
+          </a:p>
+          <a:p>
+            <a:r>
+              <a:rPr lang="en-US" dirty="0" smtClean="0"/>
+              <a:t>Continued learning:</a:t>
+            </a:r>
+          </a:p>
+          <a:p>
+            <a:pPr lvl="1"/>
+            <a:r>
+              <a:rPr lang="en-US" dirty="0" smtClean="0"/>
+              <a:t>Online learning</a:t>
+            </a:r>
+          </a:p>
+          <a:p>
+            <a:pPr lvl="1"/>
+            <a:r>
+              <a:rPr lang="en-US" dirty="0" smtClean="0"/>
+              <a:t>Active learning</a:t>
             </a:r>
             <a:endParaRPr lang="en-US" dirty="0"/>
           </a:p>
@@ -32562,6 +32636,131 @@
             <a:fld id="{17E276FA-8F89-B34D-A726-BE3FA1F8DD97}" type="slidenum">
               <a:rPr lang="en-US" smtClean="0"/>
               <a:t>46</a:t>
+            </a:fld>
+            <a:endParaRPr lang="en-US" dirty="0"/>
+          </a:p>
+        </p:txBody>
+      </p:sp>
+    </p:spTree>
+    <p:extLst>
+      <p:ext uri="{BB962C8B-B14F-4D97-AF65-F5344CB8AC3E}">
+        <p14:creationId xmlns:p14="http://schemas.microsoft.com/office/powerpoint/2010/main" val="1470459296"/>
+      </p:ext>
+    </p:extLst>
+  </p:cSld>
+  <p:clrMapOvr>
+    <a:masterClrMapping/>
+  </p:clrMapOvr>
+  <p:timing>
+    <p:tnLst>
+      <p:par>
+        <p:cTn id="1" dur="indefinite" restart="never" nodeType="tmRoot"/>
+      </p:par>
+    </p:tnLst>
+  </p:timing>
+</p:sld>
+</file>
+
+<file path=ppt/slides/slide47.xml><?xml version="1.0" encoding="utf-8"?>
+<p:sld xmlns:a="http://schemas.openxmlformats.org/drawingml/2006/main" xmlns:r="http://schemas.openxmlformats.org/officeDocument/2006/relationships" xmlns:p="http://schemas.openxmlformats.org/presentationml/2006/main">
+  <p:cSld>
+    <p:spTree>
+      <p:nvGrpSpPr>
+        <p:cNvPr id="1" name=""/>
+        <p:cNvGrpSpPr/>
+        <p:nvPr/>
+      </p:nvGrpSpPr>
+      <p:grpSpPr>
+        <a:xfrm>
+          <a:off x="0" y="0"/>
+          <a:ext cx="0" cy="0"/>
+          <a:chOff x="0" y="0"/>
+          <a:chExt cx="0" cy="0"/>
+        </a:xfrm>
+      </p:grpSpPr>
+      <p:sp>
+        <p:nvSpPr>
+          <p:cNvPr id="2" name="Title 1"/>
+          <p:cNvSpPr>
+            <a:spLocks noGrp="1"/>
+          </p:cNvSpPr>
+          <p:nvPr>
+            <p:ph type="title"/>
+          </p:nvPr>
+        </p:nvSpPr>
+        <p:spPr/>
+        <p:txBody>
+          <a:bodyPr/>
+          <a:lstStyle/>
+          <a:p>
+            <a:r>
+              <a:rPr lang="en-US" smtClean="0"/>
+              <a:t>What’s next?</a:t>
+            </a:r>
+            <a:endParaRPr lang="en-US" dirty="0"/>
+          </a:p>
+        </p:txBody>
+      </p:sp>
+      <p:sp>
+        <p:nvSpPr>
+          <p:cNvPr id="4" name="Date Placeholder 3"/>
+          <p:cNvSpPr>
+            <a:spLocks noGrp="1"/>
+          </p:cNvSpPr>
+          <p:nvPr>
+            <p:ph type="dt" sz="half" idx="10"/>
+          </p:nvPr>
+        </p:nvSpPr>
+        <p:spPr/>
+        <p:txBody>
+          <a:bodyPr/>
+          <a:lstStyle/>
+          <a:p>
+            <a:fld id="{7053BEFA-1175-F644-B249-7D41D72BD3FF}" type="datetime1">
+              <a:rPr lang="en-US" smtClean="0"/>
+              <a:t>4/11/17</a:t>
+            </a:fld>
+            <a:endParaRPr lang="en-US"/>
+          </a:p>
+        </p:txBody>
+      </p:sp>
+      <p:sp>
+        <p:nvSpPr>
+          <p:cNvPr id="5" name="Footer Placeholder 4"/>
+          <p:cNvSpPr>
+            <a:spLocks noGrp="1"/>
+          </p:cNvSpPr>
+          <p:nvPr>
+            <p:ph type="ftr" sz="quarter" idx="11"/>
+          </p:nvPr>
+        </p:nvSpPr>
+        <p:spPr/>
+        <p:txBody>
+          <a:bodyPr/>
+          <a:lstStyle/>
+          <a:p>
+            <a:endParaRPr lang="en-US" dirty="0"/>
+          </a:p>
+        </p:txBody>
+      </p:sp>
+      <p:sp>
+        <p:nvSpPr>
+          <p:cNvPr id="6" name="Slide Number Placeholder 5"/>
+          <p:cNvSpPr>
+            <a:spLocks noGrp="1"/>
+          </p:cNvSpPr>
+          <p:nvPr>
+            <p:ph type="sldNum" sz="quarter" idx="12"/>
+          </p:nvPr>
+        </p:nvSpPr>
+        <p:spPr/>
+        <p:txBody>
+          <a:bodyPr/>
+          <a:lstStyle/>
+          <a:p>
+            <a:fld id="{17E276FA-8F89-B34D-A726-BE3FA1F8DD97}" type="slidenum">
+              <a:rPr lang="en-US" smtClean="0"/>
+              <a:t>47</a:t>
             </a:fld>
             <a:endParaRPr lang="en-US" dirty="0"/>
           </a:p>
@@ -32745,6 +32944,132 @@
           </a:p>
         </p:txBody>
       </p:sp>
+    </p:spTree>
+    <p:extLst>
+      <p:ext uri="{BB962C8B-B14F-4D97-AF65-F5344CB8AC3E}">
+        <p14:creationId xmlns:p14="http://schemas.microsoft.com/office/powerpoint/2010/main" val="881586535"/>
+      </p:ext>
+    </p:extLst>
+  </p:cSld>
+  <p:clrMapOvr>
+    <a:masterClrMapping/>
+  </p:clrMapOvr>
+  <mc:AlternateContent xmlns:mc="http://schemas.openxmlformats.org/markup-compatibility/2006" xmlns:p14="http://schemas.microsoft.com/office/powerpoint/2010/main">
+    <mc:Choice Requires="p14">
+      <p:transition spd="slow" p14:dur="2000"/>
+    </mc:Choice>
+    <mc:Fallback xmlns="">
+      <p:transition spd="slow"/>
+    </mc:Fallback>
+  </mc:AlternateContent>
+  <p:timing>
+    <p:tnLst>
+      <p:par>
+        <p:cTn id="1" dur="indefinite" restart="never" nodeType="tmRoot"/>
+      </p:par>
+    </p:tnLst>
+  </p:timing>
+</p:sld>
+</file>
+
+<file path=ppt/slides/slide6.xml><?xml version="1.0" encoding="utf-8"?>
+<p:sld xmlns:a="http://schemas.openxmlformats.org/drawingml/2006/main" xmlns:r="http://schemas.openxmlformats.org/officeDocument/2006/relationships" xmlns:p="http://schemas.openxmlformats.org/presentationml/2006/main">
+  <p:cSld>
+    <p:spTree>
+      <p:nvGrpSpPr>
+        <p:cNvPr id="1" name=""/>
+        <p:cNvGrpSpPr/>
+        <p:nvPr/>
+      </p:nvGrpSpPr>
+      <p:grpSpPr>
+        <a:xfrm>
+          <a:off x="0" y="0"/>
+          <a:ext cx="0" cy="0"/>
+          <a:chOff x="0" y="0"/>
+          <a:chExt cx="0" cy="0"/>
+        </a:xfrm>
+      </p:grpSpPr>
+      <p:sp>
+        <p:nvSpPr>
+          <p:cNvPr id="18434" name="Rectangle 2"/>
+          <p:cNvSpPr>
+            <a:spLocks noGrp="1" noChangeArrowheads="1"/>
+          </p:cNvSpPr>
+          <p:nvPr>
+            <p:ph type="title"/>
+          </p:nvPr>
+        </p:nvSpPr>
+        <p:spPr/>
+        <p:txBody>
+          <a:bodyPr/>
+          <a:lstStyle/>
+          <a:p>
+            <a:pPr eaLnBrk="1" hangingPunct="1"/>
+            <a:r>
+              <a:rPr lang="en-US" dirty="0" smtClean="0">
+                <a:latin typeface="Arial" charset="0"/>
+              </a:rPr>
+              <a:t>Selecting algorithms for Big Data</a:t>
+            </a:r>
+            <a:endParaRPr lang="en-US" dirty="0">
+              <a:latin typeface="Arial" charset="0"/>
+            </a:endParaRPr>
+          </a:p>
+        </p:txBody>
+      </p:sp>
+      <p:pic>
+        <p:nvPicPr>
+          <p:cNvPr id="3" name="Content Placeholder 2"/>
+          <p:cNvPicPr>
+            <a:picLocks noGrp="1" noChangeAspect="1"/>
+          </p:cNvPicPr>
+          <p:nvPr>
+            <p:ph idx="1"/>
+          </p:nvPr>
+        </p:nvPicPr>
+        <p:blipFill rotWithShape="1">
+          <a:blip r:embed="rId3"/>
+          <a:srcRect t="454" b="454"/>
+          <a:stretch/>
+        </p:blipFill>
+        <p:spPr/>
+      </p:pic>
+      <p:sp>
+        <p:nvSpPr>
+          <p:cNvPr id="4" name="Rectangle 3"/>
+          <p:cNvSpPr/>
+          <p:nvPr/>
+        </p:nvSpPr>
+        <p:spPr>
+          <a:xfrm>
+            <a:off x="119445" y="6488668"/>
+            <a:ext cx="9067800" cy="369332"/>
+          </a:xfrm>
+          <a:prstGeom prst="rect">
+            <a:avLst/>
+          </a:prstGeom>
+        </p:spPr>
+        <p:txBody>
+          <a:bodyPr wrap="square">
+            <a:spAutoFit/>
+          </a:bodyPr>
+          <a:lstStyle/>
+          <a:p>
+            <a:r>
+              <a:rPr lang="en-US" dirty="0"/>
+              <a:t>http://</a:t>
+            </a:r>
+            <a:r>
+              <a:rPr lang="en-US" dirty="0" err="1"/>
+              <a:t>www.quora.com</a:t>
+            </a:r>
+            <a:r>
+              <a:rPr lang="en-US" dirty="0"/>
+              <a:t>/What-are-the-advantages-of-different-classification-algorithms</a:t>
+            </a:r>
+          </a:p>
+        </p:txBody>
+      </p:sp>
       <p:sp>
         <p:nvSpPr>
           <p:cNvPr id="5" name="Rectangle 4"/>
@@ -32800,11 +33125,11 @@
   <p:clrMapOvr>
     <a:masterClrMapping/>
   </p:clrMapOvr>
-  <mc:AlternateContent xmlns:mc="http://schemas.openxmlformats.org/markup-compatibility/2006">
-    <mc:Choice xmlns:p14="http://schemas.microsoft.com/office/powerpoint/2010/main" Requires="p14">
+  <mc:AlternateContent xmlns:mc="http://schemas.openxmlformats.org/markup-compatibility/2006" xmlns:p14="http://schemas.microsoft.com/office/powerpoint/2010/main">
+    <mc:Choice Requires="p14">
       <p:transition spd="slow" p14:dur="2000"/>
     </mc:Choice>
-    <mc:Fallback>
+    <mc:Fallback xmlns="">
       <p:transition spd="slow"/>
     </mc:Fallback>
   </mc:AlternateContent>
@@ -32818,7 +33143,7 @@
 </p:sld>
 </file>
 
-<file path=ppt/slides/slide6.xml><?xml version="1.0" encoding="utf-8"?>
+<file path=ppt/slides/slide7.xml><?xml version="1.0" encoding="utf-8"?>
 <p:sld xmlns:a="http://schemas.openxmlformats.org/drawingml/2006/main" xmlns:r="http://schemas.openxmlformats.org/officeDocument/2006/relationships" xmlns:p="http://schemas.openxmlformats.org/presentationml/2006/main">
   <p:cSld>
     <p:spTree>
@@ -32961,184 +33286,6 @@
 </p:sld>
 </file>
 
-<file path=ppt/slides/slide7.xml><?xml version="1.0" encoding="utf-8"?>
-<p:sld xmlns:a="http://schemas.openxmlformats.org/drawingml/2006/main" xmlns:r="http://schemas.openxmlformats.org/officeDocument/2006/relationships" xmlns:p="http://schemas.openxmlformats.org/presentationml/2006/main">
-  <p:cSld>
-    <p:spTree>
-      <p:nvGrpSpPr>
-        <p:cNvPr id="1" name=""/>
-        <p:cNvGrpSpPr/>
-        <p:nvPr/>
-      </p:nvGrpSpPr>
-      <p:grpSpPr>
-        <a:xfrm>
-          <a:off x="0" y="0"/>
-          <a:ext cx="0" cy="0"/>
-          <a:chOff x="0" y="0"/>
-          <a:chExt cx="0" cy="0"/>
-        </a:xfrm>
-      </p:grpSpPr>
-      <p:sp>
-        <p:nvSpPr>
-          <p:cNvPr id="2" name="Title 1"/>
-          <p:cNvSpPr>
-            <a:spLocks noGrp="1"/>
-          </p:cNvSpPr>
-          <p:nvPr>
-            <p:ph type="title"/>
-          </p:nvPr>
-        </p:nvSpPr>
-        <p:spPr/>
-        <p:txBody>
-          <a:bodyPr/>
-          <a:lstStyle/>
-          <a:p>
-            <a:r>
-              <a:rPr lang="en-US" dirty="0" smtClean="0"/>
-              <a:t>Google </a:t>
-            </a:r>
-            <a:r>
-              <a:rPr lang="en-US" dirty="0" err="1" smtClean="0"/>
-              <a:t>BigQuery</a:t>
-            </a:r>
-            <a:endParaRPr lang="en-US" dirty="0"/>
-          </a:p>
-        </p:txBody>
-      </p:sp>
-      <p:sp>
-        <p:nvSpPr>
-          <p:cNvPr id="3" name="Content Placeholder 2"/>
-          <p:cNvSpPr>
-            <a:spLocks noGrp="1"/>
-          </p:cNvSpPr>
-          <p:nvPr>
-            <p:ph idx="1"/>
-          </p:nvPr>
-        </p:nvSpPr>
-        <p:spPr/>
-        <p:txBody>
-          <a:bodyPr/>
-          <a:lstStyle/>
-          <a:p>
-            <a:r>
-              <a:rPr lang="en-US" dirty="0" smtClean="0"/>
-              <a:t>“A </a:t>
-            </a:r>
-            <a:r>
-              <a:rPr lang="en-US" dirty="0"/>
-              <a:t>fast, economical and fully managed data warehouse for large-scale data analytics</a:t>
-            </a:r>
-            <a:r>
-              <a:rPr lang="en-US" dirty="0" smtClean="0"/>
-              <a:t>.”</a:t>
-            </a:r>
-            <a:endParaRPr lang="en-US" dirty="0"/>
-          </a:p>
-          <a:p>
-            <a:pPr marL="0" indent="0">
-              <a:buNone/>
-            </a:pPr>
-            <a:r>
-              <a:rPr lang="en-US" sz="2000" dirty="0" smtClean="0"/>
-              <a:t> </a:t>
-            </a:r>
-            <a:endParaRPr lang="en-US" sz="2000" dirty="0"/>
-          </a:p>
-        </p:txBody>
-      </p:sp>
-      <p:sp>
-        <p:nvSpPr>
-          <p:cNvPr id="4" name="Date Placeholder 3"/>
-          <p:cNvSpPr>
-            <a:spLocks noGrp="1"/>
-          </p:cNvSpPr>
-          <p:nvPr>
-            <p:ph type="dt" sz="half" idx="10"/>
-          </p:nvPr>
-        </p:nvSpPr>
-        <p:spPr/>
-        <p:txBody>
-          <a:bodyPr/>
-          <a:lstStyle/>
-          <a:p>
-            <a:fld id="{7053BEFA-1175-F644-B249-7D41D72BD3FF}" type="datetime1">
-              <a:rPr lang="en-US" smtClean="0"/>
-              <a:t>4/11/17</a:t>
-            </a:fld>
-            <a:endParaRPr lang="en-US"/>
-          </a:p>
-        </p:txBody>
-      </p:sp>
-      <p:sp>
-        <p:nvSpPr>
-          <p:cNvPr id="5" name="Footer Placeholder 4"/>
-          <p:cNvSpPr>
-            <a:spLocks noGrp="1"/>
-          </p:cNvSpPr>
-          <p:nvPr>
-            <p:ph type="ftr" sz="quarter" idx="11"/>
-          </p:nvPr>
-        </p:nvSpPr>
-        <p:spPr/>
-        <p:txBody>
-          <a:bodyPr/>
-          <a:lstStyle/>
-          <a:p>
-            <a:endParaRPr lang="en-US" dirty="0"/>
-          </a:p>
-        </p:txBody>
-      </p:sp>
-      <p:sp>
-        <p:nvSpPr>
-          <p:cNvPr id="6" name="Slide Number Placeholder 5"/>
-          <p:cNvSpPr>
-            <a:spLocks noGrp="1"/>
-          </p:cNvSpPr>
-          <p:nvPr>
-            <p:ph type="sldNum" sz="quarter" idx="12"/>
-          </p:nvPr>
-        </p:nvSpPr>
-        <p:spPr/>
-        <p:txBody>
-          <a:bodyPr/>
-          <a:lstStyle/>
-          <a:p>
-            <a:fld id="{17E276FA-8F89-B34D-A726-BE3FA1F8DD97}" type="slidenum">
-              <a:rPr lang="en-US" smtClean="0"/>
-              <a:t>7</a:t>
-            </a:fld>
-            <a:endParaRPr lang="en-US" dirty="0"/>
-          </a:p>
-        </p:txBody>
-      </p:sp>
-    </p:spTree>
-    <p:extLst>
-      <p:ext uri="{BB962C8B-B14F-4D97-AF65-F5344CB8AC3E}">
-        <p14:creationId xmlns:p14="http://schemas.microsoft.com/office/powerpoint/2010/main" val="1506341589"/>
-      </p:ext>
-    </p:extLst>
-  </p:cSld>
-  <p:clrMapOvr>
-    <a:masterClrMapping/>
-  </p:clrMapOvr>
-  <mc:AlternateContent xmlns:mc="http://schemas.openxmlformats.org/markup-compatibility/2006">
-    <mc:Choice xmlns:p14="http://schemas.microsoft.com/office/powerpoint/2010/main" Requires="p14">
-      <p:transition spd="slow" p14:dur="2000"/>
-    </mc:Choice>
-    <mc:Fallback>
-      <p:transition spd="slow"/>
-    </mc:Fallback>
-  </mc:AlternateContent>
-  <p:timing>
-    <p:tnLst>
-      <p:par>
-        <p:cTn id="1" dur="indefinite" restart="never" nodeType="tmRoot"/>
-      </p:par>
-    </p:tnLst>
-  </p:timing>
-</p:sld>
-</file>
-
 <file path=ppt/slides/slide8.xml><?xml version="1.0" encoding="utf-8"?>
 <p:sld xmlns:a="http://schemas.openxmlformats.org/drawingml/2006/main" xmlns:r="http://schemas.openxmlformats.org/officeDocument/2006/relationships" xmlns:p="http://schemas.openxmlformats.org/presentationml/2006/main">
   <p:cSld>
@@ -33204,15 +33351,7 @@
             </a:r>
             <a:r>
               <a:rPr lang="en-US" dirty="0"/>
-              <a:t>fast, economical and fully managed </a:t>
-            </a:r>
-            <a:r>
-              <a:rPr lang="en-US" b="1" dirty="0"/>
-              <a:t>data warehouse </a:t>
-            </a:r>
-            <a:r>
-              <a:rPr lang="en-US" dirty="0"/>
-              <a:t>for large-scale data analytics</a:t>
+              <a:t>fast, economical and fully managed data warehouse for large-scale data analytics</a:t>
             </a:r>
             <a:r>
               <a:rPr lang="en-US" dirty="0" smtClean="0"/>
@@ -33300,18 +33439,18 @@
     </p:spTree>
     <p:extLst>
       <p:ext uri="{BB962C8B-B14F-4D97-AF65-F5344CB8AC3E}">
-        <p14:creationId xmlns:p14="http://schemas.microsoft.com/office/powerpoint/2010/main" val="1681052934"/>
+        <p14:creationId xmlns:p14="http://schemas.microsoft.com/office/powerpoint/2010/main" val="1506341589"/>
       </p:ext>
     </p:extLst>
   </p:cSld>
   <p:clrMapOvr>
     <a:masterClrMapping/>
   </p:clrMapOvr>
-  <mc:AlternateContent xmlns:mc="http://schemas.openxmlformats.org/markup-compatibility/2006">
-    <mc:Choice xmlns:p14="http://schemas.microsoft.com/office/powerpoint/2010/main" Requires="p14">
+  <mc:AlternateContent xmlns:mc="http://schemas.openxmlformats.org/markup-compatibility/2006" xmlns:p14="http://schemas.microsoft.com/office/powerpoint/2010/main">
+    <mc:Choice Requires="p14">
       <p:transition spd="slow" p14:dur="2000"/>
     </mc:Choice>
-    <mc:Fallback>
+    <mc:Fallback xmlns="">
       <p:transition spd="slow"/>
     </mc:Fallback>
   </mc:AlternateContent>
@@ -33390,15 +33529,15 @@
             </a:r>
             <a:r>
               <a:rPr lang="en-US" dirty="0"/>
-              <a:t>fast, economical and </a:t>
+              <a:t>fast, economical and fully managed </a:t>
             </a:r>
             <a:r>
               <a:rPr lang="en-US" b="1" dirty="0"/>
-              <a:t>fully managed </a:t>
+              <a:t>data warehouse </a:t>
             </a:r>
             <a:r>
               <a:rPr lang="en-US" dirty="0"/>
-              <a:t>data warehouse for large-scale data analytics</a:t>
+              <a:t>for large-scale data analytics</a:t>
             </a:r>
             <a:r>
               <a:rPr lang="en-US" dirty="0" smtClean="0"/>
@@ -33486,18 +33625,18 @@
     </p:spTree>
     <p:extLst>
       <p:ext uri="{BB962C8B-B14F-4D97-AF65-F5344CB8AC3E}">
-        <p14:creationId xmlns:p14="http://schemas.microsoft.com/office/powerpoint/2010/main" val="1109664360"/>
+        <p14:creationId xmlns:p14="http://schemas.microsoft.com/office/powerpoint/2010/main" val="1681052934"/>
       </p:ext>
     </p:extLst>
   </p:cSld>
   <p:clrMapOvr>
     <a:masterClrMapping/>
   </p:clrMapOvr>
-  <mc:AlternateContent xmlns:mc="http://schemas.openxmlformats.org/markup-compatibility/2006">
-    <mc:Choice xmlns:p14="http://schemas.microsoft.com/office/powerpoint/2010/main" Requires="p14">
+  <mc:AlternateContent xmlns:mc="http://schemas.openxmlformats.org/markup-compatibility/2006" xmlns:p14="http://schemas.microsoft.com/office/powerpoint/2010/main">
+    <mc:Choice Requires="p14">
       <p:transition spd="slow" p14:dur="2000"/>
     </mc:Choice>
-    <mc:Fallback>
+    <mc:Fallback xmlns="">
       <p:transition spd="slow"/>
     </mc:Fallback>
   </mc:AlternateContent>
